--- a/trunk/ haptic-glove --username sreekar/CHi 2010/Presentation1.pptx
+++ b/trunk/ haptic-glove --username sreekar/CHi 2010/Presentation1.pptx
@@ -206,11 +206,11 @@
             </c:numRef>
           </c:val>
         </c:ser>
-        <c:axId val="99794944"/>
-        <c:axId val="99796480"/>
+        <c:axId val="106946560"/>
+        <c:axId val="106948096"/>
       </c:barChart>
       <c:catAx>
-        <c:axId val="99794944"/>
+        <c:axId val="106946560"/>
         <c:scaling>
           <c:orientation val="minMax"/>
         </c:scaling>
@@ -218,14 +218,14 @@
         <c:axPos val="b"/>
         <c:numFmt formatCode="General" sourceLinked="1"/>
         <c:tickLblPos val="none"/>
-        <c:crossAx val="99796480"/>
+        <c:crossAx val="106948096"/>
         <c:crosses val="autoZero"/>
         <c:auto val="1"/>
         <c:lblAlgn val="ctr"/>
         <c:lblOffset val="100"/>
       </c:catAx>
       <c:valAx>
-        <c:axId val="99796480"/>
+        <c:axId val="106948096"/>
         <c:scaling>
           <c:orientation val="minMax"/>
         </c:scaling>
@@ -233,7 +233,7 @@
         <c:majorGridlines/>
         <c:numFmt formatCode="General" sourceLinked="1"/>
         <c:tickLblPos val="nextTo"/>
-        <c:crossAx val="99794944"/>
+        <c:crossAx val="106946560"/>
         <c:crosses val="autoZero"/>
         <c:crossBetween val="between"/>
       </c:valAx>
@@ -436,7 +436,7 @@
             <a:fld id="{8F2A4929-EF13-4500-9AB4-448222E3102A}" type="datetimeFigureOut">
               <a:rPr lang="en-US" smtClean="0"/>
               <a:pPr/>
-              <a:t>12/28/2009</a:t>
+              <a:t>12/29/2009</a:t>
             </a:fld>
             <a:endParaRPr lang="en-US"/>
           </a:p>
@@ -603,7 +603,7 @@
             <a:fld id="{8F2A4929-EF13-4500-9AB4-448222E3102A}" type="datetimeFigureOut">
               <a:rPr lang="en-US" smtClean="0"/>
               <a:pPr/>
-              <a:t>12/28/2009</a:t>
+              <a:t>12/29/2009</a:t>
             </a:fld>
             <a:endParaRPr lang="en-US"/>
           </a:p>
@@ -780,7 +780,7 @@
             <a:fld id="{8F2A4929-EF13-4500-9AB4-448222E3102A}" type="datetimeFigureOut">
               <a:rPr lang="en-US" smtClean="0"/>
               <a:pPr/>
-              <a:t>12/28/2009</a:t>
+              <a:t>12/29/2009</a:t>
             </a:fld>
             <a:endParaRPr lang="en-US"/>
           </a:p>
@@ -947,7 +947,7 @@
             <a:fld id="{8F2A4929-EF13-4500-9AB4-448222E3102A}" type="datetimeFigureOut">
               <a:rPr lang="en-US" smtClean="0"/>
               <a:pPr/>
-              <a:t>12/28/2009</a:t>
+              <a:t>12/29/2009</a:t>
             </a:fld>
             <a:endParaRPr lang="en-US"/>
           </a:p>
@@ -1190,7 +1190,7 @@
             <a:fld id="{8F2A4929-EF13-4500-9AB4-448222E3102A}" type="datetimeFigureOut">
               <a:rPr lang="en-US" smtClean="0"/>
               <a:pPr/>
-              <a:t>12/28/2009</a:t>
+              <a:t>12/29/2009</a:t>
             </a:fld>
             <a:endParaRPr lang="en-US"/>
           </a:p>
@@ -1475,7 +1475,7 @@
             <a:fld id="{8F2A4929-EF13-4500-9AB4-448222E3102A}" type="datetimeFigureOut">
               <a:rPr lang="en-US" smtClean="0"/>
               <a:pPr/>
-              <a:t>12/28/2009</a:t>
+              <a:t>12/29/2009</a:t>
             </a:fld>
             <a:endParaRPr lang="en-US"/>
           </a:p>
@@ -1894,7 +1894,7 @@
             <a:fld id="{8F2A4929-EF13-4500-9AB4-448222E3102A}" type="datetimeFigureOut">
               <a:rPr lang="en-US" smtClean="0"/>
               <a:pPr/>
-              <a:t>12/28/2009</a:t>
+              <a:t>12/29/2009</a:t>
             </a:fld>
             <a:endParaRPr lang="en-US"/>
           </a:p>
@@ -2009,7 +2009,7 @@
             <a:fld id="{8F2A4929-EF13-4500-9AB4-448222E3102A}" type="datetimeFigureOut">
               <a:rPr lang="en-US" smtClean="0"/>
               <a:pPr/>
-              <a:t>12/28/2009</a:t>
+              <a:t>12/29/2009</a:t>
             </a:fld>
             <a:endParaRPr lang="en-US"/>
           </a:p>
@@ -2101,7 +2101,7 @@
             <a:fld id="{8F2A4929-EF13-4500-9AB4-448222E3102A}" type="datetimeFigureOut">
               <a:rPr lang="en-US" smtClean="0"/>
               <a:pPr/>
-              <a:t>12/28/2009</a:t>
+              <a:t>12/29/2009</a:t>
             </a:fld>
             <a:endParaRPr lang="en-US"/>
           </a:p>
@@ -2375,7 +2375,7 @@
             <a:fld id="{8F2A4929-EF13-4500-9AB4-448222E3102A}" type="datetimeFigureOut">
               <a:rPr lang="en-US" smtClean="0"/>
               <a:pPr/>
-              <a:t>12/28/2009</a:t>
+              <a:t>12/29/2009</a:t>
             </a:fld>
             <a:endParaRPr lang="en-US"/>
           </a:p>
@@ -2625,7 +2625,7 @@
             <a:fld id="{8F2A4929-EF13-4500-9AB4-448222E3102A}" type="datetimeFigureOut">
               <a:rPr lang="en-US" smtClean="0"/>
               <a:pPr/>
-              <a:t>12/28/2009</a:t>
+              <a:t>12/29/2009</a:t>
             </a:fld>
             <a:endParaRPr lang="en-US"/>
           </a:p>
@@ -2835,7 +2835,7 @@
             <a:fld id="{8F2A4929-EF13-4500-9AB4-448222E3102A}" type="datetimeFigureOut">
               <a:rPr lang="en-US" smtClean="0"/>
               <a:pPr/>
-              <a:t>12/28/2009</a:t>
+              <a:t>12/29/2009</a:t>
             </a:fld>
             <a:endParaRPr lang="en-US"/>
           </a:p>
@@ -6960,7 +6960,7 @@
         </p:nvGraphicFramePr>
         <p:xfrm>
           <a:off x="152400" y="152401"/>
-          <a:ext cx="6781800" cy="6625193"/>
+          <a:ext cx="8458200" cy="6625193"/>
         </p:xfrm>
         <a:graphic>
           <a:graphicData uri="http://schemas.openxmlformats.org/drawingml/2006/table">
@@ -6969,10 +6969,11 @@
                 <a:tableStyleId>{C083E6E3-FA7D-4D7B-A595-EF9225AFEA82}</a:tableStyleId>
               </a:tblPr>
               <a:tblGrid>
-                <a:gridCol w="1524000"/>
-                <a:gridCol w="1143000"/>
-                <a:gridCol w="2607733"/>
-                <a:gridCol w="1507067"/>
+                <a:gridCol w="1600200"/>
+                <a:gridCol w="990600"/>
+                <a:gridCol w="2667000"/>
+                <a:gridCol w="1371600"/>
+                <a:gridCol w="1828800"/>
               </a:tblGrid>
               <a:tr h="882610">
                 <a:tc>
@@ -7010,6 +7011,16 @@
                   <a:tcPr/>
                 </a:tc>
                 <a:tc rowSpan="7">
+                  <a:txBody>
+                    <a:bodyPr/>
+                    <a:lstStyle/>
+                    <a:p>
+                      <a:endParaRPr lang="en-US" dirty="0"/>
+                    </a:p>
+                  </a:txBody>
+                  <a:tcPr/>
+                </a:tc>
+                <a:tc>
                   <a:txBody>
                     <a:bodyPr/>
                     <a:lstStyle/>
@@ -7085,6 +7096,16 @@
                   </a:txBody>
                   <a:tcPr/>
                 </a:tc>
+                <a:tc>
+                  <a:txBody>
+                    <a:bodyPr/>
+                    <a:lstStyle/>
+                    <a:p>
+                      <a:endParaRPr lang="en-US" dirty="0"/>
+                    </a:p>
+                  </a:txBody>
+                  <a:tcPr/>
+                </a:tc>
               </a:tr>
               <a:tr h="1130379">
                 <a:tc>
@@ -7122,6 +7143,16 @@
                   <a:tcPr/>
                 </a:tc>
                 <a:tc vMerge="1">
+                  <a:txBody>
+                    <a:bodyPr/>
+                    <a:lstStyle/>
+                    <a:p>
+                      <a:endParaRPr lang="en-US" dirty="0"/>
+                    </a:p>
+                  </a:txBody>
+                  <a:tcPr/>
+                </a:tc>
+                <a:tc>
                   <a:txBody>
                     <a:bodyPr/>
                     <a:lstStyle/>
@@ -7197,6 +7228,16 @@
                   </a:txBody>
                   <a:tcPr/>
                 </a:tc>
+                <a:tc>
+                  <a:txBody>
+                    <a:bodyPr/>
+                    <a:lstStyle/>
+                    <a:p>
+                      <a:endParaRPr lang="en-US" dirty="0"/>
+                    </a:p>
+                  </a:txBody>
+                  <a:tcPr/>
+                </a:tc>
               </a:tr>
               <a:tr h="882610">
                 <a:tc>
@@ -7234,6 +7275,16 @@
                   <a:tcPr/>
                 </a:tc>
                 <a:tc vMerge="1">
+                  <a:txBody>
+                    <a:bodyPr/>
+                    <a:lstStyle/>
+                    <a:p>
+                      <a:endParaRPr lang="en-US" dirty="0"/>
+                    </a:p>
+                  </a:txBody>
+                  <a:tcPr/>
+                </a:tc>
+                <a:tc>
                   <a:txBody>
                     <a:bodyPr/>
                     <a:lstStyle/>
@@ -7309,6 +7360,16 @@
                   </a:txBody>
                   <a:tcPr/>
                 </a:tc>
+                <a:tc>
+                  <a:txBody>
+                    <a:bodyPr/>
+                    <a:lstStyle/>
+                    <a:p>
+                      <a:endParaRPr lang="en-US" dirty="0"/>
+                    </a:p>
+                  </a:txBody>
+                  <a:tcPr/>
+                </a:tc>
               </a:tr>
               <a:tr h="982187">
                 <a:tc>
@@ -7365,6 +7426,16 @@
                   </a:txBody>
                   <a:tcPr/>
                 </a:tc>
+                <a:tc>
+                  <a:txBody>
+                    <a:bodyPr/>
+                    <a:lstStyle/>
+                    <a:p>
+                      <a:endParaRPr lang="en-US" dirty="0"/>
+                    </a:p>
+                  </a:txBody>
+                  <a:tcPr/>
+                </a:tc>
               </a:tr>
             </a:tbl>
           </a:graphicData>
@@ -7401,7 +7472,7 @@
         </p:nvSpPr>
         <p:spPr>
           <a:xfrm>
-            <a:off x="5693392" y="5810536"/>
+            <a:off x="5638800" y="5800725"/>
             <a:ext cx="838200" cy="914400"/>
           </a:xfrm>
           <a:prstGeom prst="rect">
@@ -9910,7 +9981,7 @@
         </p:nvSpPr>
         <p:spPr>
           <a:xfrm>
-            <a:off x="6248400" y="6336030"/>
+            <a:off x="6193808" y="6326219"/>
             <a:ext cx="190098" cy="182880"/>
           </a:xfrm>
           <a:prstGeom prst="ellipse">
@@ -9955,7 +10026,7 @@
         </p:nvSpPr>
         <p:spPr>
           <a:xfrm>
-            <a:off x="5753502" y="6324600"/>
+            <a:off x="5698910" y="6314789"/>
             <a:ext cx="190098" cy="182880"/>
           </a:xfrm>
           <a:prstGeom prst="ellipse">
@@ -10000,7 +10071,7 @@
         </p:nvSpPr>
         <p:spPr>
           <a:xfrm>
-            <a:off x="5981700" y="6316980"/>
+            <a:off x="5927108" y="6307169"/>
             <a:ext cx="190098" cy="182880"/>
           </a:xfrm>
           <a:prstGeom prst="ellipse">
@@ -10043,7 +10114,7 @@
         </p:nvCxnSpPr>
         <p:spPr>
           <a:xfrm rot="10800000">
-            <a:off x="5861050" y="6597650"/>
+            <a:off x="5806458" y="6587839"/>
             <a:ext cx="457200" cy="1588"/>
           </a:xfrm>
           <a:prstGeom prst="straightConnector1">
@@ -10327,6 +10398,1124 @@
           <a:p>
             <a:pPr algn="ctr"/>
             <a:endParaRPr lang="en-US"/>
+          </a:p>
+        </p:txBody>
+      </p:sp>
+      <p:sp>
+        <p:nvSpPr>
+          <p:cNvPr id="83" name="Oval 82"/>
+          <p:cNvSpPr/>
+          <p:nvPr/>
+        </p:nvSpPr>
+        <p:spPr>
+          <a:xfrm>
+            <a:off x="6934200" y="438150"/>
+            <a:ext cx="286656" cy="275772"/>
+          </a:xfrm>
+          <a:prstGeom prst="ellipse">
+            <a:avLst/>
+          </a:prstGeom>
+          <a:ln/>
+        </p:spPr>
+        <p:style>
+          <a:lnRef idx="0">
+            <a:schemeClr val="dk1"/>
+          </a:lnRef>
+          <a:fillRef idx="3">
+            <a:schemeClr val="dk1"/>
+          </a:fillRef>
+          <a:effectRef idx="3">
+            <a:schemeClr val="dk1"/>
+          </a:effectRef>
+          <a:fontRef idx="minor">
+            <a:schemeClr val="lt1"/>
+          </a:fontRef>
+        </p:style>
+        <p:txBody>
+          <a:bodyPr rtlCol="0" anchor="ctr"/>
+          <a:lstStyle/>
+          <a:p>
+            <a:pPr algn="ctr"/>
+            <a:r>
+              <a:rPr lang="en-US" dirty="0" smtClean="0"/>
+              <a:t>A</a:t>
+            </a:r>
+            <a:endParaRPr lang="en-US" dirty="0"/>
+          </a:p>
+        </p:txBody>
+      </p:sp>
+      <p:sp>
+        <p:nvSpPr>
+          <p:cNvPr id="84" name="Oval 83"/>
+          <p:cNvSpPr/>
+          <p:nvPr/>
+        </p:nvSpPr>
+        <p:spPr>
+          <a:xfrm>
+            <a:off x="7257144" y="438150"/>
+            <a:ext cx="286656" cy="275772"/>
+          </a:xfrm>
+          <a:prstGeom prst="ellipse">
+            <a:avLst/>
+          </a:prstGeom>
+          <a:ln/>
+        </p:spPr>
+        <p:style>
+          <a:lnRef idx="0">
+            <a:schemeClr val="dk1"/>
+          </a:lnRef>
+          <a:fillRef idx="3">
+            <a:schemeClr val="dk1"/>
+          </a:fillRef>
+          <a:effectRef idx="3">
+            <a:schemeClr val="dk1"/>
+          </a:effectRef>
+          <a:fontRef idx="minor">
+            <a:schemeClr val="lt1"/>
+          </a:fontRef>
+        </p:style>
+        <p:txBody>
+          <a:bodyPr rtlCol="0" anchor="ctr"/>
+          <a:lstStyle/>
+          <a:p>
+            <a:pPr algn="ctr"/>
+            <a:r>
+              <a:rPr lang="en-US" dirty="0" smtClean="0"/>
+              <a:t>F</a:t>
+            </a:r>
+            <a:endParaRPr lang="en-US" dirty="0"/>
+          </a:p>
+        </p:txBody>
+      </p:sp>
+      <p:sp>
+        <p:nvSpPr>
+          <p:cNvPr id="85" name="Oval 84"/>
+          <p:cNvSpPr/>
+          <p:nvPr/>
+        </p:nvSpPr>
+        <p:spPr>
+          <a:xfrm>
+            <a:off x="7591425" y="438150"/>
+            <a:ext cx="286656" cy="275772"/>
+          </a:xfrm>
+          <a:prstGeom prst="ellipse">
+            <a:avLst/>
+          </a:prstGeom>
+          <a:ln/>
+        </p:spPr>
+        <p:style>
+          <a:lnRef idx="0">
+            <a:schemeClr val="dk1"/>
+          </a:lnRef>
+          <a:fillRef idx="3">
+            <a:schemeClr val="dk1"/>
+          </a:fillRef>
+          <a:effectRef idx="3">
+            <a:schemeClr val="dk1"/>
+          </a:effectRef>
+          <a:fontRef idx="minor">
+            <a:schemeClr val="lt1"/>
+          </a:fontRef>
+        </p:style>
+        <p:txBody>
+          <a:bodyPr rtlCol="0" anchor="ctr"/>
+          <a:lstStyle/>
+          <a:p>
+            <a:pPr algn="ctr"/>
+            <a:r>
+              <a:rPr lang="en-US" dirty="0" smtClean="0"/>
+              <a:t>G</a:t>
+            </a:r>
+            <a:endParaRPr lang="en-US" dirty="0"/>
+          </a:p>
+        </p:txBody>
+      </p:sp>
+      <p:sp>
+        <p:nvSpPr>
+          <p:cNvPr id="86" name="Oval 85"/>
+          <p:cNvSpPr/>
+          <p:nvPr/>
+        </p:nvSpPr>
+        <p:spPr>
+          <a:xfrm>
+            <a:off x="6934200" y="1333953"/>
+            <a:ext cx="286656" cy="275772"/>
+          </a:xfrm>
+          <a:prstGeom prst="ellipse">
+            <a:avLst/>
+          </a:prstGeom>
+          <a:ln/>
+        </p:spPr>
+        <p:style>
+          <a:lnRef idx="0">
+            <a:schemeClr val="dk1"/>
+          </a:lnRef>
+          <a:fillRef idx="3">
+            <a:schemeClr val="dk1"/>
+          </a:fillRef>
+          <a:effectRef idx="3">
+            <a:schemeClr val="dk1"/>
+          </a:effectRef>
+          <a:fontRef idx="minor">
+            <a:schemeClr val="lt1"/>
+          </a:fontRef>
+        </p:style>
+        <p:txBody>
+          <a:bodyPr rtlCol="0" anchor="ctr"/>
+          <a:lstStyle/>
+          <a:p>
+            <a:pPr algn="ctr"/>
+            <a:r>
+              <a:rPr lang="en-US" dirty="0" smtClean="0"/>
+              <a:t>C</a:t>
+            </a:r>
+            <a:endParaRPr lang="en-US" dirty="0"/>
+          </a:p>
+        </p:txBody>
+      </p:sp>
+      <p:sp>
+        <p:nvSpPr>
+          <p:cNvPr id="87" name="Oval 86"/>
+          <p:cNvSpPr/>
+          <p:nvPr/>
+        </p:nvSpPr>
+        <p:spPr>
+          <a:xfrm>
+            <a:off x="7257144" y="1333953"/>
+            <a:ext cx="286656" cy="275772"/>
+          </a:xfrm>
+          <a:prstGeom prst="ellipse">
+            <a:avLst/>
+          </a:prstGeom>
+          <a:ln/>
+        </p:spPr>
+        <p:style>
+          <a:lnRef idx="0">
+            <a:schemeClr val="dk1"/>
+          </a:lnRef>
+          <a:fillRef idx="3">
+            <a:schemeClr val="dk1"/>
+          </a:fillRef>
+          <a:effectRef idx="3">
+            <a:schemeClr val="dk1"/>
+          </a:effectRef>
+          <a:fontRef idx="minor">
+            <a:schemeClr val="lt1"/>
+          </a:fontRef>
+        </p:style>
+        <p:txBody>
+          <a:bodyPr rtlCol="0" anchor="ctr"/>
+          <a:lstStyle/>
+          <a:p>
+            <a:pPr algn="ctr"/>
+            <a:r>
+              <a:rPr lang="en-US" dirty="0" smtClean="0"/>
+              <a:t>D</a:t>
+            </a:r>
+            <a:endParaRPr lang="en-US" dirty="0"/>
+          </a:p>
+        </p:txBody>
+      </p:sp>
+      <p:sp>
+        <p:nvSpPr>
+          <p:cNvPr id="88" name="Oval 87"/>
+          <p:cNvSpPr/>
+          <p:nvPr/>
+        </p:nvSpPr>
+        <p:spPr>
+          <a:xfrm>
+            <a:off x="7591425" y="1333953"/>
+            <a:ext cx="286656" cy="275772"/>
+          </a:xfrm>
+          <a:prstGeom prst="ellipse">
+            <a:avLst/>
+          </a:prstGeom>
+          <a:ln/>
+        </p:spPr>
+        <p:style>
+          <a:lnRef idx="0">
+            <a:schemeClr val="dk1"/>
+          </a:lnRef>
+          <a:fillRef idx="3">
+            <a:schemeClr val="dk1"/>
+          </a:fillRef>
+          <a:effectRef idx="3">
+            <a:schemeClr val="dk1"/>
+          </a:effectRef>
+          <a:fontRef idx="minor">
+            <a:schemeClr val="lt1"/>
+          </a:fontRef>
+        </p:style>
+        <p:txBody>
+          <a:bodyPr rtlCol="0" anchor="ctr"/>
+          <a:lstStyle/>
+          <a:p>
+            <a:pPr algn="ctr"/>
+            <a:r>
+              <a:rPr lang="en-US" dirty="0" smtClean="0"/>
+              <a:t>I</a:t>
+            </a:r>
+            <a:endParaRPr lang="en-US" dirty="0"/>
+          </a:p>
+        </p:txBody>
+      </p:sp>
+      <p:sp>
+        <p:nvSpPr>
+          <p:cNvPr id="89" name="Oval 88"/>
+          <p:cNvSpPr/>
+          <p:nvPr/>
+        </p:nvSpPr>
+        <p:spPr>
+          <a:xfrm>
+            <a:off x="7181850" y="2334078"/>
+            <a:ext cx="286656" cy="275772"/>
+          </a:xfrm>
+          <a:prstGeom prst="ellipse">
+            <a:avLst/>
+          </a:prstGeom>
+          <a:ln/>
+        </p:spPr>
+        <p:style>
+          <a:lnRef idx="0">
+            <a:schemeClr val="dk1"/>
+          </a:lnRef>
+          <a:fillRef idx="3">
+            <a:schemeClr val="dk1"/>
+          </a:fillRef>
+          <a:effectRef idx="3">
+            <a:schemeClr val="dk1"/>
+          </a:effectRef>
+          <a:fontRef idx="minor">
+            <a:schemeClr val="lt1"/>
+          </a:fontRef>
+        </p:style>
+        <p:txBody>
+          <a:bodyPr rtlCol="0" anchor="ctr"/>
+          <a:lstStyle/>
+          <a:p>
+            <a:pPr algn="ctr"/>
+            <a:r>
+              <a:rPr lang="en-US" dirty="0" smtClean="0"/>
+              <a:t>B</a:t>
+            </a:r>
+            <a:endParaRPr lang="en-US" dirty="0"/>
+          </a:p>
+        </p:txBody>
+      </p:sp>
+      <p:sp>
+        <p:nvSpPr>
+          <p:cNvPr id="90" name="Oval 89"/>
+          <p:cNvSpPr/>
+          <p:nvPr/>
+        </p:nvSpPr>
+        <p:spPr>
+          <a:xfrm>
+            <a:off x="7504794" y="2334078"/>
+            <a:ext cx="286656" cy="275772"/>
+          </a:xfrm>
+          <a:prstGeom prst="ellipse">
+            <a:avLst/>
+          </a:prstGeom>
+          <a:ln/>
+        </p:spPr>
+        <p:style>
+          <a:lnRef idx="0">
+            <a:schemeClr val="dk1"/>
+          </a:lnRef>
+          <a:fillRef idx="3">
+            <a:schemeClr val="dk1"/>
+          </a:fillRef>
+          <a:effectRef idx="3">
+            <a:schemeClr val="dk1"/>
+          </a:effectRef>
+          <a:fontRef idx="minor">
+            <a:schemeClr val="lt1"/>
+          </a:fontRef>
+        </p:style>
+        <p:txBody>
+          <a:bodyPr rtlCol="0" anchor="ctr"/>
+          <a:lstStyle/>
+          <a:p>
+            <a:pPr algn="ctr"/>
+            <a:r>
+              <a:rPr lang="en-US" dirty="0" smtClean="0"/>
+              <a:t>F</a:t>
+            </a:r>
+            <a:endParaRPr lang="en-US" dirty="0"/>
+          </a:p>
+        </p:txBody>
+      </p:sp>
+      <p:sp>
+        <p:nvSpPr>
+          <p:cNvPr id="91" name="Oval 90"/>
+          <p:cNvSpPr/>
+          <p:nvPr/>
+        </p:nvSpPr>
+        <p:spPr>
+          <a:xfrm>
+            <a:off x="7839075" y="2334078"/>
+            <a:ext cx="286656" cy="275772"/>
+          </a:xfrm>
+          <a:prstGeom prst="ellipse">
+            <a:avLst/>
+          </a:prstGeom>
+          <a:ln/>
+        </p:spPr>
+        <p:style>
+          <a:lnRef idx="0">
+            <a:schemeClr val="dk1"/>
+          </a:lnRef>
+          <a:fillRef idx="3">
+            <a:schemeClr val="dk1"/>
+          </a:fillRef>
+          <a:effectRef idx="3">
+            <a:schemeClr val="dk1"/>
+          </a:effectRef>
+          <a:fontRef idx="minor">
+            <a:schemeClr val="lt1"/>
+          </a:fontRef>
+        </p:style>
+        <p:txBody>
+          <a:bodyPr rtlCol="0" anchor="ctr"/>
+          <a:lstStyle/>
+          <a:p>
+            <a:pPr algn="ctr"/>
+            <a:r>
+              <a:rPr lang="en-US" dirty="0" smtClean="0"/>
+              <a:t>H</a:t>
+            </a:r>
+            <a:endParaRPr lang="en-US" dirty="0"/>
+          </a:p>
+        </p:txBody>
+      </p:sp>
+      <p:sp>
+        <p:nvSpPr>
+          <p:cNvPr id="92" name="Oval 91"/>
+          <p:cNvSpPr/>
+          <p:nvPr/>
+        </p:nvSpPr>
+        <p:spPr>
+          <a:xfrm>
+            <a:off x="6934200" y="3381828"/>
+            <a:ext cx="286656" cy="275772"/>
+          </a:xfrm>
+          <a:prstGeom prst="ellipse">
+            <a:avLst/>
+          </a:prstGeom>
+          <a:ln/>
+        </p:spPr>
+        <p:style>
+          <a:lnRef idx="0">
+            <a:schemeClr val="dk1"/>
+          </a:lnRef>
+          <a:fillRef idx="3">
+            <a:schemeClr val="dk1"/>
+          </a:fillRef>
+          <a:effectRef idx="3">
+            <a:schemeClr val="dk1"/>
+          </a:effectRef>
+          <a:fontRef idx="minor">
+            <a:schemeClr val="lt1"/>
+          </a:fontRef>
+        </p:style>
+        <p:txBody>
+          <a:bodyPr rtlCol="0" anchor="ctr"/>
+          <a:lstStyle/>
+          <a:p>
+            <a:pPr algn="ctr"/>
+            <a:r>
+              <a:rPr lang="en-US" dirty="0" smtClean="0"/>
+              <a:t>B</a:t>
+            </a:r>
+            <a:endParaRPr lang="en-US" dirty="0"/>
+          </a:p>
+        </p:txBody>
+      </p:sp>
+      <p:sp>
+        <p:nvSpPr>
+          <p:cNvPr id="93" name="Oval 92"/>
+          <p:cNvSpPr/>
+          <p:nvPr/>
+        </p:nvSpPr>
+        <p:spPr>
+          <a:xfrm>
+            <a:off x="7257144" y="3381828"/>
+            <a:ext cx="286656" cy="275772"/>
+          </a:xfrm>
+          <a:prstGeom prst="ellipse">
+            <a:avLst/>
+          </a:prstGeom>
+          <a:ln/>
+        </p:spPr>
+        <p:style>
+          <a:lnRef idx="0">
+            <a:schemeClr val="dk1"/>
+          </a:lnRef>
+          <a:fillRef idx="3">
+            <a:schemeClr val="dk1"/>
+          </a:fillRef>
+          <a:effectRef idx="3">
+            <a:schemeClr val="dk1"/>
+          </a:effectRef>
+          <a:fontRef idx="minor">
+            <a:schemeClr val="lt1"/>
+          </a:fontRef>
+        </p:style>
+        <p:txBody>
+          <a:bodyPr rtlCol="0" anchor="ctr"/>
+          <a:lstStyle/>
+          <a:p>
+            <a:pPr algn="ctr"/>
+            <a:r>
+              <a:rPr lang="en-US" dirty="0" smtClean="0"/>
+              <a:t>E</a:t>
+            </a:r>
+            <a:endParaRPr lang="en-US" dirty="0"/>
+          </a:p>
+        </p:txBody>
+      </p:sp>
+      <p:sp>
+        <p:nvSpPr>
+          <p:cNvPr id="94" name="Oval 93"/>
+          <p:cNvSpPr/>
+          <p:nvPr/>
+        </p:nvSpPr>
+        <p:spPr>
+          <a:xfrm>
+            <a:off x="7591425" y="3381828"/>
+            <a:ext cx="286656" cy="275772"/>
+          </a:xfrm>
+          <a:prstGeom prst="ellipse">
+            <a:avLst/>
+          </a:prstGeom>
+          <a:ln/>
+        </p:spPr>
+        <p:style>
+          <a:lnRef idx="0">
+            <a:schemeClr val="dk1"/>
+          </a:lnRef>
+          <a:fillRef idx="3">
+            <a:schemeClr val="dk1"/>
+          </a:fillRef>
+          <a:effectRef idx="3">
+            <a:schemeClr val="dk1"/>
+          </a:effectRef>
+          <a:fontRef idx="minor">
+            <a:schemeClr val="lt1"/>
+          </a:fontRef>
+        </p:style>
+        <p:txBody>
+          <a:bodyPr rtlCol="0" anchor="ctr"/>
+          <a:lstStyle/>
+          <a:p>
+            <a:pPr algn="ctr"/>
+            <a:r>
+              <a:rPr lang="en-US" dirty="0" smtClean="0"/>
+              <a:t>H</a:t>
+            </a:r>
+            <a:endParaRPr lang="en-US" dirty="0"/>
+          </a:p>
+        </p:txBody>
+      </p:sp>
+      <p:sp>
+        <p:nvSpPr>
+          <p:cNvPr id="95" name="Oval 94"/>
+          <p:cNvSpPr/>
+          <p:nvPr/>
+        </p:nvSpPr>
+        <p:spPr>
+          <a:xfrm>
+            <a:off x="6934200" y="4143828"/>
+            <a:ext cx="286656" cy="275772"/>
+          </a:xfrm>
+          <a:prstGeom prst="ellipse">
+            <a:avLst/>
+          </a:prstGeom>
+          <a:ln/>
+        </p:spPr>
+        <p:style>
+          <a:lnRef idx="0">
+            <a:schemeClr val="dk1"/>
+          </a:lnRef>
+          <a:fillRef idx="3">
+            <a:schemeClr val="dk1"/>
+          </a:fillRef>
+          <a:effectRef idx="3">
+            <a:schemeClr val="dk1"/>
+          </a:effectRef>
+          <a:fontRef idx="minor">
+            <a:schemeClr val="lt1"/>
+          </a:fontRef>
+        </p:style>
+        <p:txBody>
+          <a:bodyPr rtlCol="0" anchor="ctr"/>
+          <a:lstStyle/>
+          <a:p>
+            <a:pPr algn="ctr"/>
+            <a:r>
+              <a:rPr lang="en-US" dirty="0" smtClean="0"/>
+              <a:t>B</a:t>
+            </a:r>
+            <a:endParaRPr lang="en-US" dirty="0"/>
+          </a:p>
+        </p:txBody>
+      </p:sp>
+      <p:sp>
+        <p:nvSpPr>
+          <p:cNvPr id="96" name="Oval 95"/>
+          <p:cNvSpPr/>
+          <p:nvPr/>
+        </p:nvSpPr>
+        <p:spPr>
+          <a:xfrm>
+            <a:off x="7257144" y="4143828"/>
+            <a:ext cx="286656" cy="275772"/>
+          </a:xfrm>
+          <a:prstGeom prst="ellipse">
+            <a:avLst/>
+          </a:prstGeom>
+          <a:ln/>
+        </p:spPr>
+        <p:style>
+          <a:lnRef idx="0">
+            <a:schemeClr val="dk1"/>
+          </a:lnRef>
+          <a:fillRef idx="3">
+            <a:schemeClr val="dk1"/>
+          </a:fillRef>
+          <a:effectRef idx="3">
+            <a:schemeClr val="dk1"/>
+          </a:effectRef>
+          <a:fontRef idx="minor">
+            <a:schemeClr val="lt1"/>
+          </a:fontRef>
+        </p:style>
+        <p:txBody>
+          <a:bodyPr rtlCol="0" anchor="ctr"/>
+          <a:lstStyle/>
+          <a:p>
+            <a:pPr algn="ctr"/>
+            <a:r>
+              <a:rPr lang="en-US" dirty="0" smtClean="0"/>
+              <a:t>C</a:t>
+            </a:r>
+            <a:endParaRPr lang="en-US" dirty="0"/>
+          </a:p>
+        </p:txBody>
+      </p:sp>
+      <p:sp>
+        <p:nvSpPr>
+          <p:cNvPr id="97" name="Oval 96"/>
+          <p:cNvSpPr/>
+          <p:nvPr/>
+        </p:nvSpPr>
+        <p:spPr>
+          <a:xfrm>
+            <a:off x="7591425" y="4143828"/>
+            <a:ext cx="286656" cy="275772"/>
+          </a:xfrm>
+          <a:prstGeom prst="ellipse">
+            <a:avLst/>
+          </a:prstGeom>
+          <a:ln/>
+        </p:spPr>
+        <p:style>
+          <a:lnRef idx="0">
+            <a:schemeClr val="dk1"/>
+          </a:lnRef>
+          <a:fillRef idx="3">
+            <a:schemeClr val="dk1"/>
+          </a:fillRef>
+          <a:effectRef idx="3">
+            <a:schemeClr val="dk1"/>
+          </a:effectRef>
+          <a:fontRef idx="minor">
+            <a:schemeClr val="lt1"/>
+          </a:fontRef>
+        </p:style>
+        <p:txBody>
+          <a:bodyPr rtlCol="0" anchor="ctr"/>
+          <a:lstStyle/>
+          <a:p>
+            <a:pPr algn="ctr"/>
+            <a:r>
+              <a:rPr lang="en-US" dirty="0" smtClean="0"/>
+              <a:t>E</a:t>
+            </a:r>
+            <a:endParaRPr lang="en-US" dirty="0"/>
+          </a:p>
+        </p:txBody>
+      </p:sp>
+      <p:sp>
+        <p:nvSpPr>
+          <p:cNvPr id="98" name="Oval 97"/>
+          <p:cNvSpPr/>
+          <p:nvPr/>
+        </p:nvSpPr>
+        <p:spPr>
+          <a:xfrm>
+            <a:off x="6934200" y="4524828"/>
+            <a:ext cx="286656" cy="275772"/>
+          </a:xfrm>
+          <a:prstGeom prst="ellipse">
+            <a:avLst/>
+          </a:prstGeom>
+          <a:ln/>
+        </p:spPr>
+        <p:style>
+          <a:lnRef idx="0">
+            <a:schemeClr val="dk1"/>
+          </a:lnRef>
+          <a:fillRef idx="3">
+            <a:schemeClr val="dk1"/>
+          </a:fillRef>
+          <a:effectRef idx="3">
+            <a:schemeClr val="dk1"/>
+          </a:effectRef>
+          <a:fontRef idx="minor">
+            <a:schemeClr val="lt1"/>
+          </a:fontRef>
+        </p:style>
+        <p:txBody>
+          <a:bodyPr rtlCol="0" anchor="ctr"/>
+          <a:lstStyle/>
+          <a:p>
+            <a:pPr algn="ctr"/>
+            <a:r>
+              <a:rPr lang="en-US" dirty="0" smtClean="0"/>
+              <a:t>F</a:t>
+            </a:r>
+            <a:endParaRPr lang="en-US" dirty="0"/>
+          </a:p>
+        </p:txBody>
+      </p:sp>
+      <p:sp>
+        <p:nvSpPr>
+          <p:cNvPr id="99" name="Oval 98"/>
+          <p:cNvSpPr/>
+          <p:nvPr/>
+        </p:nvSpPr>
+        <p:spPr>
+          <a:xfrm>
+            <a:off x="7257144" y="4524828"/>
+            <a:ext cx="286656" cy="275772"/>
+          </a:xfrm>
+          <a:prstGeom prst="ellipse">
+            <a:avLst/>
+          </a:prstGeom>
+          <a:ln/>
+        </p:spPr>
+        <p:style>
+          <a:lnRef idx="0">
+            <a:schemeClr val="dk1"/>
+          </a:lnRef>
+          <a:fillRef idx="3">
+            <a:schemeClr val="dk1"/>
+          </a:fillRef>
+          <a:effectRef idx="3">
+            <a:schemeClr val="dk1"/>
+          </a:effectRef>
+          <a:fontRef idx="minor">
+            <a:schemeClr val="lt1"/>
+          </a:fontRef>
+        </p:style>
+        <p:txBody>
+          <a:bodyPr rtlCol="0" anchor="ctr"/>
+          <a:lstStyle/>
+          <a:p>
+            <a:pPr algn="ctr"/>
+            <a:r>
+              <a:rPr lang="en-US" dirty="0" smtClean="0"/>
+              <a:t>H</a:t>
+            </a:r>
+            <a:endParaRPr lang="en-US" dirty="0"/>
+          </a:p>
+        </p:txBody>
+      </p:sp>
+      <p:sp>
+        <p:nvSpPr>
+          <p:cNvPr id="100" name="Oval 99"/>
+          <p:cNvSpPr/>
+          <p:nvPr/>
+        </p:nvSpPr>
+        <p:spPr>
+          <a:xfrm>
+            <a:off x="7591425" y="4524828"/>
+            <a:ext cx="286656" cy="275772"/>
+          </a:xfrm>
+          <a:prstGeom prst="ellipse">
+            <a:avLst/>
+          </a:prstGeom>
+          <a:ln/>
+        </p:spPr>
+        <p:style>
+          <a:lnRef idx="0">
+            <a:schemeClr val="dk1"/>
+          </a:lnRef>
+          <a:fillRef idx="3">
+            <a:schemeClr val="dk1"/>
+          </a:fillRef>
+          <a:effectRef idx="3">
+            <a:schemeClr val="dk1"/>
+          </a:effectRef>
+          <a:fontRef idx="minor">
+            <a:schemeClr val="lt1"/>
+          </a:fontRef>
+        </p:style>
+        <p:txBody>
+          <a:bodyPr rtlCol="0" anchor="ctr"/>
+          <a:lstStyle/>
+          <a:p>
+            <a:pPr algn="ctr"/>
+            <a:r>
+              <a:rPr lang="en-US" dirty="0" smtClean="0"/>
+              <a:t>I</a:t>
+            </a:r>
+            <a:endParaRPr lang="en-US" dirty="0"/>
+          </a:p>
+        </p:txBody>
+      </p:sp>
+      <p:sp>
+        <p:nvSpPr>
+          <p:cNvPr id="101" name="Oval 100"/>
+          <p:cNvSpPr/>
+          <p:nvPr/>
+        </p:nvSpPr>
+        <p:spPr>
+          <a:xfrm>
+            <a:off x="6943725" y="5210628"/>
+            <a:ext cx="286656" cy="275772"/>
+          </a:xfrm>
+          <a:prstGeom prst="ellipse">
+            <a:avLst/>
+          </a:prstGeom>
+          <a:ln/>
+        </p:spPr>
+        <p:style>
+          <a:lnRef idx="0">
+            <a:schemeClr val="dk1"/>
+          </a:lnRef>
+          <a:fillRef idx="3">
+            <a:schemeClr val="dk1"/>
+          </a:fillRef>
+          <a:effectRef idx="3">
+            <a:schemeClr val="dk1"/>
+          </a:effectRef>
+          <a:fontRef idx="minor">
+            <a:schemeClr val="lt1"/>
+          </a:fontRef>
+        </p:style>
+        <p:txBody>
+          <a:bodyPr rtlCol="0" anchor="ctr"/>
+          <a:lstStyle/>
+          <a:p>
+            <a:pPr algn="ctr"/>
+            <a:r>
+              <a:rPr lang="en-US" dirty="0" smtClean="0"/>
+              <a:t>A</a:t>
+            </a:r>
+            <a:endParaRPr lang="en-US" dirty="0"/>
+          </a:p>
+        </p:txBody>
+      </p:sp>
+      <p:sp>
+        <p:nvSpPr>
+          <p:cNvPr id="102" name="Oval 101"/>
+          <p:cNvSpPr/>
+          <p:nvPr/>
+        </p:nvSpPr>
+        <p:spPr>
+          <a:xfrm>
+            <a:off x="7266669" y="5210628"/>
+            <a:ext cx="286656" cy="275772"/>
+          </a:xfrm>
+          <a:prstGeom prst="ellipse">
+            <a:avLst/>
+          </a:prstGeom>
+          <a:ln/>
+        </p:spPr>
+        <p:style>
+          <a:lnRef idx="0">
+            <a:schemeClr val="dk1"/>
+          </a:lnRef>
+          <a:fillRef idx="3">
+            <a:schemeClr val="dk1"/>
+          </a:fillRef>
+          <a:effectRef idx="3">
+            <a:schemeClr val="dk1"/>
+          </a:effectRef>
+          <a:fontRef idx="minor">
+            <a:schemeClr val="lt1"/>
+          </a:fontRef>
+        </p:style>
+        <p:txBody>
+          <a:bodyPr rtlCol="0" anchor="ctr"/>
+          <a:lstStyle/>
+          <a:p>
+            <a:pPr algn="ctr"/>
+            <a:r>
+              <a:rPr lang="en-US" dirty="0" smtClean="0"/>
+              <a:t>D</a:t>
+            </a:r>
+            <a:endParaRPr lang="en-US" dirty="0"/>
+          </a:p>
+        </p:txBody>
+      </p:sp>
+      <p:sp>
+        <p:nvSpPr>
+          <p:cNvPr id="103" name="Oval 102"/>
+          <p:cNvSpPr/>
+          <p:nvPr/>
+        </p:nvSpPr>
+        <p:spPr>
+          <a:xfrm>
+            <a:off x="7600950" y="5210628"/>
+            <a:ext cx="286656" cy="275772"/>
+          </a:xfrm>
+          <a:prstGeom prst="ellipse">
+            <a:avLst/>
+          </a:prstGeom>
+          <a:ln/>
+        </p:spPr>
+        <p:style>
+          <a:lnRef idx="0">
+            <a:schemeClr val="dk1"/>
+          </a:lnRef>
+          <a:fillRef idx="3">
+            <a:schemeClr val="dk1"/>
+          </a:fillRef>
+          <a:effectRef idx="3">
+            <a:schemeClr val="dk1"/>
+          </a:effectRef>
+          <a:fontRef idx="minor">
+            <a:schemeClr val="lt1"/>
+          </a:fontRef>
+        </p:style>
+        <p:txBody>
+          <a:bodyPr rtlCol="0" anchor="ctr"/>
+          <a:lstStyle/>
+          <a:p>
+            <a:pPr algn="ctr"/>
+            <a:r>
+              <a:rPr lang="en-US" dirty="0" smtClean="0"/>
+              <a:t>G</a:t>
+            </a:r>
+            <a:endParaRPr lang="en-US" dirty="0"/>
+          </a:p>
+        </p:txBody>
+      </p:sp>
+      <p:sp>
+        <p:nvSpPr>
+          <p:cNvPr id="104" name="Oval 103"/>
+          <p:cNvSpPr/>
+          <p:nvPr/>
+        </p:nvSpPr>
+        <p:spPr>
+          <a:xfrm>
+            <a:off x="6934200" y="6201228"/>
+            <a:ext cx="286656" cy="275772"/>
+          </a:xfrm>
+          <a:prstGeom prst="ellipse">
+            <a:avLst/>
+          </a:prstGeom>
+          <a:ln/>
+        </p:spPr>
+        <p:style>
+          <a:lnRef idx="0">
+            <a:schemeClr val="dk1"/>
+          </a:lnRef>
+          <a:fillRef idx="3">
+            <a:schemeClr val="dk1"/>
+          </a:fillRef>
+          <a:effectRef idx="3">
+            <a:schemeClr val="dk1"/>
+          </a:effectRef>
+          <a:fontRef idx="minor">
+            <a:schemeClr val="lt1"/>
+          </a:fontRef>
+        </p:style>
+        <p:txBody>
+          <a:bodyPr rtlCol="0" anchor="ctr"/>
+          <a:lstStyle/>
+          <a:p>
+            <a:pPr algn="ctr"/>
+            <a:r>
+              <a:rPr lang="en-US" dirty="0" smtClean="0"/>
+              <a:t>C</a:t>
+            </a:r>
+            <a:endParaRPr lang="en-US" dirty="0"/>
+          </a:p>
+        </p:txBody>
+      </p:sp>
+      <p:sp>
+        <p:nvSpPr>
+          <p:cNvPr id="105" name="Oval 104"/>
+          <p:cNvSpPr/>
+          <p:nvPr/>
+        </p:nvSpPr>
+        <p:spPr>
+          <a:xfrm>
+            <a:off x="7257144" y="6201228"/>
+            <a:ext cx="286656" cy="275772"/>
+          </a:xfrm>
+          <a:prstGeom prst="ellipse">
+            <a:avLst/>
+          </a:prstGeom>
+          <a:ln/>
+        </p:spPr>
+        <p:style>
+          <a:lnRef idx="0">
+            <a:schemeClr val="dk1"/>
+          </a:lnRef>
+          <a:fillRef idx="3">
+            <a:schemeClr val="dk1"/>
+          </a:fillRef>
+          <a:effectRef idx="3">
+            <a:schemeClr val="dk1"/>
+          </a:effectRef>
+          <a:fontRef idx="minor">
+            <a:schemeClr val="lt1"/>
+          </a:fontRef>
+        </p:style>
+        <p:txBody>
+          <a:bodyPr rtlCol="0" anchor="ctr"/>
+          <a:lstStyle/>
+          <a:p>
+            <a:pPr algn="ctr"/>
+            <a:r>
+              <a:rPr lang="en-US" dirty="0" smtClean="0"/>
+              <a:t>F</a:t>
+            </a:r>
+            <a:endParaRPr lang="en-US" dirty="0"/>
+          </a:p>
+        </p:txBody>
+      </p:sp>
+      <p:sp>
+        <p:nvSpPr>
+          <p:cNvPr id="106" name="Oval 105"/>
+          <p:cNvSpPr/>
+          <p:nvPr/>
+        </p:nvSpPr>
+        <p:spPr>
+          <a:xfrm>
+            <a:off x="7591425" y="6201228"/>
+            <a:ext cx="286656" cy="275772"/>
+          </a:xfrm>
+          <a:prstGeom prst="ellipse">
+            <a:avLst/>
+          </a:prstGeom>
+          <a:ln/>
+        </p:spPr>
+        <p:style>
+          <a:lnRef idx="0">
+            <a:schemeClr val="dk1"/>
+          </a:lnRef>
+          <a:fillRef idx="3">
+            <a:schemeClr val="dk1"/>
+          </a:fillRef>
+          <a:effectRef idx="3">
+            <a:schemeClr val="dk1"/>
+          </a:effectRef>
+          <a:fontRef idx="minor">
+            <a:schemeClr val="lt1"/>
+          </a:fontRef>
+        </p:style>
+        <p:txBody>
+          <a:bodyPr rtlCol="0" anchor="ctr"/>
+          <a:lstStyle/>
+          <a:p>
+            <a:pPr algn="ctr"/>
+            <a:r>
+              <a:rPr lang="en-US" dirty="0" smtClean="0"/>
+              <a:t>I</a:t>
+            </a:r>
+            <a:endParaRPr lang="en-US" dirty="0"/>
+          </a:p>
+        </p:txBody>
+      </p:sp>
+      <p:sp>
+        <p:nvSpPr>
+          <p:cNvPr id="107" name="Oval 106"/>
+          <p:cNvSpPr/>
+          <p:nvPr/>
+        </p:nvSpPr>
+        <p:spPr>
+          <a:xfrm>
+            <a:off x="8171544" y="2334078"/>
+            <a:ext cx="286656" cy="275772"/>
+          </a:xfrm>
+          <a:prstGeom prst="ellipse">
+            <a:avLst/>
+          </a:prstGeom>
+          <a:ln/>
+        </p:spPr>
+        <p:style>
+          <a:lnRef idx="0">
+            <a:schemeClr val="dk1"/>
+          </a:lnRef>
+          <a:fillRef idx="3">
+            <a:schemeClr val="dk1"/>
+          </a:fillRef>
+          <a:effectRef idx="3">
+            <a:schemeClr val="dk1"/>
+          </a:effectRef>
+          <a:fontRef idx="minor">
+            <a:schemeClr val="lt1"/>
+          </a:fontRef>
+        </p:style>
+        <p:txBody>
+          <a:bodyPr rtlCol="0" anchor="ctr"/>
+          <a:lstStyle/>
+          <a:p>
+            <a:pPr algn="ctr"/>
+            <a:r>
+              <a:rPr lang="en-US" dirty="0" smtClean="0"/>
+              <a:t>D</a:t>
+            </a:r>
+            <a:endParaRPr lang="en-US" dirty="0"/>
+          </a:p>
+        </p:txBody>
+      </p:sp>
+      <p:sp>
+        <p:nvSpPr>
+          <p:cNvPr id="108" name="Oval 107"/>
+          <p:cNvSpPr/>
+          <p:nvPr/>
+        </p:nvSpPr>
+        <p:spPr>
+          <a:xfrm>
+            <a:off x="6858000" y="2343603"/>
+            <a:ext cx="286656" cy="275772"/>
+          </a:xfrm>
+          <a:prstGeom prst="ellipse">
+            <a:avLst/>
+          </a:prstGeom>
+          <a:ln/>
+        </p:spPr>
+        <p:style>
+          <a:lnRef idx="0">
+            <a:schemeClr val="dk1"/>
+          </a:lnRef>
+          <a:fillRef idx="3">
+            <a:schemeClr val="dk1"/>
+          </a:fillRef>
+          <a:effectRef idx="3">
+            <a:schemeClr val="dk1"/>
+          </a:effectRef>
+          <a:fontRef idx="minor">
+            <a:schemeClr val="lt1"/>
+          </a:fontRef>
+        </p:style>
+        <p:txBody>
+          <a:bodyPr rtlCol="0" anchor="ctr"/>
+          <a:lstStyle/>
+          <a:p>
+            <a:pPr algn="ctr"/>
+            <a:r>
+              <a:rPr lang="en-US" dirty="0" smtClean="0"/>
+              <a:t>D</a:t>
+            </a:r>
+            <a:endParaRPr lang="en-US" dirty="0"/>
           </a:p>
         </p:txBody>
       </p:sp>

--- a/trunk/ haptic-glove --username sreekar/CHi 2010/Presentation1.pptx
+++ b/trunk/ haptic-glove --username sreekar/CHi 2010/Presentation1.pptx
@@ -206,11 +206,11 @@
             </c:numRef>
           </c:val>
         </c:ser>
-        <c:axId val="106946560"/>
-        <c:axId val="106948096"/>
+        <c:axId val="98083200"/>
+        <c:axId val="98084736"/>
       </c:barChart>
       <c:catAx>
-        <c:axId val="106946560"/>
+        <c:axId val="98083200"/>
         <c:scaling>
           <c:orientation val="minMax"/>
         </c:scaling>
@@ -218,14 +218,14 @@
         <c:axPos val="b"/>
         <c:numFmt formatCode="General" sourceLinked="1"/>
         <c:tickLblPos val="none"/>
-        <c:crossAx val="106948096"/>
+        <c:crossAx val="98084736"/>
         <c:crosses val="autoZero"/>
         <c:auto val="1"/>
         <c:lblAlgn val="ctr"/>
         <c:lblOffset val="100"/>
       </c:catAx>
       <c:valAx>
-        <c:axId val="106948096"/>
+        <c:axId val="98084736"/>
         <c:scaling>
           <c:orientation val="minMax"/>
         </c:scaling>
@@ -233,7 +233,7 @@
         <c:majorGridlines/>
         <c:numFmt formatCode="General" sourceLinked="1"/>
         <c:tickLblPos val="nextTo"/>
-        <c:crossAx val="106946560"/>
+        <c:crossAx val="98083200"/>
         <c:crosses val="autoZero"/>
         <c:crossBetween val="between"/>
       </c:valAx>
@@ -5078,8 +5078,8 @@
         </p:nvSpPr>
         <p:spPr>
           <a:xfrm>
-            <a:off x="4038600" y="838200"/>
-            <a:ext cx="533400" cy="2209801"/>
+            <a:off x="3733800" y="2209800"/>
+            <a:ext cx="533400" cy="838201"/>
           </a:xfrm>
           <a:prstGeom prst="roundRect">
             <a:avLst/>
@@ -5105,11 +5105,18 @@
           <a:p>
             <a:pPr algn="ctr"/>
             <a:r>
+              <a:rPr lang="el-GR" dirty="0" smtClean="0">
+                <a:latin typeface="Times" pitchFamily="18" charset="0"/>
+                <a:cs typeface="Times" pitchFamily="18" charset="0"/>
+              </a:rPr>
+              <a:t>μ</a:t>
+            </a:r>
+            <a:r>
               <a:rPr lang="en-US" dirty="0" smtClean="0">
                 <a:latin typeface="Times" pitchFamily="18" charset="0"/>
                 <a:cs typeface="Times" pitchFamily="18" charset="0"/>
               </a:rPr>
-              <a:t>Microcontroller</a:t>
+              <a:t>C</a:t>
             </a:r>
             <a:endParaRPr lang="en-US" dirty="0">
               <a:latin typeface="Times" pitchFamily="18" charset="0"/>
@@ -5134,8 +5141,8 @@
         </p:blipFill>
         <p:spPr>
           <a:xfrm>
-            <a:off x="4876800" y="846258"/>
-            <a:ext cx="2298889" cy="1058742"/>
+            <a:off x="3733801" y="762000"/>
+            <a:ext cx="2895600" cy="1269303"/>
           </a:xfrm>
           <a:prstGeom prst="rect">
             <a:avLst/>
@@ -5154,7 +5161,7 @@
         </p:nvSpPr>
         <p:spPr>
           <a:xfrm rot="16200000">
-            <a:off x="4914900" y="2171700"/>
+            <a:off x="4610100" y="2171700"/>
             <a:ext cx="838200" cy="914400"/>
           </a:xfrm>
           <a:prstGeom prst="roundRect">
@@ -5202,8 +5209,8 @@
         </p:nvSpPr>
         <p:spPr>
           <a:xfrm rot="16200000">
-            <a:off x="6324600" y="2209801"/>
-            <a:ext cx="609600" cy="1066800"/>
+            <a:off x="5900738" y="2233613"/>
+            <a:ext cx="609600" cy="847725"/>
           </a:xfrm>
           <a:prstGeom prst="roundRect">
             <a:avLst/>
@@ -5211,13 +5218,13 @@
         </p:spPr>
         <p:style>
           <a:lnRef idx="1">
-            <a:schemeClr val="accent3"/>
+            <a:schemeClr val="accent4"/>
           </a:lnRef>
           <a:fillRef idx="3">
-            <a:schemeClr val="accent3"/>
+            <a:schemeClr val="accent4"/>
           </a:fillRef>
           <a:effectRef idx="2">
-            <a:schemeClr val="accent3"/>
+            <a:schemeClr val="accent4"/>
           </a:effectRef>
           <a:fontRef idx="minor">
             <a:schemeClr val="lt1"/>
@@ -5233,7 +5240,7 @@
                 <a:latin typeface="Times" pitchFamily="18" charset="0"/>
                 <a:cs typeface="Times" pitchFamily="18" charset="0"/>
               </a:rPr>
-              <a:t>Serial COM port</a:t>
+              <a:t>Serial port</a:t>
             </a:r>
             <a:endParaRPr lang="en-US" sz="1600" dirty="0">
               <a:latin typeface="Times" pitchFamily="18" charset="0"/>
@@ -5250,8 +5257,8 @@
         </p:nvSpPr>
         <p:spPr>
           <a:xfrm rot="16200000">
-            <a:off x="2857500" y="2133601"/>
-            <a:ext cx="533400" cy="1219200"/>
+            <a:off x="2717007" y="2350293"/>
+            <a:ext cx="533400" cy="785815"/>
           </a:xfrm>
           <a:prstGeom prst="roundRect">
             <a:avLst/>
@@ -5281,7 +5288,7 @@
                 <a:latin typeface="Times" pitchFamily="18" charset="0"/>
                 <a:cs typeface="Times" pitchFamily="18" charset="0"/>
               </a:rPr>
-              <a:t>Motor Drivers</a:t>
+              <a:t>Motor Driver</a:t>
             </a:r>
             <a:endParaRPr lang="en-US" dirty="0">
               <a:latin typeface="Times" pitchFamily="18" charset="0"/>
@@ -5329,8 +5336,8 @@
         </p:nvSpPr>
         <p:spPr>
           <a:xfrm>
-            <a:off x="6400800" y="1981200"/>
-            <a:ext cx="228600" cy="381000"/>
+            <a:off x="6076950" y="2076450"/>
+            <a:ext cx="228600" cy="228600"/>
           </a:xfrm>
           <a:prstGeom prst="downArrow">
             <a:avLst/>
@@ -5370,7 +5377,7 @@
         </p:nvSpPr>
         <p:spPr>
           <a:xfrm>
-            <a:off x="5824533" y="2628900"/>
+            <a:off x="5495925" y="2514600"/>
             <a:ext cx="228600" cy="228600"/>
           </a:xfrm>
           <a:prstGeom prst="leftArrow">
@@ -5411,7 +5418,7 @@
         </p:nvSpPr>
         <p:spPr>
           <a:xfrm>
-            <a:off x="4600578" y="2500311"/>
+            <a:off x="4295775" y="2500311"/>
             <a:ext cx="228600" cy="228600"/>
           </a:xfrm>
           <a:prstGeom prst="leftArrow">
@@ -5452,7 +5459,7 @@
         </p:nvSpPr>
         <p:spPr>
           <a:xfrm>
-            <a:off x="3767137" y="2628900"/>
+            <a:off x="3429000" y="2628900"/>
             <a:ext cx="228600" cy="228600"/>
           </a:xfrm>
           <a:prstGeom prst="leftArrow">
@@ -5534,7 +5541,7 @@
         </p:nvGrpSpPr>
         <p:grpSpPr>
           <a:xfrm>
-            <a:off x="141288" y="1930400"/>
+            <a:off x="2819400" y="3886200"/>
             <a:ext cx="2220912" cy="2717800"/>
             <a:chOff x="141288" y="1930400"/>
             <a:chExt cx="2220912" cy="2717800"/>
@@ -6902,14 +6909,25 @@
       </p:grpSpPr>
       <p:pic>
         <p:nvPicPr>
-          <p:cNvPr id="3" name="Picture 2" descr="18127.jpg"/>
+          <p:cNvPr id="4" name="Picture 3" descr="18127.jpg"/>
           <p:cNvPicPr>
             <a:picLocks noChangeAspect="1"/>
           </p:cNvPicPr>
           <p:nvPr/>
         </p:nvPicPr>
         <p:blipFill>
-          <a:blip r:embed="rId2" cstate="print"/>
+          <a:blip r:embed="rId2" cstate="print">
+            <a:clrChange>
+              <a:clrFrom>
+                <a:srgbClr val="FFFFFF"/>
+              </a:clrFrom>
+              <a:clrTo>
+                <a:srgbClr val="FFFFFF">
+                  <a:alpha val="0"/>
+                </a:srgbClr>
+              </a:clrTo>
+            </a:clrChange>
+          </a:blip>
           <a:srcRect l="30000" t="17500"/>
           <a:stretch>
             <a:fillRect/>
@@ -6917,14 +6935,482 @@
         </p:blipFill>
         <p:spPr>
           <a:xfrm rot="7675390">
-            <a:off x="968114" y="1106579"/>
-            <a:ext cx="4127173" cy="3891335"/>
+            <a:off x="2761298" y="2061447"/>
+            <a:ext cx="2634116" cy="2483594"/>
           </a:xfrm>
           <a:prstGeom prst="rect">
             <a:avLst/>
           </a:prstGeom>
         </p:spPr>
       </p:pic>
+      <p:sp>
+        <p:nvSpPr>
+          <p:cNvPr id="5" name="Oval 4"/>
+          <p:cNvSpPr/>
+          <p:nvPr/>
+        </p:nvSpPr>
+        <p:spPr>
+          <a:xfrm>
+            <a:off x="3429000" y="2133600"/>
+            <a:ext cx="286656" cy="275772"/>
+          </a:xfrm>
+          <a:prstGeom prst="ellipse">
+            <a:avLst/>
+          </a:prstGeom>
+          <a:solidFill>
+            <a:schemeClr val="tx1">
+              <a:alpha val="44000"/>
+            </a:schemeClr>
+          </a:solidFill>
+          <a:ln>
+            <a:noFill/>
+          </a:ln>
+        </p:spPr>
+        <p:style>
+          <a:lnRef idx="2">
+            <a:schemeClr val="accent1">
+              <a:shade val="50000"/>
+            </a:schemeClr>
+          </a:lnRef>
+          <a:fillRef idx="1">
+            <a:schemeClr val="accent1"/>
+          </a:fillRef>
+          <a:effectRef idx="0">
+            <a:schemeClr val="accent1"/>
+          </a:effectRef>
+          <a:fontRef idx="minor">
+            <a:schemeClr val="lt1"/>
+          </a:fontRef>
+        </p:style>
+        <p:txBody>
+          <a:bodyPr rtlCol="0" anchor="ctr"/>
+          <a:lstStyle/>
+          <a:p>
+            <a:pPr algn="ctr"/>
+            <a:r>
+              <a:rPr lang="en-US" dirty="0" smtClean="0"/>
+              <a:t>A</a:t>
+            </a:r>
+            <a:endParaRPr lang="en-US" dirty="0"/>
+          </a:p>
+        </p:txBody>
+      </p:sp>
+      <p:sp>
+        <p:nvSpPr>
+          <p:cNvPr id="6" name="Oval 5"/>
+          <p:cNvSpPr/>
+          <p:nvPr/>
+        </p:nvSpPr>
+        <p:spPr>
+          <a:xfrm>
+            <a:off x="3467100" y="2619828"/>
+            <a:ext cx="286656" cy="275772"/>
+          </a:xfrm>
+          <a:prstGeom prst="ellipse">
+            <a:avLst/>
+          </a:prstGeom>
+          <a:solidFill>
+            <a:schemeClr val="tx1">
+              <a:alpha val="44000"/>
+            </a:schemeClr>
+          </a:solidFill>
+          <a:ln>
+            <a:noFill/>
+          </a:ln>
+        </p:spPr>
+        <p:style>
+          <a:lnRef idx="2">
+            <a:schemeClr val="accent1">
+              <a:shade val="50000"/>
+            </a:schemeClr>
+          </a:lnRef>
+          <a:fillRef idx="1">
+            <a:schemeClr val="accent1"/>
+          </a:fillRef>
+          <a:effectRef idx="0">
+            <a:schemeClr val="accent1"/>
+          </a:effectRef>
+          <a:fontRef idx="minor">
+            <a:schemeClr val="lt1"/>
+          </a:fontRef>
+        </p:style>
+        <p:txBody>
+          <a:bodyPr rtlCol="0" anchor="ctr"/>
+          <a:lstStyle/>
+          <a:p>
+            <a:pPr algn="ctr"/>
+            <a:r>
+              <a:rPr lang="en-US" dirty="0" smtClean="0"/>
+              <a:t>B</a:t>
+            </a:r>
+            <a:endParaRPr lang="en-US" dirty="0"/>
+          </a:p>
+        </p:txBody>
+      </p:sp>
+      <p:sp>
+        <p:nvSpPr>
+          <p:cNvPr id="7" name="Oval 6"/>
+          <p:cNvSpPr/>
+          <p:nvPr/>
+        </p:nvSpPr>
+        <p:spPr>
+          <a:xfrm>
+            <a:off x="3530600" y="3124200"/>
+            <a:ext cx="286656" cy="275772"/>
+          </a:xfrm>
+          <a:prstGeom prst="ellipse">
+            <a:avLst/>
+          </a:prstGeom>
+          <a:solidFill>
+            <a:schemeClr val="tx1">
+              <a:alpha val="44000"/>
+            </a:schemeClr>
+          </a:solidFill>
+          <a:ln>
+            <a:noFill/>
+          </a:ln>
+        </p:spPr>
+        <p:style>
+          <a:lnRef idx="2">
+            <a:schemeClr val="accent1">
+              <a:shade val="50000"/>
+            </a:schemeClr>
+          </a:lnRef>
+          <a:fillRef idx="1">
+            <a:schemeClr val="accent1"/>
+          </a:fillRef>
+          <a:effectRef idx="0">
+            <a:schemeClr val="accent1"/>
+          </a:effectRef>
+          <a:fontRef idx="minor">
+            <a:schemeClr val="lt1"/>
+          </a:fontRef>
+        </p:style>
+        <p:txBody>
+          <a:bodyPr rtlCol="0" anchor="ctr"/>
+          <a:lstStyle/>
+          <a:p>
+            <a:pPr algn="ctr"/>
+            <a:r>
+              <a:rPr lang="en-US" dirty="0" smtClean="0"/>
+              <a:t>C</a:t>
+            </a:r>
+            <a:endParaRPr lang="en-US" dirty="0"/>
+          </a:p>
+        </p:txBody>
+      </p:sp>
+      <p:sp>
+        <p:nvSpPr>
+          <p:cNvPr id="8" name="Oval 7"/>
+          <p:cNvSpPr/>
+          <p:nvPr/>
+        </p:nvSpPr>
+        <p:spPr>
+          <a:xfrm>
+            <a:off x="3797300" y="1977572"/>
+            <a:ext cx="286656" cy="275772"/>
+          </a:xfrm>
+          <a:prstGeom prst="ellipse">
+            <a:avLst/>
+          </a:prstGeom>
+          <a:solidFill>
+            <a:schemeClr val="tx1">
+              <a:alpha val="44000"/>
+            </a:schemeClr>
+          </a:solidFill>
+          <a:ln>
+            <a:noFill/>
+          </a:ln>
+        </p:spPr>
+        <p:style>
+          <a:lnRef idx="2">
+            <a:schemeClr val="accent1">
+              <a:shade val="50000"/>
+            </a:schemeClr>
+          </a:lnRef>
+          <a:fillRef idx="1">
+            <a:schemeClr val="accent1"/>
+          </a:fillRef>
+          <a:effectRef idx="0">
+            <a:schemeClr val="accent1"/>
+          </a:effectRef>
+          <a:fontRef idx="minor">
+            <a:schemeClr val="lt1"/>
+          </a:fontRef>
+        </p:style>
+        <p:txBody>
+          <a:bodyPr rtlCol="0" anchor="ctr"/>
+          <a:lstStyle/>
+          <a:p>
+            <a:pPr algn="ctr"/>
+            <a:r>
+              <a:rPr lang="en-US" dirty="0" smtClean="0"/>
+              <a:t>D</a:t>
+            </a:r>
+            <a:endParaRPr lang="en-US" dirty="0"/>
+          </a:p>
+        </p:txBody>
+      </p:sp>
+      <p:sp>
+        <p:nvSpPr>
+          <p:cNvPr id="9" name="Oval 8"/>
+          <p:cNvSpPr/>
+          <p:nvPr/>
+        </p:nvSpPr>
+        <p:spPr>
+          <a:xfrm>
+            <a:off x="3822700" y="2438400"/>
+            <a:ext cx="286656" cy="275772"/>
+          </a:xfrm>
+          <a:prstGeom prst="ellipse">
+            <a:avLst/>
+          </a:prstGeom>
+          <a:solidFill>
+            <a:schemeClr val="tx1">
+              <a:alpha val="44000"/>
+            </a:schemeClr>
+          </a:solidFill>
+          <a:ln>
+            <a:noFill/>
+          </a:ln>
+        </p:spPr>
+        <p:style>
+          <a:lnRef idx="2">
+            <a:schemeClr val="accent1">
+              <a:shade val="50000"/>
+            </a:schemeClr>
+          </a:lnRef>
+          <a:fillRef idx="1">
+            <a:schemeClr val="accent1"/>
+          </a:fillRef>
+          <a:effectRef idx="0">
+            <a:schemeClr val="accent1"/>
+          </a:effectRef>
+          <a:fontRef idx="minor">
+            <a:schemeClr val="lt1"/>
+          </a:fontRef>
+        </p:style>
+        <p:txBody>
+          <a:bodyPr rtlCol="0" anchor="ctr"/>
+          <a:lstStyle/>
+          <a:p>
+            <a:pPr algn="ctr"/>
+            <a:r>
+              <a:rPr lang="en-US" dirty="0" smtClean="0"/>
+              <a:t>E</a:t>
+            </a:r>
+            <a:endParaRPr lang="en-US" dirty="0"/>
+          </a:p>
+        </p:txBody>
+      </p:sp>
+      <p:sp>
+        <p:nvSpPr>
+          <p:cNvPr id="10" name="Oval 9"/>
+          <p:cNvSpPr/>
+          <p:nvPr/>
+        </p:nvSpPr>
+        <p:spPr>
+          <a:xfrm>
+            <a:off x="3853544" y="3035300"/>
+            <a:ext cx="286656" cy="275772"/>
+          </a:xfrm>
+          <a:prstGeom prst="ellipse">
+            <a:avLst/>
+          </a:prstGeom>
+          <a:solidFill>
+            <a:schemeClr val="tx1">
+              <a:alpha val="44000"/>
+            </a:schemeClr>
+          </a:solidFill>
+          <a:ln>
+            <a:noFill/>
+          </a:ln>
+        </p:spPr>
+        <p:style>
+          <a:lnRef idx="2">
+            <a:schemeClr val="accent1">
+              <a:shade val="50000"/>
+            </a:schemeClr>
+          </a:lnRef>
+          <a:fillRef idx="1">
+            <a:schemeClr val="accent1"/>
+          </a:fillRef>
+          <a:effectRef idx="0">
+            <a:schemeClr val="accent1"/>
+          </a:effectRef>
+          <a:fontRef idx="minor">
+            <a:schemeClr val="lt1"/>
+          </a:fontRef>
+        </p:style>
+        <p:txBody>
+          <a:bodyPr rtlCol="0" anchor="ctr"/>
+          <a:lstStyle/>
+          <a:p>
+            <a:pPr algn="ctr"/>
+            <a:r>
+              <a:rPr lang="en-US" dirty="0" smtClean="0"/>
+              <a:t>F</a:t>
+            </a:r>
+            <a:endParaRPr lang="en-US" dirty="0"/>
+          </a:p>
+        </p:txBody>
+      </p:sp>
+      <p:sp>
+        <p:nvSpPr>
+          <p:cNvPr id="11" name="Oval 10"/>
+          <p:cNvSpPr/>
+          <p:nvPr/>
+        </p:nvSpPr>
+        <p:spPr>
+          <a:xfrm>
+            <a:off x="4336144" y="2099128"/>
+            <a:ext cx="286656" cy="275772"/>
+          </a:xfrm>
+          <a:prstGeom prst="ellipse">
+            <a:avLst/>
+          </a:prstGeom>
+          <a:solidFill>
+            <a:schemeClr val="tx1">
+              <a:alpha val="44000"/>
+            </a:schemeClr>
+          </a:solidFill>
+          <a:ln>
+            <a:noFill/>
+          </a:ln>
+        </p:spPr>
+        <p:style>
+          <a:lnRef idx="2">
+            <a:schemeClr val="accent1">
+              <a:shade val="50000"/>
+            </a:schemeClr>
+          </a:lnRef>
+          <a:fillRef idx="1">
+            <a:schemeClr val="accent1"/>
+          </a:fillRef>
+          <a:effectRef idx="0">
+            <a:schemeClr val="accent1"/>
+          </a:effectRef>
+          <a:fontRef idx="minor">
+            <a:schemeClr val="lt1"/>
+          </a:fontRef>
+        </p:style>
+        <p:txBody>
+          <a:bodyPr rtlCol="0" anchor="ctr"/>
+          <a:lstStyle/>
+          <a:p>
+            <a:pPr algn="ctr"/>
+            <a:r>
+              <a:rPr lang="en-US" dirty="0" smtClean="0"/>
+              <a:t>G</a:t>
+            </a:r>
+            <a:endParaRPr lang="en-US" dirty="0"/>
+          </a:p>
+        </p:txBody>
+      </p:sp>
+      <p:sp>
+        <p:nvSpPr>
+          <p:cNvPr id="12" name="Oval 11"/>
+          <p:cNvSpPr/>
+          <p:nvPr/>
+        </p:nvSpPr>
+        <p:spPr>
+          <a:xfrm>
+            <a:off x="4318000" y="2561772"/>
+            <a:ext cx="286656" cy="275772"/>
+          </a:xfrm>
+          <a:prstGeom prst="ellipse">
+            <a:avLst/>
+          </a:prstGeom>
+          <a:solidFill>
+            <a:schemeClr val="tx1">
+              <a:alpha val="44000"/>
+            </a:schemeClr>
+          </a:solidFill>
+          <a:ln>
+            <a:noFill/>
+          </a:ln>
+        </p:spPr>
+        <p:style>
+          <a:lnRef idx="2">
+            <a:schemeClr val="accent1">
+              <a:shade val="50000"/>
+            </a:schemeClr>
+          </a:lnRef>
+          <a:fillRef idx="1">
+            <a:schemeClr val="accent1"/>
+          </a:fillRef>
+          <a:effectRef idx="0">
+            <a:schemeClr val="accent1"/>
+          </a:effectRef>
+          <a:fontRef idx="minor">
+            <a:schemeClr val="lt1"/>
+          </a:fontRef>
+        </p:style>
+        <p:txBody>
+          <a:bodyPr rtlCol="0" anchor="ctr"/>
+          <a:lstStyle/>
+          <a:p>
+            <a:pPr algn="ctr"/>
+            <a:r>
+              <a:rPr lang="en-US" dirty="0" smtClean="0"/>
+              <a:t>H</a:t>
+            </a:r>
+            <a:endParaRPr lang="en-US" dirty="0"/>
+          </a:p>
+        </p:txBody>
+      </p:sp>
+      <p:sp>
+        <p:nvSpPr>
+          <p:cNvPr id="13" name="Oval 12"/>
+          <p:cNvSpPr/>
+          <p:nvPr/>
+        </p:nvSpPr>
+        <p:spPr>
+          <a:xfrm>
+            <a:off x="4191000" y="3086100"/>
+            <a:ext cx="286656" cy="275772"/>
+          </a:xfrm>
+          <a:prstGeom prst="ellipse">
+            <a:avLst/>
+          </a:prstGeom>
+          <a:solidFill>
+            <a:schemeClr val="tx1">
+              <a:alpha val="44000"/>
+            </a:schemeClr>
+          </a:solidFill>
+          <a:ln>
+            <a:noFill/>
+          </a:ln>
+        </p:spPr>
+        <p:style>
+          <a:lnRef idx="2">
+            <a:schemeClr val="accent1">
+              <a:shade val="50000"/>
+            </a:schemeClr>
+          </a:lnRef>
+          <a:fillRef idx="1">
+            <a:schemeClr val="accent1"/>
+          </a:fillRef>
+          <a:effectRef idx="0">
+            <a:schemeClr val="accent1"/>
+          </a:effectRef>
+          <a:fontRef idx="minor">
+            <a:schemeClr val="lt1"/>
+          </a:fontRef>
+        </p:style>
+        <p:txBody>
+          <a:bodyPr rtlCol="0" anchor="ctr"/>
+          <a:lstStyle/>
+          <a:p>
+            <a:pPr algn="ctr"/>
+            <a:r>
+              <a:rPr lang="en-US" dirty="0" smtClean="0"/>
+              <a:t>I</a:t>
+            </a:r>
+            <a:endParaRPr lang="en-US" dirty="0"/>
+          </a:p>
+        </p:txBody>
+      </p:sp>
     </p:spTree>
   </p:cSld>
   <p:clrMapOvr>
@@ -6960,7 +7446,7 @@
         </p:nvGraphicFramePr>
         <p:xfrm>
           <a:off x="152400" y="152401"/>
-          <a:ext cx="8458200" cy="6625193"/>
+          <a:ext cx="5334000" cy="6625193"/>
         </p:xfrm>
         <a:graphic>
           <a:graphicData uri="http://schemas.openxmlformats.org/drawingml/2006/table">
@@ -6969,11 +7455,10 @@
                 <a:tableStyleId>{C083E6E3-FA7D-4D7B-A595-EF9225AFEA82}</a:tableStyleId>
               </a:tblPr>
               <a:tblGrid>
-                <a:gridCol w="1600200"/>
-                <a:gridCol w="990600"/>
-                <a:gridCol w="2667000"/>
+                <a:gridCol w="1524000"/>
+                <a:gridCol w="1066800"/>
                 <a:gridCol w="1371600"/>
-                <a:gridCol w="1828800"/>
+                <a:gridCol w="1371600"/>
               </a:tblGrid>
               <a:tr h="882610">
                 <a:tc>
@@ -7001,16 +7486,6 @@
                   <a:tcPr anchor="b"/>
                 </a:tc>
                 <a:tc>
-                  <a:txBody>
-                    <a:bodyPr/>
-                    <a:lstStyle/>
-                    <a:p>
-                      <a:endParaRPr lang="en-US" dirty="0"/>
-                    </a:p>
-                  </a:txBody>
-                  <a:tcPr/>
-                </a:tc>
-                <a:tc rowSpan="7">
                   <a:txBody>
                     <a:bodyPr/>
                     <a:lstStyle/>
@@ -7076,16 +7551,6 @@
                   </a:txBody>
                   <a:tcPr/>
                 </a:tc>
-                <a:tc vMerge="1">
-                  <a:txBody>
-                    <a:bodyPr/>
-                    <a:lstStyle/>
-                    <a:p>
-                      <a:endParaRPr lang="en-US" dirty="0"/>
-                    </a:p>
-                  </a:txBody>
-                  <a:tcPr/>
-                </a:tc>
                 <a:tc>
                   <a:txBody>
                     <a:bodyPr/>
@@ -7133,16 +7598,6 @@
                   <a:tcPr anchor="b"/>
                 </a:tc>
                 <a:tc>
-                  <a:txBody>
-                    <a:bodyPr/>
-                    <a:lstStyle/>
-                    <a:p>
-                      <a:endParaRPr lang="en-US" dirty="0"/>
-                    </a:p>
-                  </a:txBody>
-                  <a:tcPr/>
-                </a:tc>
-                <a:tc vMerge="1">
                   <a:txBody>
                     <a:bodyPr/>
                     <a:lstStyle/>
@@ -7208,16 +7663,6 @@
                   </a:txBody>
                   <a:tcPr/>
                 </a:tc>
-                <a:tc vMerge="1">
-                  <a:txBody>
-                    <a:bodyPr/>
-                    <a:lstStyle/>
-                    <a:p>
-                      <a:endParaRPr lang="en-US" dirty="0"/>
-                    </a:p>
-                  </a:txBody>
-                  <a:tcPr/>
-                </a:tc>
                 <a:tc>
                   <a:txBody>
                     <a:bodyPr/>
@@ -7265,16 +7710,6 @@
                   <a:tcPr anchor="b"/>
                 </a:tc>
                 <a:tc>
-                  <a:txBody>
-                    <a:bodyPr/>
-                    <a:lstStyle/>
-                    <a:p>
-                      <a:endParaRPr lang="en-US" dirty="0"/>
-                    </a:p>
-                  </a:txBody>
-                  <a:tcPr/>
-                </a:tc>
-                <a:tc vMerge="1">
                   <a:txBody>
                     <a:bodyPr/>
                     <a:lstStyle/>
@@ -7340,16 +7775,6 @@
                   </a:txBody>
                   <a:tcPr/>
                 </a:tc>
-                <a:tc vMerge="1">
-                  <a:txBody>
-                    <a:bodyPr/>
-                    <a:lstStyle/>
-                    <a:p>
-                      <a:endParaRPr lang="en-US" dirty="0"/>
-                    </a:p>
-                  </a:txBody>
-                  <a:tcPr/>
-                </a:tc>
                 <a:tc>
                   <a:txBody>
                     <a:bodyPr/>
@@ -7406,16 +7831,6 @@
                   </a:txBody>
                   <a:tcPr/>
                 </a:tc>
-                <a:tc vMerge="1">
-                  <a:txBody>
-                    <a:bodyPr/>
-                    <a:lstStyle/>
-                    <a:p>
-                      <a:endParaRPr lang="en-US" dirty="0"/>
-                    </a:p>
-                  </a:txBody>
-                  <a:tcPr/>
-                </a:tc>
                 <a:tc>
                   <a:txBody>
                     <a:bodyPr/>
@@ -7472,7 +7887,7 @@
         </p:nvSpPr>
         <p:spPr>
           <a:xfrm>
-            <a:off x="5638800" y="5800725"/>
+            <a:off x="2971800" y="5800725"/>
             <a:ext cx="838200" cy="914400"/>
           </a:xfrm>
           <a:prstGeom prst="rect">
@@ -7524,7 +7939,7 @@
         </p:nvSpPr>
         <p:spPr>
           <a:xfrm>
-            <a:off x="5674056" y="4876800"/>
+            <a:off x="3007056" y="4876800"/>
             <a:ext cx="838200" cy="914400"/>
           </a:xfrm>
           <a:prstGeom prst="rect">
@@ -7576,7 +7991,7 @@
         </p:nvSpPr>
         <p:spPr>
           <a:xfrm>
-            <a:off x="5638800" y="3962400"/>
+            <a:off x="2971800" y="3962400"/>
             <a:ext cx="838200" cy="914400"/>
           </a:xfrm>
           <a:prstGeom prst="rect">
@@ -7628,7 +8043,7 @@
         </p:nvSpPr>
         <p:spPr>
           <a:xfrm>
-            <a:off x="5638800" y="3048000"/>
+            <a:off x="2971800" y="3048000"/>
             <a:ext cx="914400" cy="955344"/>
           </a:xfrm>
           <a:prstGeom prst="rect">
@@ -7680,7 +8095,7 @@
         </p:nvSpPr>
         <p:spPr>
           <a:xfrm>
-            <a:off x="5638800" y="1981200"/>
+            <a:off x="2971800" y="1981200"/>
             <a:ext cx="914400" cy="990600"/>
           </a:xfrm>
           <a:prstGeom prst="rect">
@@ -7732,7 +8147,7 @@
         </p:nvSpPr>
         <p:spPr>
           <a:xfrm>
-            <a:off x="5638800" y="990600"/>
+            <a:off x="2971800" y="990600"/>
             <a:ext cx="838200" cy="914400"/>
           </a:xfrm>
           <a:prstGeom prst="rect">
@@ -7784,7 +8199,7 @@
         </p:nvSpPr>
         <p:spPr>
           <a:xfrm>
-            <a:off x="5715000" y="152400"/>
+            <a:off x="3048000" y="152400"/>
             <a:ext cx="838200" cy="810904"/>
           </a:xfrm>
           <a:prstGeom prst="rect">
@@ -8080,76 +8495,33 @@
           </a:prstGeom>
         </p:spPr>
       </p:pic>
-      <p:pic>
-        <p:nvPicPr>
-          <p:cNvPr id="10" name="Picture 9" descr="18127.jpg"/>
-          <p:cNvPicPr>
-            <a:picLocks noChangeAspect="1"/>
-          </p:cNvPicPr>
-          <p:nvPr/>
-        </p:nvPicPr>
-        <p:blipFill>
-          <a:blip r:embed="rId11" cstate="print">
-            <a:clrChange>
-              <a:clrFrom>
-                <a:srgbClr val="FFFFFF"/>
-              </a:clrFrom>
-              <a:clrTo>
-                <a:srgbClr val="FFFFFF">
-                  <a:alpha val="0"/>
-                </a:srgbClr>
-              </a:clrTo>
-            </a:clrChange>
-          </a:blip>
-          <a:srcRect l="30000" t="17500"/>
-          <a:stretch>
-            <a:fillRect/>
-          </a:stretch>
-        </p:blipFill>
-        <p:spPr>
-          <a:xfrm rot="7675390">
-            <a:off x="2761298" y="2061447"/>
-            <a:ext cx="2634116" cy="2483594"/>
-          </a:xfrm>
-          <a:prstGeom prst="rect">
-            <a:avLst/>
-          </a:prstGeom>
-        </p:spPr>
-      </p:pic>
-      <p:sp>
-        <p:nvSpPr>
-          <p:cNvPr id="12" name="Oval 11"/>
-          <p:cNvSpPr/>
-          <p:nvPr/>
-        </p:nvSpPr>
-        <p:spPr>
-          <a:xfrm>
-            <a:off x="3429000" y="2133600"/>
-            <a:ext cx="286656" cy="275772"/>
+      <p:sp>
+        <p:nvSpPr>
+          <p:cNvPr id="21" name="Oval 20"/>
+          <p:cNvSpPr>
+            <a:spLocks noChangeAspect="1"/>
+          </p:cNvSpPr>
+          <p:nvPr/>
+        </p:nvSpPr>
+        <p:spPr>
+          <a:xfrm>
+            <a:off x="2941342" y="223314"/>
+            <a:ext cx="190098" cy="182880"/>
           </a:xfrm>
           <a:prstGeom prst="ellipse">
             <a:avLst/>
           </a:prstGeom>
-          <a:solidFill>
-            <a:schemeClr val="tx1">
-              <a:alpha val="44000"/>
-            </a:schemeClr>
-          </a:solidFill>
-          <a:ln>
-            <a:noFill/>
-          </a:ln>
+          <a:ln/>
         </p:spPr>
         <p:style>
-          <a:lnRef idx="2">
-            <a:schemeClr val="accent1">
-              <a:shade val="50000"/>
-            </a:schemeClr>
+          <a:lnRef idx="1">
+            <a:schemeClr val="dk1"/>
           </a:lnRef>
-          <a:fillRef idx="1">
-            <a:schemeClr val="accent1"/>
+          <a:fillRef idx="3">
+            <a:schemeClr val="dk1"/>
           </a:fillRef>
-          <a:effectRef idx="0">
-            <a:schemeClr val="accent1"/>
+          <a:effectRef idx="2">
+            <a:schemeClr val="dk1"/>
           </a:effectRef>
           <a:fontRef idx="minor">
             <a:schemeClr val="lt1"/>
@@ -8161,47 +8533,40 @@
           <a:p>
             <a:pPr algn="ctr"/>
             <a:r>
-              <a:rPr lang="en-US" dirty="0" smtClean="0"/>
+              <a:rPr lang="en-US" sz="1200" dirty="0" smtClean="0"/>
               <a:t>A</a:t>
             </a:r>
-            <a:endParaRPr lang="en-US" dirty="0"/>
-          </a:p>
-        </p:txBody>
-      </p:sp>
-      <p:sp>
-        <p:nvSpPr>
-          <p:cNvPr id="13" name="Oval 12"/>
-          <p:cNvSpPr/>
-          <p:nvPr/>
-        </p:nvSpPr>
-        <p:spPr>
-          <a:xfrm>
-            <a:off x="3467100" y="2619828"/>
-            <a:ext cx="286656" cy="275772"/>
+            <a:endParaRPr lang="en-US" sz="1200" dirty="0"/>
+          </a:p>
+        </p:txBody>
+      </p:sp>
+      <p:sp>
+        <p:nvSpPr>
+          <p:cNvPr id="22" name="Oval 21"/>
+          <p:cNvSpPr>
+            <a:spLocks noChangeAspect="1"/>
+          </p:cNvSpPr>
+          <p:nvPr/>
+        </p:nvSpPr>
+        <p:spPr>
+          <a:xfrm>
+            <a:off x="3342338" y="833368"/>
+            <a:ext cx="190098" cy="182880"/>
           </a:xfrm>
           <a:prstGeom prst="ellipse">
             <a:avLst/>
           </a:prstGeom>
-          <a:solidFill>
-            <a:schemeClr val="tx1">
-              <a:alpha val="44000"/>
-            </a:schemeClr>
-          </a:solidFill>
-          <a:ln>
-            <a:noFill/>
-          </a:ln>
+          <a:ln/>
         </p:spPr>
         <p:style>
-          <a:lnRef idx="2">
-            <a:schemeClr val="accent1">
-              <a:shade val="50000"/>
-            </a:schemeClr>
+          <a:lnRef idx="1">
+            <a:schemeClr val="dk1"/>
           </a:lnRef>
-          <a:fillRef idx="1">
-            <a:schemeClr val="accent1"/>
+          <a:fillRef idx="3">
+            <a:schemeClr val="dk1"/>
           </a:fillRef>
-          <a:effectRef idx="0">
-            <a:schemeClr val="accent1"/>
+          <a:effectRef idx="2">
+            <a:schemeClr val="dk1"/>
           </a:effectRef>
           <a:fontRef idx="minor">
             <a:schemeClr val="lt1"/>
@@ -8213,47 +8578,40 @@
           <a:p>
             <a:pPr algn="ctr"/>
             <a:r>
-              <a:rPr lang="en-US" dirty="0" smtClean="0"/>
-              <a:t>B</a:t>
-            </a:r>
-            <a:endParaRPr lang="en-US" dirty="0"/>
-          </a:p>
-        </p:txBody>
-      </p:sp>
-      <p:sp>
-        <p:nvSpPr>
-          <p:cNvPr id="14" name="Oval 13"/>
-          <p:cNvSpPr/>
-          <p:nvPr/>
-        </p:nvSpPr>
-        <p:spPr>
-          <a:xfrm>
-            <a:off x="3530600" y="3124200"/>
-            <a:ext cx="286656" cy="275772"/>
+              <a:rPr lang="en-US" sz="1200" dirty="0" smtClean="0"/>
+              <a:t>F</a:t>
+            </a:r>
+            <a:endParaRPr lang="en-US" sz="1200" dirty="0"/>
+          </a:p>
+        </p:txBody>
+      </p:sp>
+      <p:sp>
+        <p:nvSpPr>
+          <p:cNvPr id="23" name="Oval 22"/>
+          <p:cNvSpPr>
+            <a:spLocks noChangeAspect="1"/>
+          </p:cNvSpPr>
+          <p:nvPr/>
+        </p:nvSpPr>
+        <p:spPr>
+          <a:xfrm>
+            <a:off x="3827812" y="218028"/>
+            <a:ext cx="190098" cy="182880"/>
           </a:xfrm>
           <a:prstGeom prst="ellipse">
             <a:avLst/>
           </a:prstGeom>
-          <a:solidFill>
-            <a:schemeClr val="tx1">
-              <a:alpha val="44000"/>
-            </a:schemeClr>
-          </a:solidFill>
-          <a:ln>
-            <a:noFill/>
-          </a:ln>
+          <a:ln/>
         </p:spPr>
         <p:style>
-          <a:lnRef idx="2">
-            <a:schemeClr val="accent1">
-              <a:shade val="50000"/>
-            </a:schemeClr>
+          <a:lnRef idx="1">
+            <a:schemeClr val="dk1"/>
           </a:lnRef>
-          <a:fillRef idx="1">
-            <a:schemeClr val="accent1"/>
+          <a:fillRef idx="3">
+            <a:schemeClr val="dk1"/>
           </a:fillRef>
-          <a:effectRef idx="0">
-            <a:schemeClr val="accent1"/>
+          <a:effectRef idx="2">
+            <a:schemeClr val="dk1"/>
           </a:effectRef>
           <a:fontRef idx="minor">
             <a:schemeClr val="lt1"/>
@@ -8265,453 +8623,6 @@
           <a:p>
             <a:pPr algn="ctr"/>
             <a:r>
-              <a:rPr lang="en-US" dirty="0" smtClean="0"/>
-              <a:t>C</a:t>
-            </a:r>
-            <a:endParaRPr lang="en-US" dirty="0"/>
-          </a:p>
-        </p:txBody>
-      </p:sp>
-      <p:sp>
-        <p:nvSpPr>
-          <p:cNvPr id="15" name="Oval 14"/>
-          <p:cNvSpPr/>
-          <p:nvPr/>
-        </p:nvSpPr>
-        <p:spPr>
-          <a:xfrm>
-            <a:off x="3797300" y="1977572"/>
-            <a:ext cx="286656" cy="275772"/>
-          </a:xfrm>
-          <a:prstGeom prst="ellipse">
-            <a:avLst/>
-          </a:prstGeom>
-          <a:solidFill>
-            <a:schemeClr val="tx1">
-              <a:alpha val="44000"/>
-            </a:schemeClr>
-          </a:solidFill>
-          <a:ln>
-            <a:noFill/>
-          </a:ln>
-        </p:spPr>
-        <p:style>
-          <a:lnRef idx="2">
-            <a:schemeClr val="accent1">
-              <a:shade val="50000"/>
-            </a:schemeClr>
-          </a:lnRef>
-          <a:fillRef idx="1">
-            <a:schemeClr val="accent1"/>
-          </a:fillRef>
-          <a:effectRef idx="0">
-            <a:schemeClr val="accent1"/>
-          </a:effectRef>
-          <a:fontRef idx="minor">
-            <a:schemeClr val="lt1"/>
-          </a:fontRef>
-        </p:style>
-        <p:txBody>
-          <a:bodyPr rtlCol="0" anchor="ctr"/>
-          <a:lstStyle/>
-          <a:p>
-            <a:pPr algn="ctr"/>
-            <a:r>
-              <a:rPr lang="en-US" dirty="0" smtClean="0"/>
-              <a:t>D</a:t>
-            </a:r>
-            <a:endParaRPr lang="en-US" dirty="0"/>
-          </a:p>
-        </p:txBody>
-      </p:sp>
-      <p:sp>
-        <p:nvSpPr>
-          <p:cNvPr id="16" name="Oval 15"/>
-          <p:cNvSpPr/>
-          <p:nvPr/>
-        </p:nvSpPr>
-        <p:spPr>
-          <a:xfrm>
-            <a:off x="3822700" y="2438400"/>
-            <a:ext cx="286656" cy="275772"/>
-          </a:xfrm>
-          <a:prstGeom prst="ellipse">
-            <a:avLst/>
-          </a:prstGeom>
-          <a:solidFill>
-            <a:schemeClr val="tx1">
-              <a:alpha val="44000"/>
-            </a:schemeClr>
-          </a:solidFill>
-          <a:ln>
-            <a:noFill/>
-          </a:ln>
-        </p:spPr>
-        <p:style>
-          <a:lnRef idx="2">
-            <a:schemeClr val="accent1">
-              <a:shade val="50000"/>
-            </a:schemeClr>
-          </a:lnRef>
-          <a:fillRef idx="1">
-            <a:schemeClr val="accent1"/>
-          </a:fillRef>
-          <a:effectRef idx="0">
-            <a:schemeClr val="accent1"/>
-          </a:effectRef>
-          <a:fontRef idx="minor">
-            <a:schemeClr val="lt1"/>
-          </a:fontRef>
-        </p:style>
-        <p:txBody>
-          <a:bodyPr rtlCol="0" anchor="ctr"/>
-          <a:lstStyle/>
-          <a:p>
-            <a:pPr algn="ctr"/>
-            <a:r>
-              <a:rPr lang="en-US" dirty="0" smtClean="0"/>
-              <a:t>E</a:t>
-            </a:r>
-            <a:endParaRPr lang="en-US" dirty="0"/>
-          </a:p>
-        </p:txBody>
-      </p:sp>
-      <p:sp>
-        <p:nvSpPr>
-          <p:cNvPr id="17" name="Oval 16"/>
-          <p:cNvSpPr/>
-          <p:nvPr/>
-        </p:nvSpPr>
-        <p:spPr>
-          <a:xfrm>
-            <a:off x="3853544" y="3035300"/>
-            <a:ext cx="286656" cy="275772"/>
-          </a:xfrm>
-          <a:prstGeom prst="ellipse">
-            <a:avLst/>
-          </a:prstGeom>
-          <a:solidFill>
-            <a:schemeClr val="tx1">
-              <a:alpha val="44000"/>
-            </a:schemeClr>
-          </a:solidFill>
-          <a:ln>
-            <a:noFill/>
-          </a:ln>
-        </p:spPr>
-        <p:style>
-          <a:lnRef idx="2">
-            <a:schemeClr val="accent1">
-              <a:shade val="50000"/>
-            </a:schemeClr>
-          </a:lnRef>
-          <a:fillRef idx="1">
-            <a:schemeClr val="accent1"/>
-          </a:fillRef>
-          <a:effectRef idx="0">
-            <a:schemeClr val="accent1"/>
-          </a:effectRef>
-          <a:fontRef idx="minor">
-            <a:schemeClr val="lt1"/>
-          </a:fontRef>
-        </p:style>
-        <p:txBody>
-          <a:bodyPr rtlCol="0" anchor="ctr"/>
-          <a:lstStyle/>
-          <a:p>
-            <a:pPr algn="ctr"/>
-            <a:r>
-              <a:rPr lang="en-US" dirty="0" smtClean="0"/>
-              <a:t>F</a:t>
-            </a:r>
-            <a:endParaRPr lang="en-US" dirty="0"/>
-          </a:p>
-        </p:txBody>
-      </p:sp>
-      <p:sp>
-        <p:nvSpPr>
-          <p:cNvPr id="18" name="Oval 17"/>
-          <p:cNvSpPr/>
-          <p:nvPr/>
-        </p:nvSpPr>
-        <p:spPr>
-          <a:xfrm>
-            <a:off x="4336144" y="2099128"/>
-            <a:ext cx="286656" cy="275772"/>
-          </a:xfrm>
-          <a:prstGeom prst="ellipse">
-            <a:avLst/>
-          </a:prstGeom>
-          <a:solidFill>
-            <a:schemeClr val="tx1">
-              <a:alpha val="44000"/>
-            </a:schemeClr>
-          </a:solidFill>
-          <a:ln>
-            <a:noFill/>
-          </a:ln>
-        </p:spPr>
-        <p:style>
-          <a:lnRef idx="2">
-            <a:schemeClr val="accent1">
-              <a:shade val="50000"/>
-            </a:schemeClr>
-          </a:lnRef>
-          <a:fillRef idx="1">
-            <a:schemeClr val="accent1"/>
-          </a:fillRef>
-          <a:effectRef idx="0">
-            <a:schemeClr val="accent1"/>
-          </a:effectRef>
-          <a:fontRef idx="minor">
-            <a:schemeClr val="lt1"/>
-          </a:fontRef>
-        </p:style>
-        <p:txBody>
-          <a:bodyPr rtlCol="0" anchor="ctr"/>
-          <a:lstStyle/>
-          <a:p>
-            <a:pPr algn="ctr"/>
-            <a:r>
-              <a:rPr lang="en-US" dirty="0" smtClean="0"/>
-              <a:t>G</a:t>
-            </a:r>
-            <a:endParaRPr lang="en-US" dirty="0"/>
-          </a:p>
-        </p:txBody>
-      </p:sp>
-      <p:sp>
-        <p:nvSpPr>
-          <p:cNvPr id="19" name="Oval 18"/>
-          <p:cNvSpPr/>
-          <p:nvPr/>
-        </p:nvSpPr>
-        <p:spPr>
-          <a:xfrm>
-            <a:off x="4318000" y="2561772"/>
-            <a:ext cx="286656" cy="275772"/>
-          </a:xfrm>
-          <a:prstGeom prst="ellipse">
-            <a:avLst/>
-          </a:prstGeom>
-          <a:solidFill>
-            <a:schemeClr val="tx1">
-              <a:alpha val="44000"/>
-            </a:schemeClr>
-          </a:solidFill>
-          <a:ln>
-            <a:noFill/>
-          </a:ln>
-        </p:spPr>
-        <p:style>
-          <a:lnRef idx="2">
-            <a:schemeClr val="accent1">
-              <a:shade val="50000"/>
-            </a:schemeClr>
-          </a:lnRef>
-          <a:fillRef idx="1">
-            <a:schemeClr val="accent1"/>
-          </a:fillRef>
-          <a:effectRef idx="0">
-            <a:schemeClr val="accent1"/>
-          </a:effectRef>
-          <a:fontRef idx="minor">
-            <a:schemeClr val="lt1"/>
-          </a:fontRef>
-        </p:style>
-        <p:txBody>
-          <a:bodyPr rtlCol="0" anchor="ctr"/>
-          <a:lstStyle/>
-          <a:p>
-            <a:pPr algn="ctr"/>
-            <a:r>
-              <a:rPr lang="en-US" dirty="0" smtClean="0"/>
-              <a:t>H</a:t>
-            </a:r>
-            <a:endParaRPr lang="en-US" dirty="0"/>
-          </a:p>
-        </p:txBody>
-      </p:sp>
-      <p:sp>
-        <p:nvSpPr>
-          <p:cNvPr id="20" name="Oval 19"/>
-          <p:cNvSpPr/>
-          <p:nvPr/>
-        </p:nvSpPr>
-        <p:spPr>
-          <a:xfrm>
-            <a:off x="4191000" y="3086100"/>
-            <a:ext cx="286656" cy="275772"/>
-          </a:xfrm>
-          <a:prstGeom prst="ellipse">
-            <a:avLst/>
-          </a:prstGeom>
-          <a:solidFill>
-            <a:schemeClr val="tx1">
-              <a:alpha val="44000"/>
-            </a:schemeClr>
-          </a:solidFill>
-          <a:ln>
-            <a:noFill/>
-          </a:ln>
-        </p:spPr>
-        <p:style>
-          <a:lnRef idx="2">
-            <a:schemeClr val="accent1">
-              <a:shade val="50000"/>
-            </a:schemeClr>
-          </a:lnRef>
-          <a:fillRef idx="1">
-            <a:schemeClr val="accent1"/>
-          </a:fillRef>
-          <a:effectRef idx="0">
-            <a:schemeClr val="accent1"/>
-          </a:effectRef>
-          <a:fontRef idx="minor">
-            <a:schemeClr val="lt1"/>
-          </a:fontRef>
-        </p:style>
-        <p:txBody>
-          <a:bodyPr rtlCol="0" anchor="ctr"/>
-          <a:lstStyle/>
-          <a:p>
-            <a:pPr algn="ctr"/>
-            <a:r>
-              <a:rPr lang="en-US" dirty="0" smtClean="0"/>
-              <a:t>I</a:t>
-            </a:r>
-            <a:endParaRPr lang="en-US" dirty="0"/>
-          </a:p>
-        </p:txBody>
-      </p:sp>
-      <p:sp>
-        <p:nvSpPr>
-          <p:cNvPr id="21" name="Oval 20"/>
-          <p:cNvSpPr>
-            <a:spLocks noChangeAspect="1"/>
-          </p:cNvSpPr>
-          <p:nvPr/>
-        </p:nvSpPr>
-        <p:spPr>
-          <a:xfrm>
-            <a:off x="5608342" y="223314"/>
-            <a:ext cx="190098" cy="182880"/>
-          </a:xfrm>
-          <a:prstGeom prst="ellipse">
-            <a:avLst/>
-          </a:prstGeom>
-          <a:ln/>
-        </p:spPr>
-        <p:style>
-          <a:lnRef idx="1">
-            <a:schemeClr val="dk1"/>
-          </a:lnRef>
-          <a:fillRef idx="3">
-            <a:schemeClr val="dk1"/>
-          </a:fillRef>
-          <a:effectRef idx="2">
-            <a:schemeClr val="dk1"/>
-          </a:effectRef>
-          <a:fontRef idx="minor">
-            <a:schemeClr val="lt1"/>
-          </a:fontRef>
-        </p:style>
-        <p:txBody>
-          <a:bodyPr rtlCol="0" anchor="ctr"/>
-          <a:lstStyle/>
-          <a:p>
-            <a:pPr algn="ctr"/>
-            <a:r>
-              <a:rPr lang="en-US" sz="1200" dirty="0" smtClean="0"/>
-              <a:t>A</a:t>
-            </a:r>
-            <a:endParaRPr lang="en-US" sz="1200" dirty="0"/>
-          </a:p>
-        </p:txBody>
-      </p:sp>
-      <p:sp>
-        <p:nvSpPr>
-          <p:cNvPr id="22" name="Oval 21"/>
-          <p:cNvSpPr>
-            <a:spLocks noChangeAspect="1"/>
-          </p:cNvSpPr>
-          <p:nvPr/>
-        </p:nvSpPr>
-        <p:spPr>
-          <a:xfrm>
-            <a:off x="6009338" y="833368"/>
-            <a:ext cx="190098" cy="182880"/>
-          </a:xfrm>
-          <a:prstGeom prst="ellipse">
-            <a:avLst/>
-          </a:prstGeom>
-          <a:ln/>
-        </p:spPr>
-        <p:style>
-          <a:lnRef idx="1">
-            <a:schemeClr val="dk1"/>
-          </a:lnRef>
-          <a:fillRef idx="3">
-            <a:schemeClr val="dk1"/>
-          </a:fillRef>
-          <a:effectRef idx="2">
-            <a:schemeClr val="dk1"/>
-          </a:effectRef>
-          <a:fontRef idx="minor">
-            <a:schemeClr val="lt1"/>
-          </a:fontRef>
-        </p:style>
-        <p:txBody>
-          <a:bodyPr rtlCol="0" anchor="ctr"/>
-          <a:lstStyle/>
-          <a:p>
-            <a:pPr algn="ctr"/>
-            <a:r>
-              <a:rPr lang="en-US" sz="1200" dirty="0" smtClean="0"/>
-              <a:t>F</a:t>
-            </a:r>
-            <a:endParaRPr lang="en-US" sz="1200" dirty="0"/>
-          </a:p>
-        </p:txBody>
-      </p:sp>
-      <p:sp>
-        <p:nvSpPr>
-          <p:cNvPr id="23" name="Oval 22"/>
-          <p:cNvSpPr>
-            <a:spLocks noChangeAspect="1"/>
-          </p:cNvSpPr>
-          <p:nvPr/>
-        </p:nvSpPr>
-        <p:spPr>
-          <a:xfrm>
-            <a:off x="6494812" y="218028"/>
-            <a:ext cx="190098" cy="182880"/>
-          </a:xfrm>
-          <a:prstGeom prst="ellipse">
-            <a:avLst/>
-          </a:prstGeom>
-          <a:ln/>
-        </p:spPr>
-        <p:style>
-          <a:lnRef idx="1">
-            <a:schemeClr val="dk1"/>
-          </a:lnRef>
-          <a:fillRef idx="3">
-            <a:schemeClr val="dk1"/>
-          </a:fillRef>
-          <a:effectRef idx="2">
-            <a:schemeClr val="dk1"/>
-          </a:effectRef>
-          <a:fontRef idx="minor">
-            <a:schemeClr val="lt1"/>
-          </a:fontRef>
-        </p:style>
-        <p:txBody>
-          <a:bodyPr rtlCol="0" anchor="ctr"/>
-          <a:lstStyle/>
-          <a:p>
-            <a:pPr algn="ctr"/>
-            <a:r>
               <a:rPr lang="en-US" sz="1200" dirty="0" smtClean="0"/>
               <a:t>G</a:t>
             </a:r>
@@ -8727,7 +8638,7 @@
         </p:nvSpPr>
         <p:spPr>
           <a:xfrm>
-            <a:off x="5879926" y="304800"/>
+            <a:off x="3212926" y="304800"/>
             <a:ext cx="522514" cy="539447"/>
           </a:xfrm>
           <a:custGeom>
@@ -8812,7 +8723,7 @@
         </p:nvSpPr>
         <p:spPr>
           <a:xfrm>
-            <a:off x="5583290" y="1641782"/>
+            <a:off x="2916290" y="1641782"/>
             <a:ext cx="190098" cy="182880"/>
           </a:xfrm>
           <a:prstGeom prst="ellipse">
@@ -8857,7 +8768,7 @@
         </p:nvSpPr>
         <p:spPr>
           <a:xfrm>
-            <a:off x="5939462" y="1219200"/>
+            <a:off x="3272462" y="1219200"/>
             <a:ext cx="190098" cy="182880"/>
           </a:xfrm>
           <a:prstGeom prst="ellipse">
@@ -8902,7 +8813,7 @@
         </p:nvSpPr>
         <p:spPr>
           <a:xfrm>
-            <a:off x="6371834" y="1612614"/>
+            <a:off x="3704834" y="1612614"/>
             <a:ext cx="190098" cy="182880"/>
           </a:xfrm>
           <a:prstGeom prst="ellipse">
@@ -8945,7 +8856,7 @@
         </p:nvSpPr>
         <p:spPr>
           <a:xfrm>
-            <a:off x="5867400" y="1099901"/>
+            <a:off x="3200400" y="1099901"/>
             <a:ext cx="430306" cy="613047"/>
           </a:xfrm>
           <a:custGeom>
@@ -9030,7 +8941,7 @@
         </p:nvSpPr>
         <p:spPr>
           <a:xfrm>
-            <a:off x="5562600" y="2438400"/>
+            <a:off x="2895600" y="2438400"/>
             <a:ext cx="190098" cy="182880"/>
           </a:xfrm>
           <a:prstGeom prst="ellipse">
@@ -9075,7 +8986,7 @@
         </p:nvSpPr>
         <p:spPr>
           <a:xfrm>
-            <a:off x="5982102" y="1930400"/>
+            <a:off x="3315102" y="1930400"/>
             <a:ext cx="190098" cy="182880"/>
           </a:xfrm>
           <a:prstGeom prst="ellipse">
@@ -9120,7 +9031,7 @@
         </p:nvSpPr>
         <p:spPr>
           <a:xfrm>
-            <a:off x="6515502" y="2432050"/>
+            <a:off x="3848502" y="2432050"/>
             <a:ext cx="190098" cy="182880"/>
           </a:xfrm>
           <a:prstGeom prst="ellipse">
@@ -9165,7 +9076,7 @@
         </p:nvSpPr>
         <p:spPr>
           <a:xfrm>
-            <a:off x="6013450" y="2819400"/>
+            <a:off x="3346450" y="2819400"/>
             <a:ext cx="190098" cy="182880"/>
           </a:xfrm>
           <a:prstGeom prst="ellipse">
@@ -9208,7 +9119,7 @@
         </p:nvSpPr>
         <p:spPr>
           <a:xfrm>
-            <a:off x="5813425" y="2133600"/>
+            <a:off x="3146425" y="2133600"/>
             <a:ext cx="627592" cy="632883"/>
           </a:xfrm>
           <a:custGeom>
@@ -9313,7 +9224,7 @@
         </p:nvSpPr>
         <p:spPr>
           <a:xfrm>
-            <a:off x="5562600" y="3479800"/>
+            <a:off x="2895600" y="3479800"/>
             <a:ext cx="190098" cy="182880"/>
           </a:xfrm>
           <a:prstGeom prst="ellipse">
@@ -9358,7 +9269,7 @@
         </p:nvSpPr>
         <p:spPr>
           <a:xfrm>
-            <a:off x="6515502" y="3473450"/>
+            <a:off x="3848502" y="3473450"/>
             <a:ext cx="190098" cy="182880"/>
           </a:xfrm>
           <a:prstGeom prst="ellipse">
@@ -9403,7 +9314,7 @@
         </p:nvSpPr>
         <p:spPr>
           <a:xfrm>
-            <a:off x="6013450" y="3581400"/>
+            <a:off x="3346450" y="3581400"/>
             <a:ext cx="190098" cy="182880"/>
           </a:xfrm>
           <a:prstGeom prst="ellipse">
@@ -9446,7 +9357,7 @@
         </p:nvCxnSpPr>
         <p:spPr>
           <a:xfrm>
-            <a:off x="5867400" y="3505200"/>
+            <a:off x="3200400" y="3505200"/>
             <a:ext cx="533400" cy="1588"/>
           </a:xfrm>
           <a:prstGeom prst="straightConnector1">
@@ -9485,7 +9396,7 @@
         </p:nvSpPr>
         <p:spPr>
           <a:xfrm>
-            <a:off x="5562600" y="4394200"/>
+            <a:off x="2895600" y="4394200"/>
             <a:ext cx="190098" cy="182880"/>
           </a:xfrm>
           <a:prstGeom prst="ellipse">
@@ -9530,7 +9441,7 @@
         </p:nvSpPr>
         <p:spPr>
           <a:xfrm>
-            <a:off x="5943600" y="4252595"/>
+            <a:off x="3276600" y="4252595"/>
             <a:ext cx="190098" cy="182880"/>
           </a:xfrm>
           <a:prstGeom prst="ellipse">
@@ -9575,7 +9486,7 @@
         </p:nvSpPr>
         <p:spPr>
           <a:xfrm>
-            <a:off x="6400800" y="4464050"/>
+            <a:off x="3733800" y="4464050"/>
             <a:ext cx="190098" cy="182880"/>
           </a:xfrm>
           <a:prstGeom prst="ellipse">
@@ -9620,7 +9531,7 @@
         </p:nvSpPr>
         <p:spPr>
           <a:xfrm>
-            <a:off x="6363102" y="4724400"/>
+            <a:off x="3696102" y="4724400"/>
             <a:ext cx="190098" cy="182880"/>
           </a:xfrm>
           <a:prstGeom prst="ellipse">
@@ -9665,7 +9576,7 @@
         </p:nvSpPr>
         <p:spPr>
           <a:xfrm>
-            <a:off x="5568950" y="4693920"/>
+            <a:off x="2901950" y="4693920"/>
             <a:ext cx="190098" cy="182880"/>
           </a:xfrm>
           <a:prstGeom prst="ellipse">
@@ -9710,7 +9621,7 @@
         </p:nvSpPr>
         <p:spPr>
           <a:xfrm>
-            <a:off x="5953125" y="4714875"/>
+            <a:off x="3286125" y="4714875"/>
             <a:ext cx="190098" cy="182880"/>
           </a:xfrm>
           <a:prstGeom prst="ellipse">
@@ -9755,7 +9666,7 @@
         </p:nvSpPr>
         <p:spPr>
           <a:xfrm>
-            <a:off x="5982102" y="5151120"/>
+            <a:off x="3315102" y="5151120"/>
             <a:ext cx="190098" cy="182880"/>
           </a:xfrm>
           <a:prstGeom prst="ellipse">
@@ -9800,7 +9711,7 @@
         </p:nvSpPr>
         <p:spPr>
           <a:xfrm>
-            <a:off x="6286902" y="5181600"/>
+            <a:off x="3619902" y="5181600"/>
             <a:ext cx="190098" cy="182880"/>
           </a:xfrm>
           <a:prstGeom prst="ellipse">
@@ -9845,7 +9756,7 @@
         </p:nvSpPr>
         <p:spPr>
           <a:xfrm>
-            <a:off x="5753502" y="5151120"/>
+            <a:off x="3086502" y="5151120"/>
             <a:ext cx="190098" cy="182880"/>
           </a:xfrm>
           <a:prstGeom prst="ellipse">
@@ -9888,7 +9799,7 @@
         </p:nvSpPr>
         <p:spPr>
           <a:xfrm>
-            <a:off x="5835650" y="5016500"/>
+            <a:off x="3168650" y="5016500"/>
             <a:ext cx="579967" cy="101600"/>
           </a:xfrm>
           <a:custGeom>
@@ -9981,7 +9892,7 @@
         </p:nvSpPr>
         <p:spPr>
           <a:xfrm>
-            <a:off x="6193808" y="6326219"/>
+            <a:off x="3526808" y="6326219"/>
             <a:ext cx="190098" cy="182880"/>
           </a:xfrm>
           <a:prstGeom prst="ellipse">
@@ -10026,7 +9937,7 @@
         </p:nvSpPr>
         <p:spPr>
           <a:xfrm>
-            <a:off x="5698910" y="6314789"/>
+            <a:off x="3031910" y="6314789"/>
             <a:ext cx="190098" cy="182880"/>
           </a:xfrm>
           <a:prstGeom prst="ellipse">
@@ -10071,7 +9982,7 @@
         </p:nvSpPr>
         <p:spPr>
           <a:xfrm>
-            <a:off x="5927108" y="6307169"/>
+            <a:off x="3260108" y="6307169"/>
             <a:ext cx="190098" cy="182880"/>
           </a:xfrm>
           <a:prstGeom prst="ellipse">
@@ -10114,7 +10025,7 @@
         </p:nvCxnSpPr>
         <p:spPr>
           <a:xfrm rot="10800000">
-            <a:off x="5806458" y="6587839"/>
+            <a:off x="3139458" y="6587839"/>
             <a:ext cx="457200" cy="1588"/>
           </a:xfrm>
           <a:prstGeom prst="straightConnector1">
@@ -10158,7 +10069,7 @@
         </p:blipFill>
         <p:spPr>
           <a:xfrm>
-            <a:off x="203200" y="1066800"/>
+            <a:off x="203200" y="1047750"/>
             <a:ext cx="644640" cy="865315"/>
           </a:xfrm>
           <a:prstGeom prst="rect">
@@ -10181,7 +10092,7 @@
         </p:blipFill>
         <p:spPr>
           <a:xfrm>
-            <a:off x="165100" y="2082800"/>
+            <a:off x="184150" y="2082800"/>
             <a:ext cx="685800" cy="838200"/>
           </a:xfrm>
           <a:prstGeom prst="rect">
@@ -10196,7 +10107,7 @@
           <p:nvPr/>
         </p:nvPicPr>
         <p:blipFill>
-          <a:blip r:embed="rId12" cstate="print">
+          <a:blip r:embed="rId11" cstate="print">
             <a:grayscl/>
             <a:lum contrast="10000"/>
           </a:blip>
@@ -10270,7 +10181,7 @@
           <p:nvPr/>
         </p:nvPicPr>
         <p:blipFill>
-          <a:blip r:embed="rId13" cstate="print">
+          <a:blip r:embed="rId12" cstate="print">
             <a:lum bright="10000"/>
           </a:blip>
           <a:srcRect l="28750" t="2653" r="11250" b="12449"/>
@@ -10280,7 +10191,7 @@
         </p:blipFill>
         <p:spPr>
           <a:xfrm>
-            <a:off x="94762" y="3073400"/>
+            <a:off x="113812" y="3073400"/>
             <a:ext cx="773724" cy="838200"/>
           </a:xfrm>
           <a:prstGeom prst="rect">
@@ -10296,7 +10207,7 @@
         </p:nvSpPr>
         <p:spPr>
           <a:xfrm>
-            <a:off x="5810250" y="4396317"/>
+            <a:off x="3143250" y="4396317"/>
             <a:ext cx="537633" cy="375708"/>
           </a:xfrm>
           <a:custGeom>
@@ -10409,7 +10320,7 @@
         </p:nvSpPr>
         <p:spPr>
           <a:xfrm>
-            <a:off x="6934200" y="438150"/>
+            <a:off x="4313919" y="457200"/>
             <a:ext cx="286656" cy="275772"/>
           </a:xfrm>
           <a:prstGeom prst="ellipse">
@@ -10452,7 +10363,7 @@
         </p:nvSpPr>
         <p:spPr>
           <a:xfrm>
-            <a:off x="7257144" y="438150"/>
+            <a:off x="4636863" y="457200"/>
             <a:ext cx="286656" cy="275772"/>
           </a:xfrm>
           <a:prstGeom prst="ellipse">
@@ -10495,7 +10406,7 @@
         </p:nvSpPr>
         <p:spPr>
           <a:xfrm>
-            <a:off x="7591425" y="438150"/>
+            <a:off x="4971144" y="457200"/>
             <a:ext cx="286656" cy="275772"/>
           </a:xfrm>
           <a:prstGeom prst="ellipse">
@@ -10538,7 +10449,7 @@
         </p:nvSpPr>
         <p:spPr>
           <a:xfrm>
-            <a:off x="6934200" y="1333953"/>
+            <a:off x="4313919" y="1353003"/>
             <a:ext cx="286656" cy="275772"/>
           </a:xfrm>
           <a:prstGeom prst="ellipse">
@@ -10581,7 +10492,7 @@
         </p:nvSpPr>
         <p:spPr>
           <a:xfrm>
-            <a:off x="7257144" y="1333953"/>
+            <a:off x="4636863" y="1353003"/>
             <a:ext cx="286656" cy="275772"/>
           </a:xfrm>
           <a:prstGeom prst="ellipse">
@@ -10624,7 +10535,7 @@
         </p:nvSpPr>
         <p:spPr>
           <a:xfrm>
-            <a:off x="7591425" y="1333953"/>
+            <a:off x="4971144" y="1353003"/>
             <a:ext cx="286656" cy="275772"/>
           </a:xfrm>
           <a:prstGeom prst="ellipse">
@@ -10667,7 +10578,7 @@
         </p:nvSpPr>
         <p:spPr>
           <a:xfrm>
-            <a:off x="7181850" y="2334078"/>
+            <a:off x="4637769" y="2305050"/>
             <a:ext cx="286656" cy="275772"/>
           </a:xfrm>
           <a:prstGeom prst="ellipse">
@@ -10710,7 +10621,7 @@
         </p:nvSpPr>
         <p:spPr>
           <a:xfrm>
-            <a:off x="7504794" y="2334078"/>
+            <a:off x="4960713" y="2305050"/>
             <a:ext cx="286656" cy="275772"/>
           </a:xfrm>
           <a:prstGeom prst="ellipse">
@@ -10753,7 +10664,7 @@
         </p:nvSpPr>
         <p:spPr>
           <a:xfrm>
-            <a:off x="7839075" y="2334078"/>
+            <a:off x="4313919" y="2637972"/>
             <a:ext cx="286656" cy="275772"/>
           </a:xfrm>
           <a:prstGeom prst="ellipse">
@@ -10796,7 +10707,7 @@
         </p:nvSpPr>
         <p:spPr>
           <a:xfrm>
-            <a:off x="6934200" y="3381828"/>
+            <a:off x="4274913" y="3400878"/>
             <a:ext cx="286656" cy="275772"/>
           </a:xfrm>
           <a:prstGeom prst="ellipse">
@@ -10839,7 +10750,7 @@
         </p:nvSpPr>
         <p:spPr>
           <a:xfrm>
-            <a:off x="7257144" y="3381828"/>
+            <a:off x="4597857" y="3400878"/>
             <a:ext cx="286656" cy="275772"/>
           </a:xfrm>
           <a:prstGeom prst="ellipse">
@@ -10882,7 +10793,7 @@
         </p:nvSpPr>
         <p:spPr>
           <a:xfrm>
-            <a:off x="7591425" y="3381828"/>
+            <a:off x="4932138" y="3400878"/>
             <a:ext cx="286656" cy="275772"/>
           </a:xfrm>
           <a:prstGeom prst="ellipse">
@@ -10925,7 +10836,7 @@
         </p:nvSpPr>
         <p:spPr>
           <a:xfrm>
-            <a:off x="6934200" y="4143828"/>
+            <a:off x="4274913" y="4162878"/>
             <a:ext cx="286656" cy="275772"/>
           </a:xfrm>
           <a:prstGeom prst="ellipse">
@@ -10968,7 +10879,7 @@
         </p:nvSpPr>
         <p:spPr>
           <a:xfrm>
-            <a:off x="7257144" y="4143828"/>
+            <a:off x="4597857" y="4162878"/>
             <a:ext cx="286656" cy="275772"/>
           </a:xfrm>
           <a:prstGeom prst="ellipse">
@@ -11011,7 +10922,7 @@
         </p:nvSpPr>
         <p:spPr>
           <a:xfrm>
-            <a:off x="7591425" y="4143828"/>
+            <a:off x="4932138" y="4162878"/>
             <a:ext cx="286656" cy="275772"/>
           </a:xfrm>
           <a:prstGeom prst="ellipse">
@@ -11054,7 +10965,7 @@
         </p:nvSpPr>
         <p:spPr>
           <a:xfrm>
-            <a:off x="6934200" y="4524828"/>
+            <a:off x="4274913" y="4543878"/>
             <a:ext cx="286656" cy="275772"/>
           </a:xfrm>
           <a:prstGeom prst="ellipse">
@@ -11097,7 +11008,7 @@
         </p:nvSpPr>
         <p:spPr>
           <a:xfrm>
-            <a:off x="7257144" y="4524828"/>
+            <a:off x="4597857" y="4543878"/>
             <a:ext cx="286656" cy="275772"/>
           </a:xfrm>
           <a:prstGeom prst="ellipse">
@@ -11140,7 +11051,7 @@
         </p:nvSpPr>
         <p:spPr>
           <a:xfrm>
-            <a:off x="7591425" y="4524828"/>
+            <a:off x="4932138" y="4543878"/>
             <a:ext cx="286656" cy="275772"/>
           </a:xfrm>
           <a:prstGeom prst="ellipse">
@@ -11178,13 +11089,15 @@
       <p:sp>
         <p:nvSpPr>
           <p:cNvPr id="101" name="Oval 100"/>
-          <p:cNvSpPr/>
-          <p:nvPr/>
-        </p:nvSpPr>
-        <p:spPr>
-          <a:xfrm>
-            <a:off x="6943725" y="5210628"/>
-            <a:ext cx="286656" cy="275772"/>
+          <p:cNvSpPr>
+            <a:spLocks noChangeAspect="1"/>
+          </p:cNvSpPr>
+          <p:nvPr/>
+        </p:nvSpPr>
+        <p:spPr>
+          <a:xfrm>
+            <a:off x="4284438" y="5010603"/>
+            <a:ext cx="237622" cy="228600"/>
           </a:xfrm>
           <a:prstGeom prst="ellipse">
             <a:avLst/>
@@ -11221,13 +11134,15 @@
       <p:sp>
         <p:nvSpPr>
           <p:cNvPr id="102" name="Oval 101"/>
-          <p:cNvSpPr/>
-          <p:nvPr/>
-        </p:nvSpPr>
-        <p:spPr>
-          <a:xfrm>
-            <a:off x="7266669" y="5210628"/>
-            <a:ext cx="286656" cy="275772"/>
+          <p:cNvSpPr>
+            <a:spLocks noChangeAspect="1"/>
+          </p:cNvSpPr>
+          <p:nvPr/>
+        </p:nvSpPr>
+        <p:spPr>
+          <a:xfrm>
+            <a:off x="4607382" y="5010603"/>
+            <a:ext cx="237622" cy="228600"/>
           </a:xfrm>
           <a:prstGeom prst="ellipse">
             <a:avLst/>
@@ -11264,13 +11179,15 @@
       <p:sp>
         <p:nvSpPr>
           <p:cNvPr id="103" name="Oval 102"/>
-          <p:cNvSpPr/>
-          <p:nvPr/>
-        </p:nvSpPr>
-        <p:spPr>
-          <a:xfrm>
-            <a:off x="7600950" y="5210628"/>
-            <a:ext cx="286656" cy="275772"/>
+          <p:cNvSpPr>
+            <a:spLocks noChangeAspect="1"/>
+          </p:cNvSpPr>
+          <p:nvPr/>
+        </p:nvSpPr>
+        <p:spPr>
+          <a:xfrm>
+            <a:off x="4941663" y="5010603"/>
+            <a:ext cx="237622" cy="228600"/>
           </a:xfrm>
           <a:prstGeom prst="ellipse">
             <a:avLst/>
@@ -11312,7 +11229,7 @@
         </p:nvSpPr>
         <p:spPr>
           <a:xfrm>
-            <a:off x="6934200" y="6201228"/>
+            <a:off x="4274913" y="6220278"/>
             <a:ext cx="286656" cy="275772"/>
           </a:xfrm>
           <a:prstGeom prst="ellipse">
@@ -11355,7 +11272,7 @@
         </p:nvSpPr>
         <p:spPr>
           <a:xfrm>
-            <a:off x="7257144" y="6201228"/>
+            <a:off x="4597857" y="6220278"/>
             <a:ext cx="286656" cy="275772"/>
           </a:xfrm>
           <a:prstGeom prst="ellipse">
@@ -11398,7 +11315,7 @@
         </p:nvSpPr>
         <p:spPr>
           <a:xfrm>
-            <a:off x="7591425" y="6201228"/>
+            <a:off x="4932138" y="6220278"/>
             <a:ext cx="286656" cy="275772"/>
           </a:xfrm>
           <a:prstGeom prst="ellipse">
@@ -11441,7 +11358,7 @@
         </p:nvSpPr>
         <p:spPr>
           <a:xfrm>
-            <a:off x="8171544" y="2334078"/>
+            <a:off x="4647294" y="2628447"/>
             <a:ext cx="286656" cy="275772"/>
           </a:xfrm>
           <a:prstGeom prst="ellipse">
@@ -11484,7 +11401,7 @@
         </p:nvSpPr>
         <p:spPr>
           <a:xfrm>
-            <a:off x="6858000" y="2343603"/>
+            <a:off x="4313919" y="2314575"/>
             <a:ext cx="286656" cy="275772"/>
           </a:xfrm>
           <a:prstGeom prst="ellipse">
@@ -11514,6 +11431,276 @@
             <a:r>
               <a:rPr lang="en-US" dirty="0" smtClean="0"/>
               <a:t>D</a:t>
+            </a:r>
+            <a:endParaRPr lang="en-US" dirty="0"/>
+          </a:p>
+        </p:txBody>
+      </p:sp>
+      <p:sp>
+        <p:nvSpPr>
+          <p:cNvPr id="109" name="Oval 108"/>
+          <p:cNvSpPr>
+            <a:spLocks noChangeAspect="1"/>
+          </p:cNvSpPr>
+          <p:nvPr/>
+        </p:nvSpPr>
+        <p:spPr>
+          <a:xfrm>
+            <a:off x="4294869" y="5276850"/>
+            <a:ext cx="237622" cy="228600"/>
+          </a:xfrm>
+          <a:prstGeom prst="ellipse">
+            <a:avLst/>
+          </a:prstGeom>
+          <a:ln/>
+        </p:spPr>
+        <p:style>
+          <a:lnRef idx="0">
+            <a:schemeClr val="dk1"/>
+          </a:lnRef>
+          <a:fillRef idx="3">
+            <a:schemeClr val="dk1"/>
+          </a:fillRef>
+          <a:effectRef idx="3">
+            <a:schemeClr val="dk1"/>
+          </a:effectRef>
+          <a:fontRef idx="minor">
+            <a:schemeClr val="lt1"/>
+          </a:fontRef>
+        </p:style>
+        <p:txBody>
+          <a:bodyPr rtlCol="0" anchor="ctr"/>
+          <a:lstStyle/>
+          <a:p>
+            <a:pPr algn="ctr"/>
+            <a:r>
+              <a:rPr lang="en-US" dirty="0" smtClean="0"/>
+              <a:t>G</a:t>
+            </a:r>
+            <a:endParaRPr lang="en-US" dirty="0"/>
+          </a:p>
+        </p:txBody>
+      </p:sp>
+      <p:sp>
+        <p:nvSpPr>
+          <p:cNvPr id="110" name="Oval 109"/>
+          <p:cNvSpPr>
+            <a:spLocks noChangeAspect="1"/>
+          </p:cNvSpPr>
+          <p:nvPr/>
+        </p:nvSpPr>
+        <p:spPr>
+          <a:xfrm>
+            <a:off x="4617813" y="5276850"/>
+            <a:ext cx="237622" cy="228600"/>
+          </a:xfrm>
+          <a:prstGeom prst="ellipse">
+            <a:avLst/>
+          </a:prstGeom>
+          <a:ln/>
+        </p:spPr>
+        <p:style>
+          <a:lnRef idx="0">
+            <a:schemeClr val="dk1"/>
+          </a:lnRef>
+          <a:fillRef idx="3">
+            <a:schemeClr val="dk1"/>
+          </a:fillRef>
+          <a:effectRef idx="3">
+            <a:schemeClr val="dk1"/>
+          </a:effectRef>
+          <a:fontRef idx="minor">
+            <a:schemeClr val="lt1"/>
+          </a:fontRef>
+        </p:style>
+        <p:txBody>
+          <a:bodyPr rtlCol="0" anchor="ctr"/>
+          <a:lstStyle/>
+          <a:p>
+            <a:pPr algn="ctr"/>
+            <a:r>
+              <a:rPr lang="en-US" dirty="0" smtClean="0"/>
+              <a:t>D</a:t>
+            </a:r>
+            <a:endParaRPr lang="en-US" dirty="0"/>
+          </a:p>
+        </p:txBody>
+      </p:sp>
+      <p:sp>
+        <p:nvSpPr>
+          <p:cNvPr id="111" name="Oval 110"/>
+          <p:cNvSpPr>
+            <a:spLocks noChangeAspect="1"/>
+          </p:cNvSpPr>
+          <p:nvPr/>
+        </p:nvSpPr>
+        <p:spPr>
+          <a:xfrm>
+            <a:off x="4952094" y="5276850"/>
+            <a:ext cx="237622" cy="228600"/>
+          </a:xfrm>
+          <a:prstGeom prst="ellipse">
+            <a:avLst/>
+          </a:prstGeom>
+          <a:ln/>
+        </p:spPr>
+        <p:style>
+          <a:lnRef idx="0">
+            <a:schemeClr val="dk1"/>
+          </a:lnRef>
+          <a:fillRef idx="3">
+            <a:schemeClr val="dk1"/>
+          </a:fillRef>
+          <a:effectRef idx="3">
+            <a:schemeClr val="dk1"/>
+          </a:effectRef>
+          <a:fontRef idx="minor">
+            <a:schemeClr val="lt1"/>
+          </a:fontRef>
+        </p:style>
+        <p:txBody>
+          <a:bodyPr rtlCol="0" anchor="ctr"/>
+          <a:lstStyle/>
+          <a:p>
+            <a:pPr algn="ctr"/>
+            <a:r>
+              <a:rPr lang="en-US" dirty="0" smtClean="0"/>
+              <a:t>A</a:t>
+            </a:r>
+            <a:endParaRPr lang="en-US" dirty="0"/>
+          </a:p>
+        </p:txBody>
+      </p:sp>
+      <p:sp>
+        <p:nvSpPr>
+          <p:cNvPr id="112" name="Oval 111"/>
+          <p:cNvSpPr>
+            <a:spLocks noChangeAspect="1"/>
+          </p:cNvSpPr>
+          <p:nvPr/>
+        </p:nvSpPr>
+        <p:spPr>
+          <a:xfrm>
+            <a:off x="4293963" y="5534025"/>
+            <a:ext cx="237622" cy="228600"/>
+          </a:xfrm>
+          <a:prstGeom prst="ellipse">
+            <a:avLst/>
+          </a:prstGeom>
+          <a:ln/>
+        </p:spPr>
+        <p:style>
+          <a:lnRef idx="0">
+            <a:schemeClr val="dk1"/>
+          </a:lnRef>
+          <a:fillRef idx="3">
+            <a:schemeClr val="dk1"/>
+          </a:fillRef>
+          <a:effectRef idx="3">
+            <a:schemeClr val="dk1"/>
+          </a:effectRef>
+          <a:fontRef idx="minor">
+            <a:schemeClr val="lt1"/>
+          </a:fontRef>
+        </p:style>
+        <p:txBody>
+          <a:bodyPr rtlCol="0" anchor="ctr"/>
+          <a:lstStyle/>
+          <a:p>
+            <a:pPr algn="ctr"/>
+            <a:r>
+              <a:rPr lang="en-US" dirty="0" smtClean="0"/>
+              <a:t>A</a:t>
+            </a:r>
+            <a:endParaRPr lang="en-US" dirty="0"/>
+          </a:p>
+        </p:txBody>
+      </p:sp>
+      <p:sp>
+        <p:nvSpPr>
+          <p:cNvPr id="113" name="Oval 112"/>
+          <p:cNvSpPr>
+            <a:spLocks noChangeAspect="1"/>
+          </p:cNvSpPr>
+          <p:nvPr/>
+        </p:nvSpPr>
+        <p:spPr>
+          <a:xfrm>
+            <a:off x="4616907" y="5534025"/>
+            <a:ext cx="237622" cy="228600"/>
+          </a:xfrm>
+          <a:prstGeom prst="ellipse">
+            <a:avLst/>
+          </a:prstGeom>
+          <a:ln/>
+        </p:spPr>
+        <p:style>
+          <a:lnRef idx="0">
+            <a:schemeClr val="dk1"/>
+          </a:lnRef>
+          <a:fillRef idx="3">
+            <a:schemeClr val="dk1"/>
+          </a:fillRef>
+          <a:effectRef idx="3">
+            <a:schemeClr val="dk1"/>
+          </a:effectRef>
+          <a:fontRef idx="minor">
+            <a:schemeClr val="lt1"/>
+          </a:fontRef>
+        </p:style>
+        <p:txBody>
+          <a:bodyPr rtlCol="0" anchor="ctr"/>
+          <a:lstStyle/>
+          <a:p>
+            <a:pPr algn="ctr"/>
+            <a:r>
+              <a:rPr lang="en-US" dirty="0" smtClean="0"/>
+              <a:t>D</a:t>
+            </a:r>
+            <a:endParaRPr lang="en-US" dirty="0"/>
+          </a:p>
+        </p:txBody>
+      </p:sp>
+      <p:sp>
+        <p:nvSpPr>
+          <p:cNvPr id="114" name="Oval 113"/>
+          <p:cNvSpPr>
+            <a:spLocks noChangeAspect="1"/>
+          </p:cNvSpPr>
+          <p:nvPr/>
+        </p:nvSpPr>
+        <p:spPr>
+          <a:xfrm>
+            <a:off x="4951188" y="5534025"/>
+            <a:ext cx="237622" cy="228600"/>
+          </a:xfrm>
+          <a:prstGeom prst="ellipse">
+            <a:avLst/>
+          </a:prstGeom>
+          <a:ln/>
+        </p:spPr>
+        <p:style>
+          <a:lnRef idx="0">
+            <a:schemeClr val="dk1"/>
+          </a:lnRef>
+          <a:fillRef idx="3">
+            <a:schemeClr val="dk1"/>
+          </a:fillRef>
+          <a:effectRef idx="3">
+            <a:schemeClr val="dk1"/>
+          </a:effectRef>
+          <a:fontRef idx="minor">
+            <a:schemeClr val="lt1"/>
+          </a:fontRef>
+        </p:style>
+        <p:txBody>
+          <a:bodyPr rtlCol="0" anchor="ctr"/>
+          <a:lstStyle/>
+          <a:p>
+            <a:pPr algn="ctr"/>
+            <a:r>
+              <a:rPr lang="en-US" dirty="0" smtClean="0"/>
+              <a:t>G</a:t>
             </a:r>
             <a:endParaRPr lang="en-US" dirty="0"/>
           </a:p>

--- a/trunk/ haptic-glove --username sreekar/CHi 2010/Presentation1.pptx
+++ b/trunk/ haptic-glove --username sreekar/CHi 2010/Presentation1.pptx
@@ -206,11 +206,11 @@
             </c:numRef>
           </c:val>
         </c:ser>
-        <c:axId val="98083200"/>
-        <c:axId val="98084736"/>
+        <c:axId val="97628544"/>
+        <c:axId val="97630080"/>
       </c:barChart>
       <c:catAx>
-        <c:axId val="98083200"/>
+        <c:axId val="97628544"/>
         <c:scaling>
           <c:orientation val="minMax"/>
         </c:scaling>
@@ -218,14 +218,14 @@
         <c:axPos val="b"/>
         <c:numFmt formatCode="General" sourceLinked="1"/>
         <c:tickLblPos val="none"/>
-        <c:crossAx val="98084736"/>
+        <c:crossAx val="97630080"/>
         <c:crosses val="autoZero"/>
         <c:auto val="1"/>
         <c:lblAlgn val="ctr"/>
         <c:lblOffset val="100"/>
       </c:catAx>
       <c:valAx>
-        <c:axId val="98084736"/>
+        <c:axId val="97630080"/>
         <c:scaling>
           <c:orientation val="minMax"/>
         </c:scaling>
@@ -233,7 +233,7 @@
         <c:majorGridlines/>
         <c:numFmt formatCode="General" sourceLinked="1"/>
         <c:tickLblPos val="nextTo"/>
-        <c:crossAx val="98083200"/>
+        <c:crossAx val="97628544"/>
         <c:crosses val="autoZero"/>
         <c:crossBetween val="between"/>
       </c:valAx>
@@ -283,7 +283,7 @@
         </p:nvSpPr>
         <p:spPr>
           <a:xfrm>
-            <a:off x="685800" y="2130425"/>
+            <a:off x="685800" y="2130426"/>
             <a:ext cx="7772400" cy="1470025"/>
           </a:xfrm>
         </p:spPr>
@@ -436,7 +436,7 @@
             <a:fld id="{8F2A4929-EF13-4500-9AB4-448222E3102A}" type="datetimeFigureOut">
               <a:rPr lang="en-US" smtClean="0"/>
               <a:pPr/>
-              <a:t>12/29/2009</a:t>
+              <a:t>12/31/2009</a:t>
             </a:fld>
             <a:endParaRPr lang="en-US"/>
           </a:p>
@@ -603,7 +603,7 @@
             <a:fld id="{8F2A4929-EF13-4500-9AB4-448222E3102A}" type="datetimeFigureOut">
               <a:rPr lang="en-US" smtClean="0"/>
               <a:pPr/>
-              <a:t>12/29/2009</a:t>
+              <a:t>12/31/2009</a:t>
             </a:fld>
             <a:endParaRPr lang="en-US"/>
           </a:p>
@@ -689,7 +689,7 @@
         </p:nvSpPr>
         <p:spPr>
           <a:xfrm>
-            <a:off x="6629400" y="274638"/>
+            <a:off x="6629400" y="274639"/>
             <a:ext cx="2057400" cy="5851525"/>
           </a:xfrm>
         </p:spPr>
@@ -717,7 +717,7 @@
         </p:nvSpPr>
         <p:spPr>
           <a:xfrm>
-            <a:off x="457200" y="274638"/>
+            <a:off x="457200" y="274639"/>
             <a:ext cx="6019800" cy="5851525"/>
           </a:xfrm>
         </p:spPr>
@@ -780,7 +780,7 @@
             <a:fld id="{8F2A4929-EF13-4500-9AB4-448222E3102A}" type="datetimeFigureOut">
               <a:rPr lang="en-US" smtClean="0"/>
               <a:pPr/>
-              <a:t>12/29/2009</a:t>
+              <a:t>12/31/2009</a:t>
             </a:fld>
             <a:endParaRPr lang="en-US"/>
           </a:p>
@@ -947,7 +947,7 @@
             <a:fld id="{8F2A4929-EF13-4500-9AB4-448222E3102A}" type="datetimeFigureOut">
               <a:rPr lang="en-US" smtClean="0"/>
               <a:pPr/>
-              <a:t>12/29/2009</a:t>
+              <a:t>12/31/2009</a:t>
             </a:fld>
             <a:endParaRPr lang="en-US"/>
           </a:p>
@@ -1065,7 +1065,7 @@
         </p:nvSpPr>
         <p:spPr>
           <a:xfrm>
-            <a:off x="722313" y="2906713"/>
+            <a:off x="722313" y="2906714"/>
             <a:ext cx="7772400" cy="1500187"/>
           </a:xfrm>
         </p:spPr>
@@ -1190,7 +1190,7 @@
             <a:fld id="{8F2A4929-EF13-4500-9AB4-448222E3102A}" type="datetimeFigureOut">
               <a:rPr lang="en-US" smtClean="0"/>
               <a:pPr/>
-              <a:t>12/29/2009</a:t>
+              <a:t>12/31/2009</a:t>
             </a:fld>
             <a:endParaRPr lang="en-US"/>
           </a:p>
@@ -1299,7 +1299,7 @@
         </p:nvSpPr>
         <p:spPr>
           <a:xfrm>
-            <a:off x="457200" y="1600200"/>
+            <a:off x="457200" y="1600201"/>
             <a:ext cx="4038600" cy="4525963"/>
           </a:xfrm>
         </p:spPr>
@@ -1384,7 +1384,7 @@
         </p:nvSpPr>
         <p:spPr>
           <a:xfrm>
-            <a:off x="4648200" y="1600200"/>
+            <a:off x="4648200" y="1600201"/>
             <a:ext cx="4038600" cy="4525963"/>
           </a:xfrm>
         </p:spPr>
@@ -1475,7 +1475,7 @@
             <a:fld id="{8F2A4929-EF13-4500-9AB4-448222E3102A}" type="datetimeFigureOut">
               <a:rPr lang="en-US" smtClean="0"/>
               <a:pPr/>
-              <a:t>12/29/2009</a:t>
+              <a:t>12/31/2009</a:t>
             </a:fld>
             <a:endParaRPr lang="en-US"/>
           </a:p>
@@ -1738,7 +1738,7 @@
         </p:nvSpPr>
         <p:spPr>
           <a:xfrm>
-            <a:off x="4645025" y="1535113"/>
+            <a:off x="4645027" y="1535113"/>
             <a:ext cx="4041775" cy="639762"/>
           </a:xfrm>
         </p:spPr>
@@ -1803,7 +1803,7 @@
         </p:nvSpPr>
         <p:spPr>
           <a:xfrm>
-            <a:off x="4645025" y="2174875"/>
+            <a:off x="4645027" y="2174875"/>
             <a:ext cx="4041775" cy="3951288"/>
           </a:xfrm>
         </p:spPr>
@@ -1894,7 +1894,7 @@
             <a:fld id="{8F2A4929-EF13-4500-9AB4-448222E3102A}" type="datetimeFigureOut">
               <a:rPr lang="en-US" smtClean="0"/>
               <a:pPr/>
-              <a:t>12/29/2009</a:t>
+              <a:t>12/31/2009</a:t>
             </a:fld>
             <a:endParaRPr lang="en-US"/>
           </a:p>
@@ -2009,7 +2009,7 @@
             <a:fld id="{8F2A4929-EF13-4500-9AB4-448222E3102A}" type="datetimeFigureOut">
               <a:rPr lang="en-US" smtClean="0"/>
               <a:pPr/>
-              <a:t>12/29/2009</a:t>
+              <a:t>12/31/2009</a:t>
             </a:fld>
             <a:endParaRPr lang="en-US"/>
           </a:p>
@@ -2101,7 +2101,7 @@
             <a:fld id="{8F2A4929-EF13-4500-9AB4-448222E3102A}" type="datetimeFigureOut">
               <a:rPr lang="en-US" smtClean="0"/>
               <a:pPr/>
-              <a:t>12/29/2009</a:t>
+              <a:t>12/31/2009</a:t>
             </a:fld>
             <a:endParaRPr lang="en-US"/>
           </a:p>
@@ -2187,7 +2187,7 @@
         </p:nvSpPr>
         <p:spPr>
           <a:xfrm>
-            <a:off x="457200" y="273050"/>
+            <a:off x="457202" y="273050"/>
             <a:ext cx="3008313" cy="1162050"/>
           </a:xfrm>
         </p:spPr>
@@ -2219,7 +2219,7 @@
         </p:nvSpPr>
         <p:spPr>
           <a:xfrm>
-            <a:off x="3575050" y="273050"/>
+            <a:off x="3575050" y="273051"/>
             <a:ext cx="5111750" cy="5853113"/>
           </a:xfrm>
         </p:spPr>
@@ -2304,7 +2304,7 @@
         </p:nvSpPr>
         <p:spPr>
           <a:xfrm>
-            <a:off x="457200" y="1435100"/>
+            <a:off x="457202" y="1435101"/>
             <a:ext cx="3008313" cy="4691063"/>
           </a:xfrm>
         </p:spPr>
@@ -2375,7 +2375,7 @@
             <a:fld id="{8F2A4929-EF13-4500-9AB4-448222E3102A}" type="datetimeFigureOut">
               <a:rPr lang="en-US" smtClean="0"/>
               <a:pPr/>
-              <a:t>12/29/2009</a:t>
+              <a:t>12/31/2009</a:t>
             </a:fld>
             <a:endParaRPr lang="en-US"/>
           </a:p>
@@ -2461,7 +2461,7 @@
         </p:nvSpPr>
         <p:spPr>
           <a:xfrm>
-            <a:off x="1792288" y="4800600"/>
+            <a:off x="1792288" y="4800601"/>
             <a:ext cx="5486400" cy="566738"/>
           </a:xfrm>
         </p:spPr>
@@ -2554,7 +2554,7 @@
         </p:nvSpPr>
         <p:spPr>
           <a:xfrm>
-            <a:off x="1792288" y="5367338"/>
+            <a:off x="1792288" y="5367339"/>
             <a:ext cx="5486400" cy="804862"/>
           </a:xfrm>
         </p:spPr>
@@ -2625,7 +2625,7 @@
             <a:fld id="{8F2A4929-EF13-4500-9AB4-448222E3102A}" type="datetimeFigureOut">
               <a:rPr lang="en-US" smtClean="0"/>
               <a:pPr/>
-              <a:t>12/29/2009</a:t>
+              <a:t>12/31/2009</a:t>
             </a:fld>
             <a:endParaRPr lang="en-US"/>
           </a:p>
@@ -2749,7 +2749,7 @@
         </p:nvSpPr>
         <p:spPr>
           <a:xfrm>
-            <a:off x="457200" y="1600200"/>
+            <a:off x="457200" y="1600201"/>
             <a:ext cx="8229600" cy="4525963"/>
           </a:xfrm>
           <a:prstGeom prst="rect">
@@ -2811,7 +2811,7 @@
         </p:nvSpPr>
         <p:spPr>
           <a:xfrm>
-            <a:off x="457200" y="6356350"/>
+            <a:off x="457200" y="6356351"/>
             <a:ext cx="2133600" cy="365125"/>
           </a:xfrm>
           <a:prstGeom prst="rect">
@@ -2835,7 +2835,7 @@
             <a:fld id="{8F2A4929-EF13-4500-9AB4-448222E3102A}" type="datetimeFigureOut">
               <a:rPr lang="en-US" smtClean="0"/>
               <a:pPr/>
-              <a:t>12/29/2009</a:t>
+              <a:t>12/31/2009</a:t>
             </a:fld>
             <a:endParaRPr lang="en-US"/>
           </a:p>
@@ -2853,7 +2853,7 @@
         </p:nvSpPr>
         <p:spPr>
           <a:xfrm>
-            <a:off x="3124200" y="6356350"/>
+            <a:off x="3124200" y="6356351"/>
             <a:ext cx="2895600" cy="365125"/>
           </a:xfrm>
           <a:prstGeom prst="rect">
@@ -2890,7 +2890,7 @@
         </p:nvSpPr>
         <p:spPr>
           <a:xfrm>
-            <a:off x="6553200" y="6356350"/>
+            <a:off x="6553200" y="6356351"/>
             <a:ext cx="2133600" cy="365125"/>
           </a:xfrm>
           <a:prstGeom prst="rect">
@@ -3208,435 +3208,23 @@
       </p:grpSpPr>
       <p:sp>
         <p:nvSpPr>
-          <p:cNvPr id="15" name="Rectangle 14"/>
+          <p:cNvPr id="34" name="Rectangle 33"/>
           <p:cNvSpPr/>
           <p:nvPr/>
         </p:nvSpPr>
         <p:spPr>
           <a:xfrm>
-            <a:off x="4937452" y="4849504"/>
-            <a:ext cx="396548" cy="923924"/>
+            <a:off x="5486400" y="4817742"/>
+            <a:ext cx="1981200" cy="914400"/>
           </a:xfrm>
           <a:prstGeom prst="rect">
             <a:avLst/>
           </a:prstGeom>
-        </p:spPr>
-        <p:style>
-          <a:lnRef idx="1">
-            <a:schemeClr val="accent2"/>
-          </a:lnRef>
-          <a:fillRef idx="3">
-            <a:schemeClr val="accent2"/>
-          </a:fillRef>
-          <a:effectRef idx="2">
-            <a:schemeClr val="accent2"/>
-          </a:effectRef>
-          <a:fontRef idx="minor">
-            <a:schemeClr val="lt1"/>
-          </a:fontRef>
-        </p:style>
-        <p:txBody>
-          <a:bodyPr rtlCol="0" anchor="ctr"/>
-          <a:lstStyle/>
-          <a:p>
-            <a:pPr algn="ctr"/>
-            <a:endParaRPr lang="en-US"/>
-          </a:p>
-        </p:txBody>
-      </p:sp>
-      <p:sp>
-        <p:nvSpPr>
-          <p:cNvPr id="16" name="Rectangle 15"/>
-          <p:cNvSpPr/>
-          <p:nvPr/>
-        </p:nvSpPr>
-        <p:spPr>
-          <a:xfrm>
-            <a:off x="4937452" y="2133600"/>
-            <a:ext cx="396548" cy="2667000"/>
-          </a:xfrm>
-          <a:prstGeom prst="rect">
-            <a:avLst/>
-          </a:prstGeom>
-        </p:spPr>
-        <p:style>
-          <a:lnRef idx="1">
-            <a:schemeClr val="accent3"/>
-          </a:lnRef>
-          <a:fillRef idx="3">
-            <a:schemeClr val="accent3"/>
-          </a:fillRef>
-          <a:effectRef idx="2">
-            <a:schemeClr val="accent3"/>
-          </a:effectRef>
-          <a:fontRef idx="minor">
-            <a:schemeClr val="lt1"/>
-          </a:fontRef>
-        </p:style>
-        <p:txBody>
-          <a:bodyPr rtlCol="0" anchor="ctr"/>
-          <a:lstStyle/>
-          <a:p>
-            <a:pPr algn="ctr"/>
-            <a:endParaRPr lang="en-US"/>
-          </a:p>
-        </p:txBody>
-      </p:sp>
-      <p:sp>
-        <p:nvSpPr>
-          <p:cNvPr id="17" name="TextBox 16"/>
-          <p:cNvSpPr txBox="1"/>
-          <p:nvPr/>
-        </p:nvSpPr>
-        <p:spPr>
-          <a:xfrm rot="16200000">
-            <a:off x="4718566" y="5111233"/>
-            <a:ext cx="838199" cy="369332"/>
-          </a:xfrm>
-          <a:prstGeom prst="rect">
-            <a:avLst/>
-          </a:prstGeom>
-          <a:noFill/>
-        </p:spPr>
-        <p:txBody>
-          <a:bodyPr wrap="square" rtlCol="0">
-            <a:spAutoFit/>
-          </a:bodyPr>
-          <a:lstStyle/>
-          <a:p>
-            <a:r>
-              <a:rPr lang="en-US" dirty="0" smtClean="0">
-                <a:solidFill>
-                  <a:schemeClr val="bg1"/>
-                </a:solidFill>
-                <a:latin typeface="Times" pitchFamily="18" charset="0"/>
-                <a:cs typeface="Times" pitchFamily="18" charset="0"/>
-              </a:rPr>
-              <a:t>Verbal</a:t>
-            </a:r>
-            <a:endParaRPr lang="en-US" dirty="0">
-              <a:solidFill>
-                <a:schemeClr val="bg1"/>
-              </a:solidFill>
-              <a:latin typeface="Times" pitchFamily="18" charset="0"/>
-              <a:cs typeface="Times" pitchFamily="18" charset="0"/>
-            </a:endParaRPr>
-          </a:p>
-        </p:txBody>
-      </p:sp>
-      <p:sp>
-        <p:nvSpPr>
-          <p:cNvPr id="18" name="TextBox 17"/>
-          <p:cNvSpPr txBox="1"/>
-          <p:nvPr/>
-        </p:nvSpPr>
-        <p:spPr>
-          <a:xfrm rot="16200000">
-            <a:off x="4519548" y="3235816"/>
-            <a:ext cx="1236236" cy="369332"/>
-          </a:xfrm>
-          <a:prstGeom prst="rect">
-            <a:avLst/>
-          </a:prstGeom>
-          <a:noFill/>
-        </p:spPr>
-        <p:txBody>
-          <a:bodyPr wrap="none" rtlCol="0">
-            <a:spAutoFit/>
-          </a:bodyPr>
-          <a:lstStyle/>
-          <a:p>
-            <a:r>
-              <a:rPr lang="en-US" dirty="0" smtClean="0">
-                <a:solidFill>
-                  <a:schemeClr val="bg1"/>
-                </a:solidFill>
-                <a:latin typeface="Times" pitchFamily="18" charset="0"/>
-                <a:cs typeface="Times" pitchFamily="18" charset="0"/>
-              </a:rPr>
-              <a:t>Non-verbal</a:t>
-            </a:r>
-            <a:endParaRPr lang="en-US" dirty="0">
-              <a:solidFill>
-                <a:schemeClr val="bg1"/>
-              </a:solidFill>
-              <a:latin typeface="Times" pitchFamily="18" charset="0"/>
-              <a:cs typeface="Times" pitchFamily="18" charset="0"/>
-            </a:endParaRPr>
-          </a:p>
-        </p:txBody>
-      </p:sp>
-      <p:sp>
-        <p:nvSpPr>
-          <p:cNvPr id="19" name="TextBox 18"/>
-          <p:cNvSpPr txBox="1"/>
-          <p:nvPr/>
-        </p:nvSpPr>
-        <p:spPr>
-          <a:xfrm>
-            <a:off x="4708852" y="1487269"/>
-            <a:ext cx="1234748" cy="646331"/>
-          </a:xfrm>
-          <a:prstGeom prst="rect">
-            <a:avLst/>
-          </a:prstGeom>
-          <a:noFill/>
-        </p:spPr>
-        <p:txBody>
-          <a:bodyPr wrap="square" rtlCol="0">
-            <a:spAutoFit/>
-          </a:bodyPr>
-          <a:lstStyle/>
-          <a:p>
-            <a:pPr algn="ctr"/>
-            <a:r>
-              <a:rPr lang="en-US" b="1" dirty="0" smtClean="0">
-                <a:latin typeface="Times" pitchFamily="18" charset="0"/>
-                <a:cs typeface="Times" pitchFamily="18" charset="0"/>
-              </a:rPr>
-              <a:t>Enactor </a:t>
-            </a:r>
-            <a:r>
-              <a:rPr lang="en-US" dirty="0" smtClean="0">
-                <a:latin typeface="Times" pitchFamily="18" charset="0"/>
-                <a:cs typeface="Times" pitchFamily="18" charset="0"/>
-              </a:rPr>
-              <a:t>(Encoding)</a:t>
-            </a:r>
-            <a:endParaRPr lang="en-US" dirty="0">
-              <a:latin typeface="Times" pitchFamily="18" charset="0"/>
-              <a:cs typeface="Times" pitchFamily="18" charset="0"/>
-            </a:endParaRPr>
-          </a:p>
-        </p:txBody>
-      </p:sp>
-      <p:sp>
-        <p:nvSpPr>
-          <p:cNvPr id="21" name="Rectangle 20"/>
-          <p:cNvSpPr/>
-          <p:nvPr/>
-        </p:nvSpPr>
-        <p:spPr>
-          <a:xfrm>
-            <a:off x="7772400" y="4016992"/>
-            <a:ext cx="396548" cy="1838325"/>
-          </a:xfrm>
-          <a:prstGeom prst="rect">
-            <a:avLst/>
-          </a:prstGeom>
-        </p:spPr>
-        <p:style>
-          <a:lnRef idx="1">
-            <a:schemeClr val="accent2"/>
-          </a:lnRef>
-          <a:fillRef idx="3">
-            <a:schemeClr val="accent2"/>
-          </a:fillRef>
-          <a:effectRef idx="2">
-            <a:schemeClr val="accent2"/>
-          </a:effectRef>
-          <a:fontRef idx="minor">
-            <a:schemeClr val="lt1"/>
-          </a:fontRef>
-        </p:style>
-        <p:txBody>
-          <a:bodyPr rtlCol="0" anchor="ctr"/>
-          <a:lstStyle/>
-          <a:p>
-            <a:pPr algn="ctr"/>
-            <a:endParaRPr lang="en-US"/>
-          </a:p>
-        </p:txBody>
-      </p:sp>
-      <p:sp>
-        <p:nvSpPr>
-          <p:cNvPr id="22" name="Rectangle 21"/>
-          <p:cNvSpPr/>
-          <p:nvPr/>
-        </p:nvSpPr>
-        <p:spPr>
-          <a:xfrm>
-            <a:off x="7772400" y="2133600"/>
-            <a:ext cx="396548" cy="1828800"/>
-          </a:xfrm>
-          <a:prstGeom prst="rect">
-            <a:avLst/>
-          </a:prstGeom>
-        </p:spPr>
-        <p:style>
-          <a:lnRef idx="1">
-            <a:schemeClr val="accent3"/>
-          </a:lnRef>
-          <a:fillRef idx="3">
-            <a:schemeClr val="accent3"/>
-          </a:fillRef>
-          <a:effectRef idx="2">
-            <a:schemeClr val="accent3"/>
-          </a:effectRef>
-          <a:fontRef idx="minor">
-            <a:schemeClr val="lt1"/>
-          </a:fontRef>
-        </p:style>
-        <p:txBody>
-          <a:bodyPr rtlCol="0" anchor="ctr"/>
-          <a:lstStyle/>
-          <a:p>
-            <a:pPr algn="ctr"/>
-            <a:endParaRPr lang="en-US"/>
-          </a:p>
-        </p:txBody>
-      </p:sp>
-      <p:sp>
-        <p:nvSpPr>
-          <p:cNvPr id="23" name="TextBox 22"/>
-          <p:cNvSpPr txBox="1"/>
-          <p:nvPr/>
-        </p:nvSpPr>
-        <p:spPr>
-          <a:xfrm rot="5400000">
-            <a:off x="7591741" y="4692008"/>
-            <a:ext cx="761747" cy="369332"/>
-          </a:xfrm>
-          <a:prstGeom prst="rect">
-            <a:avLst/>
-          </a:prstGeom>
-          <a:noFill/>
-        </p:spPr>
-        <p:txBody>
-          <a:bodyPr wrap="none" rtlCol="0">
-            <a:spAutoFit/>
-          </a:bodyPr>
-          <a:lstStyle/>
-          <a:p>
-            <a:r>
-              <a:rPr lang="en-US" dirty="0" smtClean="0">
-                <a:solidFill>
-                  <a:schemeClr val="bg1"/>
-                </a:solidFill>
-                <a:latin typeface="Times" pitchFamily="18" charset="0"/>
-                <a:cs typeface="Times" pitchFamily="18" charset="0"/>
-              </a:rPr>
-              <a:t>Audio</a:t>
-            </a:r>
-            <a:endParaRPr lang="en-US" dirty="0">
-              <a:solidFill>
-                <a:schemeClr val="bg1"/>
-              </a:solidFill>
-              <a:latin typeface="Times" pitchFamily="18" charset="0"/>
-              <a:cs typeface="Times" pitchFamily="18" charset="0"/>
-            </a:endParaRPr>
-          </a:p>
-        </p:txBody>
-      </p:sp>
-      <p:sp>
-        <p:nvSpPr>
-          <p:cNvPr id="24" name="TextBox 23"/>
-          <p:cNvSpPr txBox="1"/>
-          <p:nvPr/>
-        </p:nvSpPr>
-        <p:spPr>
-          <a:xfrm rot="5400000">
-            <a:off x="7597509" y="2892313"/>
-            <a:ext cx="773545" cy="369332"/>
-          </a:xfrm>
-          <a:prstGeom prst="rect">
-            <a:avLst/>
-          </a:prstGeom>
-          <a:noFill/>
-        </p:spPr>
-        <p:txBody>
-          <a:bodyPr wrap="none" rtlCol="0">
-            <a:spAutoFit/>
-          </a:bodyPr>
-          <a:lstStyle/>
-          <a:p>
-            <a:r>
-              <a:rPr lang="en-US" dirty="0" smtClean="0">
-                <a:solidFill>
-                  <a:schemeClr val="bg1"/>
-                </a:solidFill>
-                <a:latin typeface="Times" pitchFamily="18" charset="0"/>
-                <a:cs typeface="Times" pitchFamily="18" charset="0"/>
-              </a:rPr>
-              <a:t>Visual</a:t>
-            </a:r>
-            <a:endParaRPr lang="en-US" dirty="0">
-              <a:solidFill>
-                <a:schemeClr val="bg1"/>
-              </a:solidFill>
-              <a:latin typeface="Times" pitchFamily="18" charset="0"/>
-              <a:cs typeface="Times" pitchFamily="18" charset="0"/>
-            </a:endParaRPr>
-          </a:p>
-        </p:txBody>
-      </p:sp>
-      <p:sp>
-        <p:nvSpPr>
-          <p:cNvPr id="25" name="TextBox 24"/>
-          <p:cNvSpPr txBox="1"/>
-          <p:nvPr/>
-        </p:nvSpPr>
-        <p:spPr>
-          <a:xfrm>
-            <a:off x="7086600" y="1487269"/>
-            <a:ext cx="1295400" cy="646331"/>
-          </a:xfrm>
-          <a:prstGeom prst="rect">
-            <a:avLst/>
-          </a:prstGeom>
-          <a:noFill/>
-        </p:spPr>
-        <p:txBody>
-          <a:bodyPr wrap="square" rtlCol="0">
-            <a:spAutoFit/>
-          </a:bodyPr>
-          <a:lstStyle/>
-          <a:p>
-            <a:pPr algn="ctr"/>
-            <a:r>
-              <a:rPr lang="en-US" b="1" dirty="0" smtClean="0">
-                <a:latin typeface="Times" pitchFamily="18" charset="0"/>
-                <a:cs typeface="Times" pitchFamily="18" charset="0"/>
-              </a:rPr>
-              <a:t>Recipient  </a:t>
-            </a:r>
-            <a:r>
-              <a:rPr lang="en-US" dirty="0" smtClean="0">
-                <a:latin typeface="Times" pitchFamily="18" charset="0"/>
-                <a:cs typeface="Times" pitchFamily="18" charset="0"/>
-              </a:rPr>
-              <a:t>(Decoding)</a:t>
-            </a:r>
-            <a:endParaRPr lang="en-US" dirty="0">
-              <a:latin typeface="Times" pitchFamily="18" charset="0"/>
-              <a:cs typeface="Times" pitchFamily="18" charset="0"/>
-            </a:endParaRPr>
-          </a:p>
-        </p:txBody>
-      </p:sp>
-      <p:sp>
-        <p:nvSpPr>
-          <p:cNvPr id="26" name="Rectangle 25"/>
-          <p:cNvSpPr/>
-          <p:nvPr/>
-        </p:nvSpPr>
-        <p:spPr>
-          <a:xfrm>
-            <a:off x="5981700" y="2133600"/>
-            <a:ext cx="990600" cy="838200"/>
-          </a:xfrm>
-          <a:prstGeom prst="rect">
-            <a:avLst/>
-          </a:prstGeom>
-          <a:blipFill dpi="0" rotWithShape="1">
-            <a:blip r:embed="rId2" cstate="print">
-              <a:alphaModFix amt="41000"/>
-            </a:blip>
-            <a:srcRect/>
-            <a:stretch>
-              <a:fillRect/>
-            </a:stretch>
-          </a:blipFill>
+          <a:solidFill>
+            <a:srgbClr val="FF0000">
+              <a:alpha val="13000"/>
+            </a:srgbClr>
+          </a:solidFill>
           <a:ln>
             <a:noFill/>
           </a:ln>
@@ -3662,49 +3250,29 @@
           <a:lstStyle/>
           <a:p>
             <a:pPr algn="ctr"/>
-            <a:r>
-              <a:rPr lang="en-US" sz="2400" dirty="0" smtClean="0">
-                <a:solidFill>
-                  <a:schemeClr val="tx1"/>
-                </a:solidFill>
-                <a:latin typeface="Times" pitchFamily="18" charset="0"/>
-                <a:cs typeface="Times" pitchFamily="18" charset="0"/>
-              </a:rPr>
-              <a:t>Face</a:t>
-            </a:r>
-            <a:endParaRPr lang="en-US" sz="3200" dirty="0">
-              <a:solidFill>
-                <a:schemeClr val="tx1"/>
-              </a:solidFill>
-              <a:latin typeface="Times" pitchFamily="18" charset="0"/>
-              <a:cs typeface="Times" pitchFamily="18" charset="0"/>
-            </a:endParaRPr>
-          </a:p>
-        </p:txBody>
-      </p:sp>
-      <p:sp>
-        <p:nvSpPr>
-          <p:cNvPr id="28" name="Rectangle 27"/>
+            <a:endParaRPr lang="en-US"/>
+          </a:p>
+        </p:txBody>
+      </p:sp>
+      <p:sp>
+        <p:nvSpPr>
+          <p:cNvPr id="31" name="Rectangle 30"/>
           <p:cNvSpPr/>
           <p:nvPr/>
         </p:nvSpPr>
         <p:spPr>
           <a:xfrm>
-            <a:off x="6038850" y="3026392"/>
-            <a:ext cx="876300" cy="914400"/>
+            <a:off x="5486402" y="2141220"/>
+            <a:ext cx="1980409" cy="2667000"/>
           </a:xfrm>
           <a:prstGeom prst="rect">
             <a:avLst/>
           </a:prstGeom>
-          <a:blipFill dpi="0" rotWithShape="1">
-            <a:blip r:embed="rId3" cstate="print">
-              <a:alphaModFix amt="41000"/>
-            </a:blip>
-            <a:srcRect/>
-            <a:stretch>
-              <a:fillRect/>
-            </a:stretch>
-          </a:blipFill>
+          <a:solidFill>
+            <a:srgbClr val="92D050">
+              <a:alpha val="13000"/>
+            </a:srgbClr>
+          </a:solidFill>
           <a:ln>
             <a:noFill/>
           </a:ln>
@@ -3730,49 +3298,29 @@
           <a:lstStyle/>
           <a:p>
             <a:pPr algn="ctr"/>
-            <a:r>
-              <a:rPr lang="en-US" sz="2400" dirty="0" smtClean="0">
-                <a:solidFill>
-                  <a:schemeClr val="tx1"/>
-                </a:solidFill>
-                <a:latin typeface="Times" pitchFamily="18" charset="0"/>
-                <a:cs typeface="Times" pitchFamily="18" charset="0"/>
-              </a:rPr>
-              <a:t>Body</a:t>
-            </a:r>
-            <a:endParaRPr lang="en-US" sz="2400" dirty="0">
-              <a:solidFill>
-                <a:schemeClr val="tx1"/>
-              </a:solidFill>
-              <a:latin typeface="Times" pitchFamily="18" charset="0"/>
-              <a:cs typeface="Times" pitchFamily="18" charset="0"/>
-            </a:endParaRPr>
-          </a:p>
-        </p:txBody>
-      </p:sp>
-      <p:sp>
-        <p:nvSpPr>
-          <p:cNvPr id="29" name="Rectangle 28"/>
+            <a:endParaRPr lang="en-US"/>
+          </a:p>
+        </p:txBody>
+      </p:sp>
+      <p:sp>
+        <p:nvSpPr>
+          <p:cNvPr id="32" name="Rectangle 31"/>
           <p:cNvSpPr/>
           <p:nvPr/>
         </p:nvSpPr>
         <p:spPr>
           <a:xfrm>
-            <a:off x="6019800" y="4016992"/>
-            <a:ext cx="914400" cy="838200"/>
+            <a:off x="5943600" y="2133600"/>
+            <a:ext cx="1524000" cy="914400"/>
           </a:xfrm>
           <a:prstGeom prst="rect">
             <a:avLst/>
           </a:prstGeom>
-          <a:blipFill dpi="0" rotWithShape="1">
-            <a:blip r:embed="rId4" cstate="print">
-              <a:alphaModFix amt="41000"/>
-            </a:blip>
-            <a:srcRect/>
-            <a:stretch>
-              <a:fillRect/>
-            </a:stretch>
-          </a:blipFill>
+          <a:solidFill>
+            <a:srgbClr val="92D050">
+              <a:alpha val="60000"/>
+            </a:srgbClr>
+          </a:solidFill>
           <a:ln>
             <a:noFill/>
           </a:ln>
@@ -3798,49 +3346,29 @@
           <a:lstStyle/>
           <a:p>
             <a:pPr algn="ctr"/>
-            <a:r>
-              <a:rPr lang="en-US" sz="2400" dirty="0" smtClean="0">
-                <a:solidFill>
-                  <a:schemeClr val="tx1"/>
-                </a:solidFill>
-                <a:latin typeface="Times" pitchFamily="18" charset="0"/>
-                <a:cs typeface="Times" pitchFamily="18" charset="0"/>
-              </a:rPr>
-              <a:t>Voice</a:t>
-            </a:r>
-            <a:endParaRPr lang="en-US" sz="2400" dirty="0">
-              <a:solidFill>
-                <a:schemeClr val="tx1"/>
-              </a:solidFill>
-              <a:latin typeface="Times" pitchFamily="18" charset="0"/>
-              <a:cs typeface="Times" pitchFamily="18" charset="0"/>
-            </a:endParaRPr>
-          </a:p>
-        </p:txBody>
-      </p:sp>
-      <p:sp>
-        <p:nvSpPr>
-          <p:cNvPr id="30" name="Rectangle 29"/>
+            <a:endParaRPr lang="en-US"/>
+          </a:p>
+        </p:txBody>
+      </p:sp>
+      <p:sp>
+        <p:nvSpPr>
+          <p:cNvPr id="33" name="Rectangle 32"/>
           <p:cNvSpPr/>
           <p:nvPr/>
         </p:nvSpPr>
         <p:spPr>
           <a:xfrm>
-            <a:off x="6019800" y="4931392"/>
-            <a:ext cx="1066800" cy="990600"/>
+            <a:off x="5943600" y="3962400"/>
+            <a:ext cx="1524000" cy="838200"/>
           </a:xfrm>
           <a:prstGeom prst="rect">
             <a:avLst/>
           </a:prstGeom>
-          <a:blipFill dpi="0" rotWithShape="1">
-            <a:blip r:embed="rId5" cstate="print">
-              <a:alphaModFix amt="41000"/>
-            </a:blip>
-            <a:srcRect/>
-            <a:stretch>
-              <a:fillRect/>
-            </a:stretch>
-          </a:blipFill>
+          <a:solidFill>
+            <a:srgbClr val="92D050">
+              <a:alpha val="20000"/>
+            </a:srgbClr>
+          </a:solidFill>
           <a:ln>
             <a:noFill/>
           </a:ln>
@@ -3866,43 +3394,27 @@
           <a:lstStyle/>
           <a:p>
             <a:pPr algn="ctr"/>
-            <a:r>
-              <a:rPr lang="en-US" sz="2400" dirty="0" smtClean="0">
-                <a:solidFill>
-                  <a:schemeClr val="tx1"/>
-                </a:solidFill>
-                <a:latin typeface="Times" pitchFamily="18" charset="0"/>
-                <a:cs typeface="Times" pitchFamily="18" charset="0"/>
-              </a:rPr>
-              <a:t>Speech</a:t>
-            </a:r>
-            <a:endParaRPr lang="en-US" sz="2400" dirty="0">
-              <a:solidFill>
-                <a:schemeClr val="tx1"/>
-              </a:solidFill>
-              <a:latin typeface="Times" pitchFamily="18" charset="0"/>
-              <a:cs typeface="Times" pitchFamily="18" charset="0"/>
-            </a:endParaRPr>
-          </a:p>
-        </p:txBody>
-      </p:sp>
-      <p:sp>
-        <p:nvSpPr>
-          <p:cNvPr id="31" name="Rectangle 30"/>
+            <a:endParaRPr lang="en-US"/>
+          </a:p>
+        </p:txBody>
+      </p:sp>
+      <p:sp>
+        <p:nvSpPr>
+          <p:cNvPr id="35" name="Rectangle 34"/>
           <p:cNvSpPr/>
           <p:nvPr/>
         </p:nvSpPr>
         <p:spPr>
           <a:xfrm>
-            <a:off x="5388592" y="2133600"/>
-            <a:ext cx="381000" cy="2667000"/>
+            <a:off x="5943600" y="3048000"/>
+            <a:ext cx="1524000" cy="914400"/>
           </a:xfrm>
           <a:prstGeom prst="rect">
             <a:avLst/>
           </a:prstGeom>
           <a:solidFill>
             <a:srgbClr val="92D050">
-              <a:alpha val="48000"/>
+              <a:alpha val="40000"/>
             </a:srgbClr>
           </a:solidFill>
           <a:ln>
@@ -3936,23 +3448,289 @@
       </p:sp>
       <p:sp>
         <p:nvSpPr>
-          <p:cNvPr id="32" name="Rectangle 31"/>
+          <p:cNvPr id="15" name="Rectangle 14"/>
           <p:cNvSpPr/>
           <p:nvPr/>
         </p:nvSpPr>
         <p:spPr>
           <a:xfrm>
-            <a:off x="7322024" y="2133600"/>
-            <a:ext cx="381000" cy="1066800"/>
+            <a:off x="5082232" y="4808544"/>
+            <a:ext cx="396548" cy="923924"/>
           </a:xfrm>
           <a:prstGeom prst="rect">
             <a:avLst/>
           </a:prstGeom>
-          <a:solidFill>
-            <a:srgbClr val="92D050">
-              <a:alpha val="48000"/>
-            </a:srgbClr>
-          </a:solidFill>
+        </p:spPr>
+        <p:style>
+          <a:lnRef idx="1">
+            <a:schemeClr val="accent2"/>
+          </a:lnRef>
+          <a:fillRef idx="3">
+            <a:schemeClr val="accent2"/>
+          </a:fillRef>
+          <a:effectRef idx="2">
+            <a:schemeClr val="accent2"/>
+          </a:effectRef>
+          <a:fontRef idx="minor">
+            <a:schemeClr val="lt1"/>
+          </a:fontRef>
+        </p:style>
+        <p:txBody>
+          <a:bodyPr rtlCol="0" anchor="ctr"/>
+          <a:lstStyle/>
+          <a:p>
+            <a:pPr algn="ctr"/>
+            <a:endParaRPr lang="en-US"/>
+          </a:p>
+        </p:txBody>
+      </p:sp>
+      <p:sp>
+        <p:nvSpPr>
+          <p:cNvPr id="16" name="Rectangle 15"/>
+          <p:cNvSpPr/>
+          <p:nvPr/>
+        </p:nvSpPr>
+        <p:spPr>
+          <a:xfrm>
+            <a:off x="5082232" y="2133600"/>
+            <a:ext cx="396548" cy="2667000"/>
+          </a:xfrm>
+          <a:prstGeom prst="rect">
+            <a:avLst/>
+          </a:prstGeom>
+        </p:spPr>
+        <p:style>
+          <a:lnRef idx="1">
+            <a:schemeClr val="accent3"/>
+          </a:lnRef>
+          <a:fillRef idx="3">
+            <a:schemeClr val="accent3"/>
+          </a:fillRef>
+          <a:effectRef idx="2">
+            <a:schemeClr val="accent3"/>
+          </a:effectRef>
+          <a:fontRef idx="minor">
+            <a:schemeClr val="lt1"/>
+          </a:fontRef>
+        </p:style>
+        <p:txBody>
+          <a:bodyPr rtlCol="0" anchor="ctr"/>
+          <a:lstStyle/>
+          <a:p>
+            <a:pPr algn="ctr"/>
+            <a:endParaRPr lang="en-US"/>
+          </a:p>
+        </p:txBody>
+      </p:sp>
+      <p:sp>
+        <p:nvSpPr>
+          <p:cNvPr id="17" name="TextBox 16"/>
+          <p:cNvSpPr txBox="1"/>
+          <p:nvPr/>
+        </p:nvSpPr>
+        <p:spPr>
+          <a:xfrm rot="16200000">
+            <a:off x="4855728" y="5111233"/>
+            <a:ext cx="838199" cy="369332"/>
+          </a:xfrm>
+          <a:prstGeom prst="rect">
+            <a:avLst/>
+          </a:prstGeom>
+          <a:noFill/>
+        </p:spPr>
+        <p:txBody>
+          <a:bodyPr wrap="square" rtlCol="0">
+            <a:spAutoFit/>
+          </a:bodyPr>
+          <a:lstStyle/>
+          <a:p>
+            <a:r>
+              <a:rPr lang="en-US" dirty="0" smtClean="0">
+                <a:solidFill>
+                  <a:schemeClr val="bg1"/>
+                </a:solidFill>
+                <a:latin typeface="Times" pitchFamily="18" charset="0"/>
+                <a:cs typeface="Times" pitchFamily="18" charset="0"/>
+              </a:rPr>
+              <a:t>Verbal</a:t>
+            </a:r>
+            <a:endParaRPr lang="en-US" dirty="0">
+              <a:solidFill>
+                <a:schemeClr val="bg1"/>
+              </a:solidFill>
+              <a:latin typeface="Times" pitchFamily="18" charset="0"/>
+              <a:cs typeface="Times" pitchFamily="18" charset="0"/>
+            </a:endParaRPr>
+          </a:p>
+        </p:txBody>
+      </p:sp>
+      <p:sp>
+        <p:nvSpPr>
+          <p:cNvPr id="18" name="TextBox 17"/>
+          <p:cNvSpPr txBox="1"/>
+          <p:nvPr/>
+        </p:nvSpPr>
+        <p:spPr>
+          <a:xfrm rot="16200000">
+            <a:off x="4656709" y="3235816"/>
+            <a:ext cx="1236236" cy="369332"/>
+          </a:xfrm>
+          <a:prstGeom prst="rect">
+            <a:avLst/>
+          </a:prstGeom>
+          <a:noFill/>
+        </p:spPr>
+        <p:txBody>
+          <a:bodyPr wrap="none" rtlCol="0">
+            <a:spAutoFit/>
+          </a:bodyPr>
+          <a:lstStyle/>
+          <a:p>
+            <a:r>
+              <a:rPr lang="en-US" dirty="0" smtClean="0">
+                <a:solidFill>
+                  <a:schemeClr val="bg1"/>
+                </a:solidFill>
+                <a:latin typeface="Times" pitchFamily="18" charset="0"/>
+                <a:cs typeface="Times" pitchFamily="18" charset="0"/>
+              </a:rPr>
+              <a:t>Non-verbal</a:t>
+            </a:r>
+            <a:endParaRPr lang="en-US" dirty="0">
+              <a:solidFill>
+                <a:schemeClr val="bg1"/>
+              </a:solidFill>
+              <a:latin typeface="Times" pitchFamily="18" charset="0"/>
+              <a:cs typeface="Times" pitchFamily="18" charset="0"/>
+            </a:endParaRPr>
+          </a:p>
+        </p:txBody>
+      </p:sp>
+      <p:sp>
+        <p:nvSpPr>
+          <p:cNvPr id="19" name="TextBox 18"/>
+          <p:cNvSpPr txBox="1"/>
+          <p:nvPr/>
+        </p:nvSpPr>
+        <p:spPr>
+          <a:xfrm rot="16200000">
+            <a:off x="3084161" y="3785507"/>
+            <a:ext cx="3673148" cy="369332"/>
+          </a:xfrm>
+          <a:prstGeom prst="rect">
+            <a:avLst/>
+          </a:prstGeom>
+          <a:noFill/>
+        </p:spPr>
+        <p:txBody>
+          <a:bodyPr wrap="square" rtlCol="0">
+            <a:spAutoFit/>
+          </a:bodyPr>
+          <a:lstStyle/>
+          <a:p>
+            <a:pPr algn="ctr"/>
+            <a:r>
+              <a:rPr lang="en-US" b="1" dirty="0" smtClean="0">
+                <a:latin typeface="Times" pitchFamily="18" charset="0"/>
+                <a:cs typeface="Times" pitchFamily="18" charset="0"/>
+              </a:rPr>
+              <a:t>Enactor </a:t>
+            </a:r>
+            <a:r>
+              <a:rPr lang="en-US" dirty="0" smtClean="0">
+                <a:latin typeface="Times" pitchFamily="18" charset="0"/>
+                <a:cs typeface="Times" pitchFamily="18" charset="0"/>
+              </a:rPr>
+              <a:t>(Encoding</a:t>
+            </a:r>
+            <a:r>
+              <a:rPr lang="en-US" dirty="0" smtClean="0">
+                <a:latin typeface="Times" pitchFamily="18" charset="0"/>
+                <a:cs typeface="Times" pitchFamily="18" charset="0"/>
+              </a:rPr>
+              <a:t>) (a)</a:t>
+            </a:r>
+            <a:endParaRPr lang="en-US" dirty="0">
+              <a:latin typeface="Times" pitchFamily="18" charset="0"/>
+              <a:cs typeface="Times" pitchFamily="18" charset="0"/>
+            </a:endParaRPr>
+          </a:p>
+        </p:txBody>
+      </p:sp>
+      <p:sp>
+        <p:nvSpPr>
+          <p:cNvPr id="25" name="TextBox 24"/>
+          <p:cNvSpPr txBox="1"/>
+          <p:nvPr/>
+        </p:nvSpPr>
+        <p:spPr>
+          <a:xfrm rot="5400000">
+            <a:off x="6335347" y="3739636"/>
+            <a:ext cx="3581399" cy="369332"/>
+          </a:xfrm>
+          <a:prstGeom prst="rect">
+            <a:avLst/>
+          </a:prstGeom>
+          <a:noFill/>
+        </p:spPr>
+        <p:txBody>
+          <a:bodyPr wrap="square" rtlCol="0">
+            <a:spAutoFit/>
+          </a:bodyPr>
+          <a:lstStyle/>
+          <a:p>
+            <a:pPr algn="ctr"/>
+            <a:r>
+              <a:rPr lang="en-US" b="1" dirty="0" smtClean="0">
+                <a:latin typeface="Times" pitchFamily="18" charset="0"/>
+                <a:cs typeface="Times" pitchFamily="18" charset="0"/>
+              </a:rPr>
+              <a:t>Recipient  </a:t>
+            </a:r>
+            <a:r>
+              <a:rPr lang="en-US" dirty="0" smtClean="0">
+                <a:latin typeface="Times" pitchFamily="18" charset="0"/>
+                <a:cs typeface="Times" pitchFamily="18" charset="0"/>
+              </a:rPr>
+              <a:t>(Decoding</a:t>
+            </a:r>
+            <a:r>
+              <a:rPr lang="en-US" dirty="0" smtClean="0">
+                <a:latin typeface="Times" pitchFamily="18" charset="0"/>
+                <a:cs typeface="Times" pitchFamily="18" charset="0"/>
+              </a:rPr>
+              <a:t>) (c)</a:t>
+            </a:r>
+            <a:endParaRPr lang="en-US" dirty="0">
+              <a:latin typeface="Times" pitchFamily="18" charset="0"/>
+              <a:cs typeface="Times" pitchFamily="18" charset="0"/>
+            </a:endParaRPr>
+          </a:p>
+        </p:txBody>
+      </p:sp>
+      <p:sp>
+        <p:nvSpPr>
+          <p:cNvPr id="28" name="Rectangle 27"/>
+          <p:cNvSpPr/>
+          <p:nvPr/>
+        </p:nvSpPr>
+        <p:spPr>
+          <a:xfrm>
+            <a:off x="6054090" y="3078480"/>
+            <a:ext cx="876300" cy="847072"/>
+          </a:xfrm>
+          <a:prstGeom prst="rect">
+            <a:avLst/>
+          </a:prstGeom>
+          <a:blipFill dpi="0" rotWithShape="1">
+            <a:blip r:embed="rId2" cstate="print">
+              <a:alphaModFix amt="43000"/>
+            </a:blip>
+            <a:srcRect/>
+            <a:stretch>
+              <a:fillRect/>
+            </a:stretch>
+          </a:blipFill>
           <a:ln>
             <a:noFill/>
           </a:ln>
@@ -3978,29 +3756,49 @@
           <a:lstStyle/>
           <a:p>
             <a:pPr algn="ctr"/>
-            <a:endParaRPr lang="en-US"/>
-          </a:p>
-        </p:txBody>
-      </p:sp>
-      <p:sp>
-        <p:nvSpPr>
-          <p:cNvPr id="33" name="Rectangle 32"/>
+            <a:r>
+              <a:rPr lang="en-US" sz="2400" dirty="0" smtClean="0">
+                <a:solidFill>
+                  <a:schemeClr val="tx1"/>
+                </a:solidFill>
+                <a:latin typeface="Times" pitchFamily="18" charset="0"/>
+                <a:cs typeface="Times" pitchFamily="18" charset="0"/>
+              </a:rPr>
+              <a:t>Body</a:t>
+            </a:r>
+            <a:endParaRPr lang="en-US" sz="2400" dirty="0">
+              <a:solidFill>
+                <a:schemeClr val="tx1"/>
+              </a:solidFill>
+              <a:latin typeface="Times" pitchFamily="18" charset="0"/>
+              <a:cs typeface="Times" pitchFamily="18" charset="0"/>
+            </a:endParaRPr>
+          </a:p>
+        </p:txBody>
+      </p:sp>
+      <p:sp>
+        <p:nvSpPr>
+          <p:cNvPr id="29" name="Rectangle 28"/>
           <p:cNvSpPr/>
           <p:nvPr/>
         </p:nvSpPr>
         <p:spPr>
           <a:xfrm>
-            <a:off x="7322024" y="4032912"/>
-            <a:ext cx="381000" cy="843888"/>
+            <a:off x="6019800" y="4024612"/>
+            <a:ext cx="914400" cy="753128"/>
           </a:xfrm>
           <a:prstGeom prst="rect">
             <a:avLst/>
           </a:prstGeom>
-          <a:solidFill>
-            <a:srgbClr val="C00000">
-              <a:alpha val="48000"/>
-            </a:srgbClr>
-          </a:solidFill>
+          <a:blipFill dpi="0" rotWithShape="1">
+            <a:blip r:embed="rId3" cstate="print">
+              <a:alphaModFix amt="43000"/>
+            </a:blip>
+            <a:srcRect/>
+            <a:stretch>
+              <a:fillRect/>
+            </a:stretch>
+          </a:blipFill>
           <a:ln>
             <a:noFill/>
           </a:ln>
@@ -4026,29 +3824,49 @@
           <a:lstStyle/>
           <a:p>
             <a:pPr algn="ctr"/>
-            <a:endParaRPr lang="en-US"/>
-          </a:p>
-        </p:txBody>
-      </p:sp>
-      <p:sp>
-        <p:nvSpPr>
-          <p:cNvPr id="34" name="Rectangle 33"/>
+            <a:r>
+              <a:rPr lang="en-US" sz="2400" dirty="0" smtClean="0">
+                <a:solidFill>
+                  <a:schemeClr val="tx1"/>
+                </a:solidFill>
+                <a:latin typeface="Times" pitchFamily="18" charset="0"/>
+                <a:cs typeface="Times" pitchFamily="18" charset="0"/>
+              </a:rPr>
+              <a:t>Voice</a:t>
+            </a:r>
+            <a:endParaRPr lang="en-US" sz="2400" dirty="0">
+              <a:solidFill>
+                <a:schemeClr val="tx1"/>
+              </a:solidFill>
+              <a:latin typeface="Times" pitchFamily="18" charset="0"/>
+              <a:cs typeface="Times" pitchFamily="18" charset="0"/>
+            </a:endParaRPr>
+          </a:p>
+        </p:txBody>
+      </p:sp>
+      <p:sp>
+        <p:nvSpPr>
+          <p:cNvPr id="30" name="Rectangle 29"/>
           <p:cNvSpPr/>
           <p:nvPr/>
         </p:nvSpPr>
         <p:spPr>
           <a:xfrm>
-            <a:off x="5396552" y="4825624"/>
-            <a:ext cx="381000" cy="965576"/>
+            <a:off x="5981700" y="4870432"/>
+            <a:ext cx="990600" cy="859808"/>
           </a:xfrm>
           <a:prstGeom prst="rect">
             <a:avLst/>
           </a:prstGeom>
-          <a:solidFill>
-            <a:srgbClr val="C00000">
-              <a:alpha val="48000"/>
-            </a:srgbClr>
-          </a:solidFill>
+          <a:blipFill dpi="0" rotWithShape="1">
+            <a:blip r:embed="rId4" cstate="print">
+              <a:alphaModFix amt="43000"/>
+            </a:blip>
+            <a:srcRect/>
+            <a:stretch>
+              <a:fillRect/>
+            </a:stretch>
+          </a:blipFill>
           <a:ln>
             <a:noFill/>
           </a:ln>
@@ -4074,31 +3892,237 @@
           <a:lstStyle/>
           <a:p>
             <a:pPr algn="ctr"/>
-            <a:endParaRPr lang="en-US"/>
-          </a:p>
-        </p:txBody>
-      </p:sp>
-      <p:sp>
-        <p:nvSpPr>
-          <p:cNvPr id="35" name="Rectangle 34"/>
+            <a:r>
+              <a:rPr lang="en-US" sz="2200" dirty="0" smtClean="0">
+                <a:solidFill>
+                  <a:schemeClr val="tx1"/>
+                </a:solidFill>
+                <a:latin typeface="Times" pitchFamily="18" charset="0"/>
+                <a:cs typeface="Times" pitchFamily="18" charset="0"/>
+              </a:rPr>
+              <a:t>Speech</a:t>
+            </a:r>
+            <a:endParaRPr lang="en-US" sz="2200" dirty="0">
+              <a:solidFill>
+                <a:schemeClr val="tx1"/>
+              </a:solidFill>
+              <a:latin typeface="Times" pitchFamily="18" charset="0"/>
+              <a:cs typeface="Times" pitchFamily="18" charset="0"/>
+            </a:endParaRPr>
+          </a:p>
+        </p:txBody>
+      </p:sp>
+      <p:sp>
+        <p:nvSpPr>
+          <p:cNvPr id="37" name="TextBox 36"/>
+          <p:cNvSpPr txBox="1"/>
+          <p:nvPr/>
+        </p:nvSpPr>
+        <p:spPr>
+          <a:xfrm rot="16200000">
+            <a:off x="5390828" y="3258737"/>
+            <a:ext cx="583814" cy="369332"/>
+          </a:xfrm>
+          <a:prstGeom prst="rect">
+            <a:avLst/>
+          </a:prstGeom>
+          <a:noFill/>
+        </p:spPr>
+        <p:txBody>
+          <a:bodyPr wrap="none" rtlCol="0">
+            <a:spAutoFit/>
+          </a:bodyPr>
+          <a:lstStyle/>
+          <a:p>
+            <a:r>
+              <a:rPr lang="en-US" dirty="0" smtClean="0"/>
+              <a:t>65%</a:t>
+            </a:r>
+            <a:endParaRPr lang="en-US" dirty="0"/>
+          </a:p>
+        </p:txBody>
+      </p:sp>
+      <p:sp>
+        <p:nvSpPr>
+          <p:cNvPr id="38" name="TextBox 37"/>
+          <p:cNvSpPr txBox="1"/>
+          <p:nvPr/>
+        </p:nvSpPr>
+        <p:spPr>
+          <a:xfrm rot="16200000">
+            <a:off x="5377180" y="5103156"/>
+            <a:ext cx="583814" cy="369332"/>
+          </a:xfrm>
+          <a:prstGeom prst="rect">
+            <a:avLst/>
+          </a:prstGeom>
+          <a:noFill/>
+        </p:spPr>
+        <p:txBody>
+          <a:bodyPr wrap="none" rtlCol="0">
+            <a:spAutoFit/>
+          </a:bodyPr>
+          <a:lstStyle/>
+          <a:p>
+            <a:r>
+              <a:rPr lang="en-US" dirty="0"/>
+              <a:t>3</a:t>
+            </a:r>
+            <a:r>
+              <a:rPr lang="en-US" dirty="0" smtClean="0"/>
+              <a:t>5%</a:t>
+            </a:r>
+            <a:endParaRPr lang="en-US" dirty="0"/>
+          </a:p>
+        </p:txBody>
+      </p:sp>
+      <p:sp>
+        <p:nvSpPr>
+          <p:cNvPr id="39" name="TextBox 38"/>
+          <p:cNvSpPr txBox="1"/>
+          <p:nvPr/>
+        </p:nvSpPr>
+        <p:spPr>
+          <a:xfrm rot="5400000">
+            <a:off x="6979360" y="2495227"/>
+            <a:ext cx="583814" cy="369332"/>
+          </a:xfrm>
+          <a:prstGeom prst="rect">
+            <a:avLst/>
+          </a:prstGeom>
+          <a:noFill/>
+        </p:spPr>
+        <p:txBody>
+          <a:bodyPr wrap="none" rtlCol="0">
+            <a:spAutoFit/>
+          </a:bodyPr>
+          <a:lstStyle/>
+          <a:p>
+            <a:r>
+              <a:rPr lang="en-US" dirty="0" smtClean="0"/>
+              <a:t>27%</a:t>
+            </a:r>
+            <a:endParaRPr lang="en-US" dirty="0"/>
+          </a:p>
+        </p:txBody>
+      </p:sp>
+      <p:sp>
+        <p:nvSpPr>
+          <p:cNvPr id="40" name="TextBox 39"/>
+          <p:cNvSpPr txBox="1"/>
+          <p:nvPr/>
+        </p:nvSpPr>
+        <p:spPr>
+          <a:xfrm rot="5400000">
+            <a:off x="6979360" y="3307641"/>
+            <a:ext cx="583814" cy="369332"/>
+          </a:xfrm>
+          <a:prstGeom prst="rect">
+            <a:avLst/>
+          </a:prstGeom>
+          <a:noFill/>
+        </p:spPr>
+        <p:txBody>
+          <a:bodyPr wrap="none" rtlCol="0">
+            <a:spAutoFit/>
+          </a:bodyPr>
+          <a:lstStyle/>
+          <a:p>
+            <a:r>
+              <a:rPr lang="en-US" dirty="0" smtClean="0"/>
+              <a:t>19%</a:t>
+            </a:r>
+            <a:endParaRPr lang="en-US" dirty="0"/>
+          </a:p>
+        </p:txBody>
+      </p:sp>
+      <p:sp>
+        <p:nvSpPr>
+          <p:cNvPr id="41" name="TextBox 40"/>
+          <p:cNvSpPr txBox="1"/>
+          <p:nvPr/>
+        </p:nvSpPr>
+        <p:spPr>
+          <a:xfrm rot="5400000">
+            <a:off x="6979360" y="4247827"/>
+            <a:ext cx="583814" cy="369332"/>
+          </a:xfrm>
+          <a:prstGeom prst="rect">
+            <a:avLst/>
+          </a:prstGeom>
+          <a:noFill/>
+        </p:spPr>
+        <p:txBody>
+          <a:bodyPr wrap="none" rtlCol="0">
+            <a:spAutoFit/>
+          </a:bodyPr>
+          <a:lstStyle/>
+          <a:p>
+            <a:r>
+              <a:rPr lang="en-US" dirty="0" smtClean="0"/>
+              <a:t>18%</a:t>
+            </a:r>
+            <a:endParaRPr lang="en-US" dirty="0"/>
+          </a:p>
+        </p:txBody>
+      </p:sp>
+      <p:sp>
+        <p:nvSpPr>
+          <p:cNvPr id="42" name="TextBox 41"/>
+          <p:cNvSpPr txBox="1"/>
+          <p:nvPr/>
+        </p:nvSpPr>
+        <p:spPr>
+          <a:xfrm rot="5400000">
+            <a:off x="6979360" y="5066967"/>
+            <a:ext cx="583814" cy="369332"/>
+          </a:xfrm>
+          <a:prstGeom prst="rect">
+            <a:avLst/>
+          </a:prstGeom>
+          <a:noFill/>
+        </p:spPr>
+        <p:txBody>
+          <a:bodyPr wrap="none" rtlCol="0">
+            <a:spAutoFit/>
+          </a:bodyPr>
+          <a:lstStyle/>
+          <a:p>
+            <a:r>
+              <a:rPr lang="en-US" dirty="0"/>
+              <a:t>3</a:t>
+            </a:r>
+            <a:r>
+              <a:rPr lang="en-US" dirty="0" smtClean="0"/>
+              <a:t>5%</a:t>
+            </a:r>
+            <a:endParaRPr lang="en-US" dirty="0"/>
+          </a:p>
+        </p:txBody>
+      </p:sp>
+      <p:sp>
+        <p:nvSpPr>
+          <p:cNvPr id="26" name="Rectangle 25"/>
           <p:cNvSpPr/>
           <p:nvPr/>
         </p:nvSpPr>
         <p:spPr>
           <a:xfrm>
-            <a:off x="7322024" y="3276600"/>
-            <a:ext cx="381000" cy="726744"/>
+            <a:off x="6042660" y="2202180"/>
+            <a:ext cx="891540" cy="800100"/>
           </a:xfrm>
           <a:prstGeom prst="rect">
             <a:avLst/>
           </a:prstGeom>
-          <a:solidFill>
-            <a:schemeClr val="accent3">
-              <a:lumMod val="40000"/>
-              <a:lumOff val="60000"/>
-              <a:alpha val="48000"/>
-            </a:schemeClr>
-          </a:solidFill>
+          <a:blipFill dpi="0" rotWithShape="1">
+            <a:blip r:embed="rId5" cstate="print">
+              <a:alphaModFix amt="43000"/>
+            </a:blip>
+            <a:srcRect/>
+            <a:stretch>
+              <a:fillRect/>
+            </a:stretch>
+          </a:blipFill>
           <a:ln>
             <a:noFill/>
           </a:ln>
@@ -4124,31 +4148,48 @@
           <a:lstStyle/>
           <a:p>
             <a:pPr algn="ctr"/>
-            <a:endParaRPr lang="en-US"/>
-          </a:p>
-        </p:txBody>
-      </p:sp>
-      <p:sp>
-        <p:nvSpPr>
-          <p:cNvPr id="36" name="Rectangle 35"/>
+            <a:r>
+              <a:rPr lang="en-US" sz="2400" dirty="0" smtClean="0">
+                <a:solidFill>
+                  <a:schemeClr val="tx1"/>
+                </a:solidFill>
+                <a:latin typeface="Times" pitchFamily="18" charset="0"/>
+                <a:cs typeface="Times" pitchFamily="18" charset="0"/>
+              </a:rPr>
+              <a:t>Face</a:t>
+            </a:r>
+            <a:endParaRPr lang="en-US" sz="3200" dirty="0">
+              <a:solidFill>
+                <a:schemeClr val="tx1"/>
+              </a:solidFill>
+              <a:latin typeface="Times" pitchFamily="18" charset="0"/>
+              <a:cs typeface="Times" pitchFamily="18" charset="0"/>
+            </a:endParaRPr>
+          </a:p>
+        </p:txBody>
+      </p:sp>
+      <p:sp>
+        <p:nvSpPr>
+          <p:cNvPr id="44" name="Rounded Rectangle 43"/>
           <p:cNvSpPr/>
           <p:nvPr/>
         </p:nvSpPr>
         <p:spPr>
           <a:xfrm>
-            <a:off x="7322024" y="4906368"/>
-            <a:ext cx="381000" cy="961032"/>
-          </a:xfrm>
-          <a:prstGeom prst="rect">
-            <a:avLst/>
-          </a:prstGeom>
-          <a:solidFill>
-            <a:srgbClr val="FF0000">
-              <a:alpha val="15000"/>
-            </a:srgbClr>
-          </a:solidFill>
+            <a:off x="5943600" y="2133600"/>
+            <a:ext cx="1981200" cy="1828800"/>
+          </a:xfrm>
+          <a:prstGeom prst="roundRect">
+            <a:avLst>
+              <a:gd name="adj" fmla="val 4167"/>
+            </a:avLst>
+          </a:prstGeom>
+          <a:noFill/>
           <a:ln>
-            <a:noFill/>
+            <a:solidFill>
+              <a:srgbClr val="7030A0"/>
+            </a:solidFill>
+            <a:prstDash val="sysDash"/>
           </a:ln>
         </p:spPr>
         <p:style>
@@ -4178,14 +4219,52 @@
       </p:sp>
       <p:sp>
         <p:nvSpPr>
-          <p:cNvPr id="37" name="TextBox 36"/>
+          <p:cNvPr id="22" name="Rectangle 21"/>
+          <p:cNvSpPr/>
+          <p:nvPr/>
+        </p:nvSpPr>
+        <p:spPr>
+          <a:xfrm>
+            <a:off x="7543800" y="2133600"/>
+            <a:ext cx="396548" cy="1828800"/>
+          </a:xfrm>
+          <a:prstGeom prst="rect">
+            <a:avLst/>
+          </a:prstGeom>
+        </p:spPr>
+        <p:style>
+          <a:lnRef idx="1">
+            <a:schemeClr val="accent4"/>
+          </a:lnRef>
+          <a:fillRef idx="3">
+            <a:schemeClr val="accent4"/>
+          </a:fillRef>
+          <a:effectRef idx="2">
+            <a:schemeClr val="accent4"/>
+          </a:effectRef>
+          <a:fontRef idx="minor">
+            <a:schemeClr val="lt1"/>
+          </a:fontRef>
+        </p:style>
+        <p:txBody>
+          <a:bodyPr rtlCol="0" anchor="ctr"/>
+          <a:lstStyle/>
+          <a:p>
+            <a:pPr algn="ctr"/>
+            <a:endParaRPr lang="en-US"/>
+          </a:p>
+        </p:txBody>
+      </p:sp>
+      <p:sp>
+        <p:nvSpPr>
+          <p:cNvPr id="24" name="TextBox 23"/>
           <p:cNvSpPr txBox="1"/>
           <p:nvPr/>
         </p:nvSpPr>
         <p:spPr>
-          <a:xfrm rot="16200000">
-            <a:off x="5294999" y="3258737"/>
-            <a:ext cx="583814" cy="369332"/>
+          <a:xfrm rot="5400000">
+            <a:off x="7368910" y="2892313"/>
+            <a:ext cx="773545" cy="369332"/>
           </a:xfrm>
           <a:prstGeom prst="rect">
             <a:avLst/>
@@ -4199,23 +4278,122 @@
           <a:lstStyle/>
           <a:p>
             <a:r>
-              <a:rPr lang="en-US" dirty="0" smtClean="0"/>
-              <a:t>65%</a:t>
-            </a:r>
-            <a:endParaRPr lang="en-US" dirty="0"/>
-          </a:p>
-        </p:txBody>
-      </p:sp>
-      <p:sp>
-        <p:nvSpPr>
-          <p:cNvPr id="38" name="TextBox 37"/>
+              <a:rPr lang="en-US" dirty="0" smtClean="0">
+                <a:solidFill>
+                  <a:schemeClr val="bg1"/>
+                </a:solidFill>
+                <a:latin typeface="Times" pitchFamily="18" charset="0"/>
+                <a:cs typeface="Times" pitchFamily="18" charset="0"/>
+              </a:rPr>
+              <a:t>Visual</a:t>
+            </a:r>
+            <a:endParaRPr lang="en-US" dirty="0">
+              <a:solidFill>
+                <a:schemeClr val="bg1"/>
+              </a:solidFill>
+              <a:latin typeface="Times" pitchFamily="18" charset="0"/>
+              <a:cs typeface="Times" pitchFamily="18" charset="0"/>
+            </a:endParaRPr>
+          </a:p>
+        </p:txBody>
+      </p:sp>
+      <p:sp>
+        <p:nvSpPr>
+          <p:cNvPr id="45" name="Rounded Rectangle 44"/>
+          <p:cNvSpPr/>
+          <p:nvPr/>
+        </p:nvSpPr>
+        <p:spPr>
+          <a:xfrm>
+            <a:off x="5943600" y="4015740"/>
+            <a:ext cx="1988820" cy="1699260"/>
+          </a:xfrm>
+          <a:prstGeom prst="roundRect">
+            <a:avLst>
+              <a:gd name="adj" fmla="val 4167"/>
+            </a:avLst>
+          </a:prstGeom>
+          <a:noFill/>
+          <a:ln>
+            <a:solidFill>
+              <a:srgbClr val="06A5BA"/>
+            </a:solidFill>
+            <a:prstDash val="sysDash"/>
+          </a:ln>
+        </p:spPr>
+        <p:style>
+          <a:lnRef idx="2">
+            <a:schemeClr val="accent1">
+              <a:shade val="50000"/>
+            </a:schemeClr>
+          </a:lnRef>
+          <a:fillRef idx="1">
+            <a:schemeClr val="accent1"/>
+          </a:fillRef>
+          <a:effectRef idx="0">
+            <a:schemeClr val="accent1"/>
+          </a:effectRef>
+          <a:fontRef idx="minor">
+            <a:schemeClr val="lt1"/>
+          </a:fontRef>
+        </p:style>
+        <p:txBody>
+          <a:bodyPr rtlCol="0" anchor="ctr"/>
+          <a:lstStyle/>
+          <a:p>
+            <a:pPr algn="ctr"/>
+            <a:endParaRPr lang="en-US"/>
+          </a:p>
+        </p:txBody>
+      </p:sp>
+      <p:sp>
+        <p:nvSpPr>
+          <p:cNvPr id="21" name="Rectangle 20"/>
+          <p:cNvSpPr/>
+          <p:nvPr/>
+        </p:nvSpPr>
+        <p:spPr>
+          <a:xfrm>
+            <a:off x="7543800" y="4016994"/>
+            <a:ext cx="396548" cy="1698008"/>
+          </a:xfrm>
+          <a:prstGeom prst="rect">
+            <a:avLst/>
+          </a:prstGeom>
+        </p:spPr>
+        <p:style>
+          <a:lnRef idx="1">
+            <a:schemeClr val="accent5"/>
+          </a:lnRef>
+          <a:fillRef idx="3">
+            <a:schemeClr val="accent5"/>
+          </a:fillRef>
+          <a:effectRef idx="2">
+            <a:schemeClr val="accent5"/>
+          </a:effectRef>
+          <a:fontRef idx="minor">
+            <a:schemeClr val="lt1"/>
+          </a:fontRef>
+        </p:style>
+        <p:txBody>
+          <a:bodyPr rtlCol="0" anchor="ctr"/>
+          <a:lstStyle/>
+          <a:p>
+            <a:pPr algn="ctr"/>
+            <a:endParaRPr lang="en-US"/>
+          </a:p>
+        </p:txBody>
+      </p:sp>
+      <p:sp>
+        <p:nvSpPr>
+          <p:cNvPr id="23" name="TextBox 22"/>
           <p:cNvSpPr txBox="1"/>
           <p:nvPr/>
         </p:nvSpPr>
         <p:spPr>
-          <a:xfrm rot="16200000">
-            <a:off x="5281351" y="5126971"/>
-            <a:ext cx="583814" cy="369332"/>
+          <a:xfrm rot="5400000">
+            <a:off x="7363143" y="4692008"/>
+            <a:ext cx="761747" cy="369332"/>
           </a:xfrm>
           <a:prstGeom prst="rect">
             <a:avLst/>
@@ -4229,27 +4407,35 @@
           <a:lstStyle/>
           <a:p>
             <a:r>
-              <a:rPr lang="en-US" dirty="0"/>
-              <a:t>3</a:t>
-            </a:r>
-            <a:r>
-              <a:rPr lang="en-US" dirty="0" smtClean="0"/>
-              <a:t>5%</a:t>
-            </a:r>
-            <a:endParaRPr lang="en-US" dirty="0"/>
-          </a:p>
-        </p:txBody>
-      </p:sp>
-      <p:sp>
-        <p:nvSpPr>
-          <p:cNvPr id="39" name="TextBox 38"/>
+              <a:rPr lang="en-US" dirty="0" smtClean="0">
+                <a:solidFill>
+                  <a:schemeClr val="bg1"/>
+                </a:solidFill>
+                <a:latin typeface="Times" pitchFamily="18" charset="0"/>
+                <a:cs typeface="Times" pitchFamily="18" charset="0"/>
+              </a:rPr>
+              <a:t>Audio</a:t>
+            </a:r>
+            <a:endParaRPr lang="en-US" dirty="0">
+              <a:solidFill>
+                <a:schemeClr val="bg1"/>
+              </a:solidFill>
+              <a:latin typeface="Times" pitchFamily="18" charset="0"/>
+              <a:cs typeface="Times" pitchFamily="18" charset="0"/>
+            </a:endParaRPr>
+          </a:p>
+        </p:txBody>
+      </p:sp>
+      <p:sp>
+        <p:nvSpPr>
+          <p:cNvPr id="47" name="TextBox 46"/>
           <p:cNvSpPr txBox="1"/>
           <p:nvPr/>
         </p:nvSpPr>
         <p:spPr>
-          <a:xfrm rot="5400000">
-            <a:off x="7207959" y="2495227"/>
-            <a:ext cx="583814" cy="369332"/>
+          <a:xfrm>
+            <a:off x="5486400" y="5715000"/>
+            <a:ext cx="2453948" cy="369332"/>
           </a:xfrm>
           <a:prstGeom prst="rect">
             <a:avLst/>
@@ -4257,110 +4443,30 @@
           <a:noFill/>
         </p:spPr>
         <p:txBody>
-          <a:bodyPr wrap="none" rtlCol="0">
+          <a:bodyPr wrap="square" rtlCol="0">
             <a:spAutoFit/>
           </a:bodyPr>
           <a:lstStyle/>
           <a:p>
-            <a:r>
-              <a:rPr lang="en-US" dirty="0" smtClean="0"/>
-              <a:t>27%</a:t>
-            </a:r>
-            <a:endParaRPr lang="en-US" dirty="0"/>
-          </a:p>
-        </p:txBody>
-      </p:sp>
-      <p:sp>
-        <p:nvSpPr>
-          <p:cNvPr id="40" name="TextBox 39"/>
-          <p:cNvSpPr txBox="1"/>
-          <p:nvPr/>
-        </p:nvSpPr>
-        <p:spPr>
-          <a:xfrm rot="5400000">
-            <a:off x="7207959" y="3485827"/>
-            <a:ext cx="583814" cy="369332"/>
-          </a:xfrm>
-          <a:prstGeom prst="rect">
-            <a:avLst/>
-          </a:prstGeom>
-          <a:noFill/>
-        </p:spPr>
-        <p:txBody>
-          <a:bodyPr wrap="none" rtlCol="0">
-            <a:spAutoFit/>
-          </a:bodyPr>
-          <a:lstStyle/>
-          <a:p>
-            <a:r>
-              <a:rPr lang="en-US" dirty="0" smtClean="0"/>
-              <a:t>19%</a:t>
-            </a:r>
-            <a:endParaRPr lang="en-US" dirty="0"/>
-          </a:p>
-        </p:txBody>
-      </p:sp>
-      <p:sp>
-        <p:nvSpPr>
-          <p:cNvPr id="41" name="TextBox 40"/>
-          <p:cNvSpPr txBox="1"/>
-          <p:nvPr/>
-        </p:nvSpPr>
-        <p:spPr>
-          <a:xfrm rot="5400000">
-            <a:off x="7207959" y="4247827"/>
-            <a:ext cx="583814" cy="369332"/>
-          </a:xfrm>
-          <a:prstGeom prst="rect">
-            <a:avLst/>
-          </a:prstGeom>
-          <a:noFill/>
-        </p:spPr>
-        <p:txBody>
-          <a:bodyPr wrap="none" rtlCol="0">
-            <a:spAutoFit/>
-          </a:bodyPr>
-          <a:lstStyle/>
-          <a:p>
-            <a:r>
-              <a:rPr lang="en-US" dirty="0" smtClean="0"/>
-              <a:t>18%</a:t>
-            </a:r>
-            <a:endParaRPr lang="en-US" dirty="0"/>
-          </a:p>
-        </p:txBody>
-      </p:sp>
-      <p:sp>
-        <p:nvSpPr>
-          <p:cNvPr id="42" name="TextBox 41"/>
-          <p:cNvSpPr txBox="1"/>
-          <p:nvPr/>
-        </p:nvSpPr>
-        <p:spPr>
-          <a:xfrm rot="5400000">
-            <a:off x="7207959" y="5162227"/>
-            <a:ext cx="583814" cy="369332"/>
-          </a:xfrm>
-          <a:prstGeom prst="rect">
-            <a:avLst/>
-          </a:prstGeom>
-          <a:noFill/>
-        </p:spPr>
-        <p:txBody>
-          <a:bodyPr wrap="none" rtlCol="0">
-            <a:spAutoFit/>
-          </a:bodyPr>
-          <a:lstStyle/>
-          <a:p>
-            <a:r>
-              <a:rPr lang="en-US" dirty="0"/>
-              <a:t>3</a:t>
-            </a:r>
-            <a:r>
-              <a:rPr lang="en-US" dirty="0" smtClean="0"/>
-              <a:t>5%</a:t>
-            </a:r>
-            <a:endParaRPr lang="en-US" dirty="0"/>
+            <a:pPr algn="ctr"/>
+            <a:r>
+              <a:rPr lang="en-US" b="1" dirty="0" smtClean="0">
+                <a:latin typeface="Times" pitchFamily="18" charset="0"/>
+                <a:cs typeface="Times" pitchFamily="18" charset="0"/>
+              </a:rPr>
+              <a:t>Channels </a:t>
+            </a:r>
+            <a:r>
+              <a:rPr lang="en-US" dirty="0" smtClean="0">
+                <a:latin typeface="Times" pitchFamily="18" charset="0"/>
+                <a:cs typeface="Times" pitchFamily="18" charset="0"/>
+              </a:rPr>
+              <a:t>(b)</a:t>
+            </a:r>
+            <a:endParaRPr lang="en-US" dirty="0">
+              <a:latin typeface="Times" pitchFamily="18" charset="0"/>
+              <a:cs typeface="Times" pitchFamily="18" charset="0"/>
+            </a:endParaRPr>
           </a:p>
         </p:txBody>
       </p:sp>
@@ -4528,7 +4634,7 @@
         </p:nvSpPr>
         <p:spPr>
           <a:xfrm>
-            <a:off x="5251450" y="1524000"/>
+            <a:off x="5251450" y="1524001"/>
             <a:ext cx="457200" cy="3941175"/>
           </a:xfrm>
           <a:prstGeom prst="rect">
@@ -4578,7 +4684,7 @@
         </p:nvSpPr>
         <p:spPr>
           <a:xfrm>
-            <a:off x="4673600" y="3270250"/>
+            <a:off x="4673600" y="3270251"/>
             <a:ext cx="457200" cy="2184400"/>
           </a:xfrm>
           <a:prstGeom prst="rect">
@@ -4702,7 +4808,7 @@
           <p:nvPr/>
         </p:nvGraphicFramePr>
         <p:xfrm>
-          <a:off x="1524000" y="1397000"/>
+          <a:off x="1524000" y="1397001"/>
           <a:ext cx="6096000" cy="4064000"/>
         </p:xfrm>
         <a:graphic>
@@ -4757,7 +4863,7 @@
         </p:nvSpPr>
         <p:spPr>
           <a:xfrm rot="16200000">
-            <a:off x="5521418" y="4171222"/>
+            <a:off x="5521420" y="4171222"/>
             <a:ext cx="1853777" cy="369332"/>
           </a:xfrm>
           <a:prstGeom prst="rect">
@@ -4795,7 +4901,7 @@
         </p:nvSpPr>
         <p:spPr>
           <a:xfrm rot="16200000">
-            <a:off x="4848251" y="4160995"/>
+            <a:off x="4848253" y="4160995"/>
             <a:ext cx="1874231" cy="369332"/>
           </a:xfrm>
           <a:prstGeom prst="rect">
@@ -4833,7 +4939,7 @@
         </p:nvSpPr>
         <p:spPr>
           <a:xfrm rot="16200000">
-            <a:off x="4656060" y="4616505"/>
+            <a:off x="4656061" y="4616505"/>
             <a:ext cx="963212" cy="369332"/>
           </a:xfrm>
           <a:prstGeom prst="rect">
@@ -4871,7 +4977,7 @@
         </p:nvSpPr>
         <p:spPr>
           <a:xfrm rot="16200000">
-            <a:off x="3200783" y="4532828"/>
+            <a:off x="3200784" y="4532828"/>
             <a:ext cx="1130566" cy="369332"/>
           </a:xfrm>
           <a:prstGeom prst="rect">
@@ -4909,7 +5015,7 @@
         </p:nvSpPr>
         <p:spPr>
           <a:xfrm rot="16200000">
-            <a:off x="3942240" y="4588484"/>
+            <a:off x="3942241" y="4588484"/>
             <a:ext cx="1019253" cy="369332"/>
           </a:xfrm>
           <a:prstGeom prst="rect">
@@ -4947,7 +5053,7 @@
         </p:nvSpPr>
         <p:spPr>
           <a:xfrm rot="16200000">
-            <a:off x="1755490" y="4443893"/>
+            <a:off x="1755491" y="4443893"/>
             <a:ext cx="1308435" cy="369332"/>
           </a:xfrm>
           <a:prstGeom prst="rect">
@@ -5023,8 +5129,8 @@
         </p:nvSpPr>
         <p:spPr>
           <a:xfrm rot="16200000">
-            <a:off x="203088" y="3362282"/>
-            <a:ext cx="2401555" cy="369332"/>
+            <a:off x="30599" y="3362282"/>
+            <a:ext cx="2807500" cy="369332"/>
           </a:xfrm>
           <a:prstGeom prst="rect">
             <a:avLst/>
@@ -5039,7 +5145,15 @@
           <a:p>
             <a:r>
               <a:rPr lang="en-US" b="1" dirty="0" smtClean="0"/>
-              <a:t>Percentage Importance</a:t>
+              <a:t> </a:t>
+            </a:r>
+            <a:r>
+              <a:rPr lang="en-US" b="1" dirty="0" smtClean="0"/>
+              <a:t>Relative </a:t>
+            </a:r>
+            <a:r>
+              <a:rPr lang="en-US" b="1" dirty="0" smtClean="0"/>
+              <a:t>Importance Points</a:t>
             </a:r>
             <a:endParaRPr lang="en-US" b="1" dirty="0"/>
           </a:p>
@@ -5078,7 +5192,7 @@
         </p:nvSpPr>
         <p:spPr>
           <a:xfrm>
-            <a:off x="3733800" y="2209800"/>
+            <a:off x="3733800" y="2209801"/>
             <a:ext cx="533400" cy="838201"/>
           </a:xfrm>
           <a:prstGeom prst="roundRect">
@@ -5141,7 +5255,7 @@
         </p:blipFill>
         <p:spPr>
           <a:xfrm>
-            <a:off x="3733801" y="762000"/>
+            <a:off x="3733801" y="762001"/>
             <a:ext cx="2895600" cy="1269303"/>
           </a:xfrm>
           <a:prstGeom prst="rect">
@@ -5209,7 +5323,7 @@
         </p:nvSpPr>
         <p:spPr>
           <a:xfrm rot="16200000">
-            <a:off x="5900738" y="2233613"/>
+            <a:off x="5900738" y="2233614"/>
             <a:ext cx="609600" cy="847725"/>
           </a:xfrm>
           <a:prstGeom prst="roundRect">
@@ -5257,7 +5371,7 @@
         </p:nvSpPr>
         <p:spPr>
           <a:xfrm rot="16200000">
-            <a:off x="2717007" y="2350293"/>
+            <a:off x="2717007" y="2350294"/>
             <a:ext cx="533400" cy="785815"/>
           </a:xfrm>
           <a:prstGeom prst="roundRect">
@@ -5316,7 +5430,7 @@
         </p:blipFill>
         <p:spPr bwMode="auto">
           <a:xfrm>
-            <a:off x="2590800" y="819150"/>
+            <a:off x="2590802" y="819150"/>
             <a:ext cx="1001751" cy="1466850"/>
           </a:xfrm>
           <a:prstGeom prst="rect">
@@ -5500,7 +5614,7 @@
         </p:nvSpPr>
         <p:spPr>
           <a:xfrm>
-            <a:off x="3009900" y="2238373"/>
+            <a:off x="3009900" y="2238374"/>
             <a:ext cx="228600" cy="214311"/>
           </a:xfrm>
           <a:prstGeom prst="upArrow">
@@ -5810,8 +5924,8 @@
           </p:nvCxnSpPr>
           <p:spPr>
             <a:xfrm rot="5400000">
-              <a:off x="1512673" y="3093825"/>
-              <a:ext cx="270302" cy="552448"/>
+              <a:off x="1512675" y="3093827"/>
+              <a:ext cx="270303" cy="552445"/>
             </a:xfrm>
             <a:prstGeom prst="straightConnector1">
               <a:avLst/>
@@ -5880,8 +5994,8 @@
           </p:nvCxnSpPr>
           <p:spPr>
             <a:xfrm rot="16200000" flipH="1">
-              <a:off x="522073" y="3570073"/>
-              <a:ext cx="194102" cy="285752"/>
+              <a:off x="522073" y="3570072"/>
+              <a:ext cx="194102" cy="285753"/>
             </a:xfrm>
             <a:prstGeom prst="straightConnector1">
               <a:avLst/>
@@ -5950,8 +6064,8 @@
           </p:nvCxnSpPr>
           <p:spPr>
             <a:xfrm flipV="1">
-              <a:off x="609600" y="4267200"/>
-              <a:ext cx="381000" cy="77689"/>
+              <a:off x="609600" y="4267201"/>
+              <a:ext cx="381000" cy="77688"/>
             </a:xfrm>
             <a:prstGeom prst="straightConnector1">
               <a:avLst/>
@@ -6024,8 +6138,8 @@
           </p:nvCxnSpPr>
           <p:spPr>
             <a:xfrm rot="5400000">
-              <a:off x="1846049" y="3903451"/>
-              <a:ext cx="194104" cy="228598"/>
+              <a:off x="1846050" y="3903450"/>
+              <a:ext cx="194103" cy="228598"/>
             </a:xfrm>
             <a:prstGeom prst="straightConnector1">
               <a:avLst/>
@@ -6414,7 +6528,7 @@
         </p:nvSpPr>
         <p:spPr>
           <a:xfrm rot="10800000">
-            <a:off x="3352800" y="1362075"/>
+            <a:off x="3352800" y="1362076"/>
             <a:ext cx="514350" cy="466725"/>
           </a:xfrm>
           <a:custGeom>
@@ -6497,7 +6611,7 @@
         </p:nvSpPr>
         <p:spPr>
           <a:xfrm>
-            <a:off x="3357563" y="2333625"/>
+            <a:off x="3357563" y="2333626"/>
             <a:ext cx="523874" cy="496887"/>
           </a:xfrm>
           <a:custGeom>
@@ -6637,7 +6751,7 @@
         </p:nvSpPr>
         <p:spPr>
           <a:xfrm>
-            <a:off x="3373438" y="4408488"/>
+            <a:off x="3373438" y="4408489"/>
             <a:ext cx="676274" cy="355599"/>
           </a:xfrm>
           <a:custGeom>
@@ -6750,7 +6864,7 @@
         </p:nvSpPr>
         <p:spPr>
           <a:xfrm>
-            <a:off x="3302000" y="5038725"/>
+            <a:off x="3302000" y="5038726"/>
             <a:ext cx="635000" cy="244475"/>
           </a:xfrm>
           <a:custGeom>
@@ -6935,7 +7049,7 @@
         </p:blipFill>
         <p:spPr>
           <a:xfrm rot="7675390">
-            <a:off x="2761298" y="2061447"/>
+            <a:off x="2761299" y="2061447"/>
             <a:ext cx="2634116" cy="2483594"/>
           </a:xfrm>
           <a:prstGeom prst="rect">
@@ -7490,7 +7604,7 @@
                     <a:bodyPr/>
                     <a:lstStyle/>
                     <a:p>
-                      <a:endParaRPr lang="en-US" dirty="0"/>
+                      <a:endParaRPr lang="en-US" sz="1800" dirty="0"/>
                     </a:p>
                   </a:txBody>
                   <a:tcPr/>
@@ -7500,7 +7614,7 @@
                     <a:bodyPr/>
                     <a:lstStyle/>
                     <a:p>
-                      <a:endParaRPr lang="en-US" dirty="0"/>
+                      <a:endParaRPr lang="en-US" sz="1800" dirty="0"/>
                     </a:p>
                   </a:txBody>
                   <a:tcPr/>
@@ -7510,7 +7624,7 @@
                     <a:bodyPr/>
                     <a:lstStyle/>
                     <a:p>
-                      <a:endParaRPr lang="en-US" dirty="0"/>
+                      <a:endParaRPr lang="en-US" sz="1800" dirty="0"/>
                     </a:p>
                   </a:txBody>
                   <a:tcPr/>
@@ -7546,7 +7660,7 @@
                     <a:bodyPr/>
                     <a:lstStyle/>
                     <a:p>
-                      <a:endParaRPr lang="en-US" dirty="0"/>
+                      <a:endParaRPr lang="en-US" sz="1800" dirty="0"/>
                     </a:p>
                   </a:txBody>
                   <a:tcPr/>
@@ -7556,7 +7670,7 @@
                     <a:bodyPr/>
                     <a:lstStyle/>
                     <a:p>
-                      <a:endParaRPr lang="en-US" dirty="0"/>
+                      <a:endParaRPr lang="en-US" sz="1800" dirty="0"/>
                     </a:p>
                   </a:txBody>
                   <a:tcPr/>
@@ -7566,7 +7680,7 @@
                     <a:bodyPr/>
                     <a:lstStyle/>
                     <a:p>
-                      <a:endParaRPr lang="en-US" dirty="0"/>
+                      <a:endParaRPr lang="en-US" sz="1800" dirty="0"/>
                     </a:p>
                   </a:txBody>
                   <a:tcPr/>
@@ -7602,7 +7716,7 @@
                     <a:bodyPr/>
                     <a:lstStyle/>
                     <a:p>
-                      <a:endParaRPr lang="en-US" dirty="0"/>
+                      <a:endParaRPr lang="en-US" sz="1800" dirty="0"/>
                     </a:p>
                   </a:txBody>
                   <a:tcPr/>
@@ -7612,7 +7726,7 @@
                     <a:bodyPr/>
                     <a:lstStyle/>
                     <a:p>
-                      <a:endParaRPr lang="en-US" dirty="0"/>
+                      <a:endParaRPr lang="en-US" sz="1800" dirty="0"/>
                     </a:p>
                   </a:txBody>
                   <a:tcPr/>
@@ -7622,7 +7736,7 @@
                     <a:bodyPr/>
                     <a:lstStyle/>
                     <a:p>
-                      <a:endParaRPr lang="en-US" dirty="0"/>
+                      <a:endParaRPr lang="en-US" sz="1800" dirty="0"/>
                     </a:p>
                   </a:txBody>
                   <a:tcPr/>
@@ -7658,7 +7772,7 @@
                     <a:bodyPr/>
                     <a:lstStyle/>
                     <a:p>
-                      <a:endParaRPr lang="en-US" dirty="0"/>
+                      <a:endParaRPr lang="en-US" sz="1800" dirty="0"/>
                     </a:p>
                   </a:txBody>
                   <a:tcPr/>
@@ -7668,7 +7782,7 @@
                     <a:bodyPr/>
                     <a:lstStyle/>
                     <a:p>
-                      <a:endParaRPr lang="en-US" dirty="0"/>
+                      <a:endParaRPr lang="en-US" sz="1800" dirty="0"/>
                     </a:p>
                   </a:txBody>
                   <a:tcPr/>
@@ -7678,7 +7792,7 @@
                     <a:bodyPr/>
                     <a:lstStyle/>
                     <a:p>
-                      <a:endParaRPr lang="en-US" dirty="0"/>
+                      <a:endParaRPr lang="en-US" sz="1800" dirty="0"/>
                     </a:p>
                   </a:txBody>
                   <a:tcPr/>
@@ -7714,7 +7828,7 @@
                     <a:bodyPr/>
                     <a:lstStyle/>
                     <a:p>
-                      <a:endParaRPr lang="en-US" dirty="0"/>
+                      <a:endParaRPr lang="en-US" sz="1800" dirty="0"/>
                     </a:p>
                   </a:txBody>
                   <a:tcPr/>
@@ -7724,7 +7838,7 @@
                     <a:bodyPr/>
                     <a:lstStyle/>
                     <a:p>
-                      <a:endParaRPr lang="en-US" dirty="0"/>
+                      <a:endParaRPr lang="en-US" sz="1800" dirty="0"/>
                     </a:p>
                   </a:txBody>
                   <a:tcPr/>
@@ -7734,7 +7848,7 @@
                     <a:bodyPr/>
                     <a:lstStyle/>
                     <a:p>
-                      <a:endParaRPr lang="en-US" dirty="0"/>
+                      <a:endParaRPr lang="en-US" sz="1800" dirty="0"/>
                     </a:p>
                   </a:txBody>
                   <a:tcPr/>
@@ -7770,7 +7884,7 @@
                     <a:bodyPr/>
                     <a:lstStyle/>
                     <a:p>
-                      <a:endParaRPr lang="en-US" dirty="0"/>
+                      <a:endParaRPr lang="en-US" sz="1800" dirty="0"/>
                     </a:p>
                   </a:txBody>
                   <a:tcPr/>
@@ -7780,7 +7894,7 @@
                     <a:bodyPr/>
                     <a:lstStyle/>
                     <a:p>
-                      <a:endParaRPr lang="en-US" dirty="0"/>
+                      <a:endParaRPr lang="en-US" sz="1800" dirty="0"/>
                     </a:p>
                   </a:txBody>
                   <a:tcPr/>
@@ -7790,7 +7904,7 @@
                     <a:bodyPr/>
                     <a:lstStyle/>
                     <a:p>
-                      <a:endParaRPr lang="en-US" dirty="0"/>
+                      <a:endParaRPr lang="en-US" sz="1800" dirty="0"/>
                     </a:p>
                   </a:txBody>
                   <a:tcPr/>
@@ -7826,7 +7940,7 @@
                     <a:bodyPr/>
                     <a:lstStyle/>
                     <a:p>
-                      <a:endParaRPr lang="en-US" dirty="0"/>
+                      <a:endParaRPr lang="en-US" sz="1800" dirty="0"/>
                     </a:p>
                   </a:txBody>
                   <a:tcPr/>
@@ -7836,7 +7950,7 @@
                     <a:bodyPr/>
                     <a:lstStyle/>
                     <a:p>
-                      <a:endParaRPr lang="en-US" dirty="0"/>
+                      <a:endParaRPr lang="en-US" sz="1800" dirty="0"/>
                     </a:p>
                   </a:txBody>
                   <a:tcPr/>
@@ -7846,7 +7960,7 @@
                     <a:bodyPr/>
                     <a:lstStyle/>
                     <a:p>
-                      <a:endParaRPr lang="en-US" dirty="0"/>
+                      <a:endParaRPr lang="en-US" sz="1800" dirty="0"/>
                     </a:p>
                   </a:txBody>
                   <a:tcPr/>
@@ -8343,7 +8457,7 @@
         </p:blipFill>
         <p:spPr>
           <a:xfrm>
-            <a:off x="1818158" y="2068284"/>
+            <a:off x="1818160" y="2068284"/>
             <a:ext cx="866277" cy="822960"/>
           </a:xfrm>
           <a:prstGeom prst="rect">
@@ -8379,7 +8493,7 @@
         </p:blipFill>
         <p:spPr>
           <a:xfrm>
-            <a:off x="1804622" y="3139440"/>
+            <a:off x="1804624" y="3139440"/>
             <a:ext cx="893349" cy="822960"/>
           </a:xfrm>
           <a:prstGeom prst="rect">
@@ -8415,7 +8529,7 @@
         </p:blipFill>
         <p:spPr>
           <a:xfrm>
-            <a:off x="1838480" y="4010298"/>
+            <a:off x="1838482" y="4010298"/>
             <a:ext cx="825633" cy="822960"/>
           </a:xfrm>
           <a:prstGeom prst="rect">
@@ -8451,7 +8565,7 @@
         </p:blipFill>
         <p:spPr>
           <a:xfrm>
-            <a:off x="1804622" y="4953000"/>
+            <a:off x="1804624" y="4953000"/>
             <a:ext cx="893349" cy="822960"/>
           </a:xfrm>
           <a:prstGeom prst="rect">
@@ -8638,7 +8752,7 @@
         </p:nvSpPr>
         <p:spPr>
           <a:xfrm>
-            <a:off x="3212926" y="304800"/>
+            <a:off x="3212926" y="304801"/>
             <a:ext cx="522514" cy="539447"/>
           </a:xfrm>
           <a:custGeom>
@@ -9119,7 +9233,7 @@
         </p:nvSpPr>
         <p:spPr>
           <a:xfrm>
-            <a:off x="3146425" y="2133600"/>
+            <a:off x="3146425" y="2133601"/>
             <a:ext cx="627592" cy="632883"/>
           </a:xfrm>
           <a:custGeom>
@@ -9799,7 +9913,7 @@
         </p:nvSpPr>
         <p:spPr>
           <a:xfrm>
-            <a:off x="3168650" y="5016500"/>
+            <a:off x="3168652" y="5016501"/>
             <a:ext cx="579967" cy="101600"/>
           </a:xfrm>
           <a:custGeom>
@@ -10025,7 +10139,7 @@
         </p:nvCxnSpPr>
         <p:spPr>
           <a:xfrm rot="10800000">
-            <a:off x="3139458" y="6587839"/>
+            <a:off x="3139458" y="6587840"/>
             <a:ext cx="457200" cy="1588"/>
           </a:xfrm>
           <a:prstGeom prst="straightConnector1">
@@ -10069,7 +10183,7 @@
         </p:blipFill>
         <p:spPr>
           <a:xfrm>
-            <a:off x="203200" y="1047750"/>
+            <a:off x="203200" y="1047751"/>
             <a:ext cx="644640" cy="865315"/>
           </a:xfrm>
           <a:prstGeom prst="rect">
@@ -10164,7 +10278,7 @@
         </p:blipFill>
         <p:spPr>
           <a:xfrm>
-            <a:off x="215900" y="5880101"/>
+            <a:off x="215902" y="5880102"/>
             <a:ext cx="622299" cy="800099"/>
           </a:xfrm>
           <a:prstGeom prst="rect">
@@ -10207,7 +10321,7 @@
         </p:nvSpPr>
         <p:spPr>
           <a:xfrm>
-            <a:off x="3143250" y="4396317"/>
+            <a:off x="3143252" y="4396317"/>
             <a:ext cx="537633" cy="375708"/>
           </a:xfrm>
           <a:custGeom>

--- a/trunk/ haptic-glove --username sreekar/CHi 2010/Presentation1.pptx
+++ b/trunk/ haptic-glove --username sreekar/CHi 2010/Presentation1.pptx
@@ -12,6 +12,8 @@
     <p:sldId id="260" r:id="rId6"/>
     <p:sldId id="261" r:id="rId7"/>
     <p:sldId id="262" r:id="rId8"/>
+    <p:sldId id="263" r:id="rId9"/>
+    <p:sldId id="264" r:id="rId10"/>
   </p:sldIdLst>
   <p:sldSz cx="9144000" cy="6858000" type="screen4x3"/>
   <p:notesSz cx="6858000" cy="9144000"/>
@@ -206,11 +208,11 @@
             </c:numRef>
           </c:val>
         </c:ser>
-        <c:axId val="97628544"/>
-        <c:axId val="97630080"/>
+        <c:axId val="116997120"/>
+        <c:axId val="117379840"/>
       </c:barChart>
       <c:catAx>
-        <c:axId val="97628544"/>
+        <c:axId val="116997120"/>
         <c:scaling>
           <c:orientation val="minMax"/>
         </c:scaling>
@@ -218,14 +220,14 @@
         <c:axPos val="b"/>
         <c:numFmt formatCode="General" sourceLinked="1"/>
         <c:tickLblPos val="none"/>
-        <c:crossAx val="97630080"/>
+        <c:crossAx val="117379840"/>
         <c:crosses val="autoZero"/>
         <c:auto val="1"/>
         <c:lblAlgn val="ctr"/>
         <c:lblOffset val="100"/>
       </c:catAx>
       <c:valAx>
-        <c:axId val="97630080"/>
+        <c:axId val="117379840"/>
         <c:scaling>
           <c:orientation val="minMax"/>
         </c:scaling>
@@ -233,7 +235,7 @@
         <c:majorGridlines/>
         <c:numFmt formatCode="General" sourceLinked="1"/>
         <c:tickLblPos val="nextTo"/>
-        <c:crossAx val="97628544"/>
+        <c:crossAx val="116997120"/>
         <c:crosses val="autoZero"/>
         <c:crossBetween val="between"/>
       </c:valAx>
@@ -436,7 +438,7 @@
             <a:fld id="{8F2A4929-EF13-4500-9AB4-448222E3102A}" type="datetimeFigureOut">
               <a:rPr lang="en-US" smtClean="0"/>
               <a:pPr/>
-              <a:t>12/31/2009</a:t>
+              <a:t>1/1/2010</a:t>
             </a:fld>
             <a:endParaRPr lang="en-US"/>
           </a:p>
@@ -603,7 +605,7 @@
             <a:fld id="{8F2A4929-EF13-4500-9AB4-448222E3102A}" type="datetimeFigureOut">
               <a:rPr lang="en-US" smtClean="0"/>
               <a:pPr/>
-              <a:t>12/31/2009</a:t>
+              <a:t>1/1/2010</a:t>
             </a:fld>
             <a:endParaRPr lang="en-US"/>
           </a:p>
@@ -780,7 +782,7 @@
             <a:fld id="{8F2A4929-EF13-4500-9AB4-448222E3102A}" type="datetimeFigureOut">
               <a:rPr lang="en-US" smtClean="0"/>
               <a:pPr/>
-              <a:t>12/31/2009</a:t>
+              <a:t>1/1/2010</a:t>
             </a:fld>
             <a:endParaRPr lang="en-US"/>
           </a:p>
@@ -947,7 +949,7 @@
             <a:fld id="{8F2A4929-EF13-4500-9AB4-448222E3102A}" type="datetimeFigureOut">
               <a:rPr lang="en-US" smtClean="0"/>
               <a:pPr/>
-              <a:t>12/31/2009</a:t>
+              <a:t>1/1/2010</a:t>
             </a:fld>
             <a:endParaRPr lang="en-US"/>
           </a:p>
@@ -1190,7 +1192,7 @@
             <a:fld id="{8F2A4929-EF13-4500-9AB4-448222E3102A}" type="datetimeFigureOut">
               <a:rPr lang="en-US" smtClean="0"/>
               <a:pPr/>
-              <a:t>12/31/2009</a:t>
+              <a:t>1/1/2010</a:t>
             </a:fld>
             <a:endParaRPr lang="en-US"/>
           </a:p>
@@ -1475,7 +1477,7 @@
             <a:fld id="{8F2A4929-EF13-4500-9AB4-448222E3102A}" type="datetimeFigureOut">
               <a:rPr lang="en-US" smtClean="0"/>
               <a:pPr/>
-              <a:t>12/31/2009</a:t>
+              <a:t>1/1/2010</a:t>
             </a:fld>
             <a:endParaRPr lang="en-US"/>
           </a:p>
@@ -1894,7 +1896,7 @@
             <a:fld id="{8F2A4929-EF13-4500-9AB4-448222E3102A}" type="datetimeFigureOut">
               <a:rPr lang="en-US" smtClean="0"/>
               <a:pPr/>
-              <a:t>12/31/2009</a:t>
+              <a:t>1/1/2010</a:t>
             </a:fld>
             <a:endParaRPr lang="en-US"/>
           </a:p>
@@ -2009,7 +2011,7 @@
             <a:fld id="{8F2A4929-EF13-4500-9AB4-448222E3102A}" type="datetimeFigureOut">
               <a:rPr lang="en-US" smtClean="0"/>
               <a:pPr/>
-              <a:t>12/31/2009</a:t>
+              <a:t>1/1/2010</a:t>
             </a:fld>
             <a:endParaRPr lang="en-US"/>
           </a:p>
@@ -2101,7 +2103,7 @@
             <a:fld id="{8F2A4929-EF13-4500-9AB4-448222E3102A}" type="datetimeFigureOut">
               <a:rPr lang="en-US" smtClean="0"/>
               <a:pPr/>
-              <a:t>12/31/2009</a:t>
+              <a:t>1/1/2010</a:t>
             </a:fld>
             <a:endParaRPr lang="en-US"/>
           </a:p>
@@ -2375,7 +2377,7 @@
             <a:fld id="{8F2A4929-EF13-4500-9AB4-448222E3102A}" type="datetimeFigureOut">
               <a:rPr lang="en-US" smtClean="0"/>
               <a:pPr/>
-              <a:t>12/31/2009</a:t>
+              <a:t>1/1/2010</a:t>
             </a:fld>
             <a:endParaRPr lang="en-US"/>
           </a:p>
@@ -2625,7 +2627,7 @@
             <a:fld id="{8F2A4929-EF13-4500-9AB4-448222E3102A}" type="datetimeFigureOut">
               <a:rPr lang="en-US" smtClean="0"/>
               <a:pPr/>
-              <a:t>12/31/2009</a:t>
+              <a:t>1/1/2010</a:t>
             </a:fld>
             <a:endParaRPr lang="en-US"/>
           </a:p>
@@ -2835,7 +2837,7 @@
             <a:fld id="{8F2A4929-EF13-4500-9AB4-448222E3102A}" type="datetimeFigureOut">
               <a:rPr lang="en-US" smtClean="0"/>
               <a:pPr/>
-              <a:t>12/31/2009</a:t>
+              <a:t>1/1/2010</a:t>
             </a:fld>
             <a:endParaRPr lang="en-US"/>
           </a:p>
@@ -3641,14 +3643,7 @@
                 <a:latin typeface="Times" pitchFamily="18" charset="0"/>
                 <a:cs typeface="Times" pitchFamily="18" charset="0"/>
               </a:rPr>
-              <a:t>(Encoding</a:t>
-            </a:r>
-            <a:r>
-              <a:rPr lang="en-US" dirty="0" smtClean="0">
-                <a:latin typeface="Times" pitchFamily="18" charset="0"/>
-                <a:cs typeface="Times" pitchFamily="18" charset="0"/>
-              </a:rPr>
-              <a:t>) (a)</a:t>
+              <a:t>(Encoding) (a)</a:t>
             </a:r>
             <a:endParaRPr lang="en-US" dirty="0">
               <a:latin typeface="Times" pitchFamily="18" charset="0"/>
@@ -3692,14 +3687,7 @@
                 <a:latin typeface="Times" pitchFamily="18" charset="0"/>
                 <a:cs typeface="Times" pitchFamily="18" charset="0"/>
               </a:rPr>
-              <a:t>(Decoding</a:t>
-            </a:r>
-            <a:r>
-              <a:rPr lang="en-US" dirty="0" smtClean="0">
-                <a:latin typeface="Times" pitchFamily="18" charset="0"/>
-                <a:cs typeface="Times" pitchFamily="18" charset="0"/>
-              </a:rPr>
-              <a:t>) (c)</a:t>
+              <a:t>(Decoding) (c)</a:t>
             </a:r>
             <a:endParaRPr lang="en-US" dirty="0">
               <a:latin typeface="Times" pitchFamily="18" charset="0"/>
@@ -5145,15 +5133,7 @@
           <a:p>
             <a:r>
               <a:rPr lang="en-US" b="1" dirty="0" smtClean="0"/>
-              <a:t> </a:t>
-            </a:r>
-            <a:r>
-              <a:rPr lang="en-US" b="1" dirty="0" smtClean="0"/>
-              <a:t>Relative </a:t>
-            </a:r>
-            <a:r>
-              <a:rPr lang="en-US" b="1" dirty="0" smtClean="0"/>
-              <a:t>Importance Points</a:t>
+              <a:t> Relative Importance Points</a:t>
             </a:r>
             <a:endParaRPr lang="en-US" b="1" dirty="0"/>
           </a:p>
@@ -11828,6 +11808,1348 @@
 </p:sld>
 </file>
 
+<file path=ppt/slides/slide8.xml><?xml version="1.0" encoding="utf-8"?>
+<p:sld xmlns:a="http://schemas.openxmlformats.org/drawingml/2006/main" xmlns:r="http://schemas.openxmlformats.org/officeDocument/2006/relationships" xmlns:p="http://schemas.openxmlformats.org/presentationml/2006/main">
+  <p:cSld>
+    <p:spTree>
+      <p:nvGrpSpPr>
+        <p:cNvPr id="1" name=""/>
+        <p:cNvGrpSpPr/>
+        <p:nvPr/>
+      </p:nvGrpSpPr>
+      <p:grpSpPr>
+        <a:xfrm>
+          <a:off x="0" y="0"/>
+          <a:ext cx="0" cy="0"/>
+          <a:chOff x="0" y="0"/>
+          <a:chExt cx="0" cy="0"/>
+        </a:xfrm>
+      </p:grpSpPr>
+      <p:sp>
+        <p:nvSpPr>
+          <p:cNvPr id="5" name="AutoShape 4"/>
+          <p:cNvSpPr>
+            <a:spLocks noChangeAspect="1" noChangeArrowheads="1"/>
+          </p:cNvSpPr>
+          <p:nvPr/>
+        </p:nvSpPr>
+        <p:spPr bwMode="auto">
+          <a:xfrm>
+            <a:off x="1676400" y="609600"/>
+            <a:ext cx="2220912" cy="2717800"/>
+          </a:xfrm>
+          <a:prstGeom prst="rect">
+            <a:avLst/>
+          </a:prstGeom>
+          <a:noFill/>
+          <a:ln w="9525">
+            <a:noFill/>
+            <a:miter lim="800000"/>
+            <a:headEnd/>
+            <a:tailEnd/>
+          </a:ln>
+        </p:spPr>
+        <p:txBody>
+          <a:bodyPr vert="horz" wrap="square" lIns="91440" tIns="45720" rIns="91440" bIns="45720" numCol="1" anchor="t" anchorCtr="0" compatLnSpc="1">
+            <a:prstTxWarp prst="textNoShape">
+              <a:avLst/>
+            </a:prstTxWarp>
+          </a:bodyPr>
+          <a:lstStyle/>
+          <a:p>
+            <a:endParaRPr lang="en-US"/>
+          </a:p>
+        </p:txBody>
+      </p:sp>
+      <p:pic>
+        <p:nvPicPr>
+          <p:cNvPr id="6" name="Picture 5" descr="steven1"/>
+          <p:cNvPicPr>
+            <a:picLocks noChangeAspect="1" noChangeArrowheads="1"/>
+          </p:cNvPicPr>
+          <p:nvPr/>
+        </p:nvPicPr>
+        <p:blipFill>
+          <a:blip r:embed="rId2" cstate="print"/>
+          <a:srcRect l="16589" t="10042" r="10543" b="6915"/>
+          <a:stretch>
+            <a:fillRect/>
+          </a:stretch>
+        </p:blipFill>
+        <p:spPr bwMode="auto">
+          <a:xfrm>
+            <a:off x="2514600" y="609600"/>
+            <a:ext cx="3413760" cy="5181600"/>
+          </a:xfrm>
+          <a:prstGeom prst="rect">
+            <a:avLst/>
+          </a:prstGeom>
+          <a:ln w="38100" cap="sq">
+            <a:solidFill>
+              <a:srgbClr val="000000"/>
+            </a:solidFill>
+            <a:prstDash val="solid"/>
+            <a:miter lim="800000"/>
+          </a:ln>
+          <a:effectLst>
+            <a:outerShdw blurRad="50800" dist="38100" dir="2700000" algn="tl" rotWithShape="0">
+              <a:srgbClr val="000000">
+                <a:alpha val="43000"/>
+              </a:srgbClr>
+            </a:outerShdw>
+          </a:effectLst>
+        </p:spPr>
+      </p:pic>
+      <p:sp>
+        <p:nvSpPr>
+          <p:cNvPr id="27" name="Right Arrow 26"/>
+          <p:cNvSpPr/>
+          <p:nvPr/>
+        </p:nvSpPr>
+        <p:spPr>
+          <a:xfrm rot="20761356">
+            <a:off x="2048820" y="1401220"/>
+            <a:ext cx="1671786" cy="174869"/>
+          </a:xfrm>
+          <a:prstGeom prst="rightArrow">
+            <a:avLst/>
+          </a:prstGeom>
+        </p:spPr>
+        <p:style>
+          <a:lnRef idx="1">
+            <a:schemeClr val="accent6"/>
+          </a:lnRef>
+          <a:fillRef idx="2">
+            <a:schemeClr val="accent6"/>
+          </a:fillRef>
+          <a:effectRef idx="1">
+            <a:schemeClr val="accent6"/>
+          </a:effectRef>
+          <a:fontRef idx="minor">
+            <a:schemeClr val="dk1"/>
+          </a:fontRef>
+        </p:style>
+        <p:txBody>
+          <a:bodyPr rtlCol="0" anchor="ctr"/>
+          <a:lstStyle/>
+          <a:p>
+            <a:pPr algn="ctr"/>
+            <a:endParaRPr lang="en-US"/>
+          </a:p>
+        </p:txBody>
+      </p:sp>
+      <p:sp>
+        <p:nvSpPr>
+          <p:cNvPr id="28" name="Right Arrow 27"/>
+          <p:cNvSpPr/>
+          <p:nvPr/>
+        </p:nvSpPr>
+        <p:spPr>
+          <a:xfrm>
+            <a:off x="2069275" y="1576450"/>
+            <a:ext cx="1600200" cy="152400"/>
+          </a:xfrm>
+          <a:prstGeom prst="rightArrow">
+            <a:avLst/>
+          </a:prstGeom>
+        </p:spPr>
+        <p:style>
+          <a:lnRef idx="1">
+            <a:schemeClr val="accent6"/>
+          </a:lnRef>
+          <a:fillRef idx="2">
+            <a:schemeClr val="accent6"/>
+          </a:fillRef>
+          <a:effectRef idx="1">
+            <a:schemeClr val="accent6"/>
+          </a:effectRef>
+          <a:fontRef idx="minor">
+            <a:schemeClr val="dk1"/>
+          </a:fontRef>
+        </p:style>
+        <p:txBody>
+          <a:bodyPr rtlCol="0" anchor="ctr"/>
+          <a:lstStyle/>
+          <a:p>
+            <a:pPr algn="ctr"/>
+            <a:endParaRPr lang="en-US"/>
+          </a:p>
+        </p:txBody>
+      </p:sp>
+      <p:sp>
+        <p:nvSpPr>
+          <p:cNvPr id="29" name="Right Arrow 28"/>
+          <p:cNvSpPr/>
+          <p:nvPr/>
+        </p:nvSpPr>
+        <p:spPr>
+          <a:xfrm rot="827554">
+            <a:off x="2080903" y="1800628"/>
+            <a:ext cx="1600200" cy="152400"/>
+          </a:xfrm>
+          <a:prstGeom prst="rightArrow">
+            <a:avLst/>
+          </a:prstGeom>
+        </p:spPr>
+        <p:style>
+          <a:lnRef idx="1">
+            <a:schemeClr val="accent6"/>
+          </a:lnRef>
+          <a:fillRef idx="2">
+            <a:schemeClr val="accent6"/>
+          </a:fillRef>
+          <a:effectRef idx="1">
+            <a:schemeClr val="accent6"/>
+          </a:effectRef>
+          <a:fontRef idx="minor">
+            <a:schemeClr val="dk1"/>
+          </a:fontRef>
+        </p:style>
+        <p:txBody>
+          <a:bodyPr rtlCol="0" anchor="ctr"/>
+          <a:lstStyle/>
+          <a:p>
+            <a:pPr algn="ctr"/>
+            <a:endParaRPr lang="en-US"/>
+          </a:p>
+        </p:txBody>
+      </p:sp>
+      <p:pic>
+        <p:nvPicPr>
+          <p:cNvPr id="24" name="Picture 23" descr="0802pg25_f1.jpg"/>
+          <p:cNvPicPr>
+            <a:picLocks noChangeAspect="1"/>
+          </p:cNvPicPr>
+          <p:nvPr/>
+        </p:nvPicPr>
+        <p:blipFill>
+          <a:blip r:embed="rId3" cstate="print"/>
+          <a:stretch>
+            <a:fillRect/>
+          </a:stretch>
+        </p:blipFill>
+        <p:spPr>
+          <a:xfrm>
+            <a:off x="211775" y="838200"/>
+            <a:ext cx="1981200" cy="1981200"/>
+          </a:xfrm>
+          <a:prstGeom prst="rect">
+            <a:avLst/>
+          </a:prstGeom>
+        </p:spPr>
+      </p:pic>
+      <p:sp>
+        <p:nvSpPr>
+          <p:cNvPr id="33" name="Right Arrow 32"/>
+          <p:cNvSpPr/>
+          <p:nvPr/>
+        </p:nvSpPr>
+        <p:spPr>
+          <a:xfrm>
+            <a:off x="1825169" y="4009311"/>
+            <a:ext cx="1671786" cy="174869"/>
+          </a:xfrm>
+          <a:prstGeom prst="rightArrow">
+            <a:avLst/>
+          </a:prstGeom>
+        </p:spPr>
+        <p:style>
+          <a:lnRef idx="1">
+            <a:schemeClr val="accent6"/>
+          </a:lnRef>
+          <a:fillRef idx="2">
+            <a:schemeClr val="accent6"/>
+          </a:fillRef>
+          <a:effectRef idx="1">
+            <a:schemeClr val="accent6"/>
+          </a:effectRef>
+          <a:fontRef idx="minor">
+            <a:schemeClr val="dk1"/>
+          </a:fontRef>
+        </p:style>
+        <p:txBody>
+          <a:bodyPr rtlCol="0" anchor="ctr"/>
+          <a:lstStyle/>
+          <a:p>
+            <a:pPr algn="ctr"/>
+            <a:endParaRPr lang="en-US"/>
+          </a:p>
+        </p:txBody>
+      </p:sp>
+      <p:sp>
+        <p:nvSpPr>
+          <p:cNvPr id="30" name="Oval 29"/>
+          <p:cNvSpPr/>
+          <p:nvPr/>
+        </p:nvSpPr>
+        <p:spPr>
+          <a:xfrm>
+            <a:off x="381000" y="3669475"/>
+            <a:ext cx="1905000" cy="914400"/>
+          </a:xfrm>
+          <a:prstGeom prst="ellipse">
+            <a:avLst/>
+          </a:prstGeom>
+        </p:spPr>
+        <p:style>
+          <a:lnRef idx="1">
+            <a:schemeClr val="accent2"/>
+          </a:lnRef>
+          <a:fillRef idx="3">
+            <a:schemeClr val="accent2"/>
+          </a:fillRef>
+          <a:effectRef idx="2">
+            <a:schemeClr val="accent2"/>
+          </a:effectRef>
+          <a:fontRef idx="minor">
+            <a:schemeClr val="lt1"/>
+          </a:fontRef>
+        </p:style>
+        <p:txBody>
+          <a:bodyPr rtlCol="0" anchor="ctr"/>
+          <a:lstStyle/>
+          <a:p>
+            <a:pPr algn="ctr"/>
+            <a:r>
+              <a:rPr lang="en-US" dirty="0" smtClean="0"/>
+              <a:t>Darlington Motor Driver </a:t>
+            </a:r>
+            <a:endParaRPr lang="en-US" dirty="0"/>
+          </a:p>
+        </p:txBody>
+      </p:sp>
+      <p:sp>
+        <p:nvSpPr>
+          <p:cNvPr id="34" name="Right Arrow 33"/>
+          <p:cNvSpPr/>
+          <p:nvPr/>
+        </p:nvSpPr>
+        <p:spPr>
+          <a:xfrm rot="18767969">
+            <a:off x="2539396" y="5793034"/>
+            <a:ext cx="1671786" cy="174869"/>
+          </a:xfrm>
+          <a:prstGeom prst="rightArrow">
+            <a:avLst/>
+          </a:prstGeom>
+        </p:spPr>
+        <p:style>
+          <a:lnRef idx="1">
+            <a:schemeClr val="accent6"/>
+          </a:lnRef>
+          <a:fillRef idx="2">
+            <a:schemeClr val="accent6"/>
+          </a:fillRef>
+          <a:effectRef idx="1">
+            <a:schemeClr val="accent6"/>
+          </a:effectRef>
+          <a:fontRef idx="minor">
+            <a:schemeClr val="dk1"/>
+          </a:fontRef>
+        </p:style>
+        <p:txBody>
+          <a:bodyPr rtlCol="0" anchor="ctr"/>
+          <a:lstStyle/>
+          <a:p>
+            <a:pPr algn="ctr"/>
+            <a:endParaRPr lang="en-US"/>
+          </a:p>
+        </p:txBody>
+      </p:sp>
+      <p:sp>
+        <p:nvSpPr>
+          <p:cNvPr id="31" name="Oval 30"/>
+          <p:cNvSpPr/>
+          <p:nvPr/>
+        </p:nvSpPr>
+        <p:spPr>
+          <a:xfrm>
+            <a:off x="1905000" y="5884225"/>
+            <a:ext cx="1905000" cy="914400"/>
+          </a:xfrm>
+          <a:prstGeom prst="ellipse">
+            <a:avLst/>
+          </a:prstGeom>
+        </p:spPr>
+        <p:style>
+          <a:lnRef idx="1">
+            <a:schemeClr val="accent2"/>
+          </a:lnRef>
+          <a:fillRef idx="3">
+            <a:schemeClr val="accent2"/>
+          </a:fillRef>
+          <a:effectRef idx="2">
+            <a:schemeClr val="accent2"/>
+          </a:effectRef>
+          <a:fontRef idx="minor">
+            <a:schemeClr val="lt1"/>
+          </a:fontRef>
+        </p:style>
+        <p:txBody>
+          <a:bodyPr rtlCol="0" anchor="ctr"/>
+          <a:lstStyle/>
+          <a:p>
+            <a:pPr algn="ctr"/>
+            <a:r>
+              <a:rPr lang="en-US" dirty="0" smtClean="0"/>
+              <a:t>USB-Serial Interface </a:t>
+            </a:r>
+            <a:endParaRPr lang="en-US" dirty="0"/>
+          </a:p>
+        </p:txBody>
+      </p:sp>
+      <p:sp>
+        <p:nvSpPr>
+          <p:cNvPr id="35" name="Right Arrow 34"/>
+          <p:cNvSpPr/>
+          <p:nvPr/>
+        </p:nvSpPr>
+        <p:spPr>
+          <a:xfrm rot="15270998">
+            <a:off x="4424518" y="5618264"/>
+            <a:ext cx="1671786" cy="174869"/>
+          </a:xfrm>
+          <a:prstGeom prst="rightArrow">
+            <a:avLst/>
+          </a:prstGeom>
+        </p:spPr>
+        <p:style>
+          <a:lnRef idx="1">
+            <a:schemeClr val="accent6"/>
+          </a:lnRef>
+          <a:fillRef idx="2">
+            <a:schemeClr val="accent6"/>
+          </a:fillRef>
+          <a:effectRef idx="1">
+            <a:schemeClr val="accent6"/>
+          </a:effectRef>
+          <a:fontRef idx="minor">
+            <a:schemeClr val="dk1"/>
+          </a:fontRef>
+        </p:style>
+        <p:txBody>
+          <a:bodyPr rtlCol="0" anchor="ctr"/>
+          <a:lstStyle/>
+          <a:p>
+            <a:pPr algn="ctr"/>
+            <a:endParaRPr lang="en-US"/>
+          </a:p>
+        </p:txBody>
+      </p:sp>
+      <p:sp>
+        <p:nvSpPr>
+          <p:cNvPr id="32" name="Oval 31"/>
+          <p:cNvSpPr/>
+          <p:nvPr/>
+        </p:nvSpPr>
+        <p:spPr>
+          <a:xfrm>
+            <a:off x="4467100" y="5896100"/>
+            <a:ext cx="1905000" cy="914400"/>
+          </a:xfrm>
+          <a:prstGeom prst="ellipse">
+            <a:avLst/>
+          </a:prstGeom>
+        </p:spPr>
+        <p:style>
+          <a:lnRef idx="1">
+            <a:schemeClr val="accent2"/>
+          </a:lnRef>
+          <a:fillRef idx="3">
+            <a:schemeClr val="accent2"/>
+          </a:fillRef>
+          <a:effectRef idx="2">
+            <a:schemeClr val="accent2"/>
+          </a:effectRef>
+          <a:fontRef idx="minor">
+            <a:schemeClr val="lt1"/>
+          </a:fontRef>
+        </p:style>
+        <p:txBody>
+          <a:bodyPr rtlCol="0" anchor="ctr"/>
+          <a:lstStyle/>
+          <a:p>
+            <a:pPr algn="ctr"/>
+            <a:r>
+              <a:rPr lang="en-US" dirty="0" smtClean="0"/>
+              <a:t>Debug Port LED</a:t>
+            </a:r>
+            <a:endParaRPr lang="en-US" dirty="0"/>
+          </a:p>
+        </p:txBody>
+      </p:sp>
+      <p:sp>
+        <p:nvSpPr>
+          <p:cNvPr id="36" name="Right Arrow 35"/>
+          <p:cNvSpPr/>
+          <p:nvPr/>
+        </p:nvSpPr>
+        <p:spPr>
+          <a:xfrm rot="10800000">
+            <a:off x="5586351" y="4723846"/>
+            <a:ext cx="1671786" cy="174869"/>
+          </a:xfrm>
+          <a:prstGeom prst="rightArrow">
+            <a:avLst/>
+          </a:prstGeom>
+        </p:spPr>
+        <p:style>
+          <a:lnRef idx="1">
+            <a:schemeClr val="accent6"/>
+          </a:lnRef>
+          <a:fillRef idx="2">
+            <a:schemeClr val="accent6"/>
+          </a:fillRef>
+          <a:effectRef idx="1">
+            <a:schemeClr val="accent6"/>
+          </a:effectRef>
+          <a:fontRef idx="minor">
+            <a:schemeClr val="dk1"/>
+          </a:fontRef>
+        </p:style>
+        <p:txBody>
+          <a:bodyPr rtlCol="0" anchor="ctr"/>
+          <a:lstStyle/>
+          <a:p>
+            <a:pPr algn="ctr"/>
+            <a:endParaRPr lang="en-US"/>
+          </a:p>
+        </p:txBody>
+      </p:sp>
+      <p:sp>
+        <p:nvSpPr>
+          <p:cNvPr id="26" name="Oval 25"/>
+          <p:cNvSpPr/>
+          <p:nvPr/>
+        </p:nvSpPr>
+        <p:spPr>
+          <a:xfrm>
+            <a:off x="6323555" y="4367150"/>
+            <a:ext cx="2057400" cy="914400"/>
+          </a:xfrm>
+          <a:prstGeom prst="ellipse">
+            <a:avLst/>
+          </a:prstGeom>
+        </p:spPr>
+        <p:style>
+          <a:lnRef idx="1">
+            <a:schemeClr val="accent2"/>
+          </a:lnRef>
+          <a:fillRef idx="3">
+            <a:schemeClr val="accent2"/>
+          </a:fillRef>
+          <a:effectRef idx="2">
+            <a:schemeClr val="accent2"/>
+          </a:effectRef>
+          <a:fontRef idx="minor">
+            <a:schemeClr val="lt1"/>
+          </a:fontRef>
+        </p:style>
+        <p:txBody>
+          <a:bodyPr rtlCol="0" anchor="ctr"/>
+          <a:lstStyle/>
+          <a:p>
+            <a:pPr algn="ctr"/>
+            <a:r>
+              <a:rPr lang="el-GR" dirty="0" smtClean="0"/>
+              <a:t>μ</a:t>
+            </a:r>
+            <a:r>
+              <a:rPr lang="en-US" dirty="0" smtClean="0"/>
+              <a:t>C </a:t>
+            </a:r>
+            <a:r>
+              <a:rPr lang="en-US" dirty="0" smtClean="0"/>
+              <a:t>Programming Port</a:t>
+            </a:r>
+            <a:endParaRPr lang="en-US" dirty="0"/>
+          </a:p>
+        </p:txBody>
+      </p:sp>
+      <p:sp>
+        <p:nvSpPr>
+          <p:cNvPr id="37" name="TextBox 36"/>
+          <p:cNvSpPr txBox="1"/>
+          <p:nvPr/>
+        </p:nvSpPr>
+        <p:spPr>
+          <a:xfrm>
+            <a:off x="228601" y="269175"/>
+            <a:ext cx="1905000" cy="646331"/>
+          </a:xfrm>
+          <a:prstGeom prst="rect">
+            <a:avLst/>
+          </a:prstGeom>
+          <a:noFill/>
+        </p:spPr>
+        <p:txBody>
+          <a:bodyPr wrap="square" rtlCol="0">
+            <a:spAutoFit/>
+          </a:bodyPr>
+          <a:lstStyle/>
+          <a:p>
+            <a:pPr algn="ctr"/>
+            <a:r>
+              <a:rPr lang="en-US" dirty="0" smtClean="0"/>
+              <a:t>Shaftless Vibration Motor</a:t>
+            </a:r>
+            <a:endParaRPr lang="en-US" dirty="0"/>
+          </a:p>
+        </p:txBody>
+      </p:sp>
+      <p:sp>
+        <p:nvSpPr>
+          <p:cNvPr id="38" name="Right Arrow 37"/>
+          <p:cNvSpPr/>
+          <p:nvPr/>
+        </p:nvSpPr>
+        <p:spPr>
+          <a:xfrm rot="9807424">
+            <a:off x="4943295" y="3282387"/>
+            <a:ext cx="1671786" cy="174869"/>
+          </a:xfrm>
+          <a:prstGeom prst="rightArrow">
+            <a:avLst/>
+          </a:prstGeom>
+        </p:spPr>
+        <p:style>
+          <a:lnRef idx="1">
+            <a:schemeClr val="accent6"/>
+          </a:lnRef>
+          <a:fillRef idx="2">
+            <a:schemeClr val="accent6"/>
+          </a:fillRef>
+          <a:effectRef idx="1">
+            <a:schemeClr val="accent6"/>
+          </a:effectRef>
+          <a:fontRef idx="minor">
+            <a:schemeClr val="dk1"/>
+          </a:fontRef>
+        </p:style>
+        <p:txBody>
+          <a:bodyPr rtlCol="0" anchor="ctr"/>
+          <a:lstStyle/>
+          <a:p>
+            <a:pPr algn="ctr"/>
+            <a:endParaRPr lang="en-US"/>
+          </a:p>
+        </p:txBody>
+      </p:sp>
+      <p:sp>
+        <p:nvSpPr>
+          <p:cNvPr id="25" name="Oval 24"/>
+          <p:cNvSpPr/>
+          <p:nvPr/>
+        </p:nvSpPr>
+        <p:spPr>
+          <a:xfrm>
+            <a:off x="6189025" y="2719450"/>
+            <a:ext cx="1905000" cy="914400"/>
+          </a:xfrm>
+          <a:prstGeom prst="ellipse">
+            <a:avLst/>
+          </a:prstGeom>
+        </p:spPr>
+        <p:style>
+          <a:lnRef idx="1">
+            <a:schemeClr val="accent2"/>
+          </a:lnRef>
+          <a:fillRef idx="3">
+            <a:schemeClr val="accent2"/>
+          </a:fillRef>
+          <a:effectRef idx="2">
+            <a:schemeClr val="accent2"/>
+          </a:effectRef>
+          <a:fontRef idx="minor">
+            <a:schemeClr val="lt1"/>
+          </a:fontRef>
+        </p:style>
+        <p:txBody>
+          <a:bodyPr rtlCol="0" anchor="ctr"/>
+          <a:lstStyle/>
+          <a:p>
+            <a:pPr algn="ctr"/>
+            <a:r>
+              <a:rPr lang="en-US" dirty="0" smtClean="0"/>
+              <a:t>Atmel ATmega168 </a:t>
+            </a:r>
+            <a:r>
+              <a:rPr lang="el-GR" dirty="0" smtClean="0"/>
+              <a:t>μ</a:t>
+            </a:r>
+            <a:r>
+              <a:rPr lang="en-US" dirty="0" smtClean="0"/>
+              <a:t>C </a:t>
+            </a:r>
+            <a:endParaRPr lang="en-US" dirty="0"/>
+          </a:p>
+        </p:txBody>
+      </p:sp>
+    </p:spTree>
+  </p:cSld>
+  <p:clrMapOvr>
+    <a:masterClrMapping/>
+  </p:clrMapOvr>
+  <p:timing>
+    <p:tnLst>
+      <p:par>
+        <p:cTn id="1" dur="indefinite" restart="never" nodeType="tmRoot">
+          <p:childTnLst>
+            <p:seq concurrent="1" nextAc="seek">
+              <p:cTn id="2" dur="indefinite" nodeType="mainSeq">
+                <p:childTnLst>
+                  <p:par>
+                    <p:cTn id="3" fill="hold">
+                      <p:stCondLst>
+                        <p:cond delay="indefinite"/>
+                        <p:cond evt="onBegin" delay="0">
+                          <p:tn val="2"/>
+                        </p:cond>
+                      </p:stCondLst>
+                      <p:childTnLst>
+                        <p:par>
+                          <p:cTn id="4" fill="hold">
+                            <p:stCondLst>
+                              <p:cond delay="0"/>
+                            </p:stCondLst>
+                            <p:childTnLst>
+                              <p:par>
+                                <p:cTn id="5" presetID="9" presetClass="entr" presetSubtype="0" fill="hold" nodeType="withEffect">
+                                  <p:stCondLst>
+                                    <p:cond delay="0"/>
+                                  </p:stCondLst>
+                                  <p:childTnLst>
+                                    <p:set>
+                                      <p:cBhvr>
+                                        <p:cTn id="6" dur="1" fill="hold">
+                                          <p:stCondLst>
+                                            <p:cond delay="0"/>
+                                          </p:stCondLst>
+                                        </p:cTn>
+                                        <p:tgtEl>
+                                          <p:spTgt spid="24"/>
+                                        </p:tgtEl>
+                                        <p:attrNameLst>
+                                          <p:attrName>style.visibility</p:attrName>
+                                        </p:attrNameLst>
+                                      </p:cBhvr>
+                                      <p:to>
+                                        <p:strVal val="visible"/>
+                                      </p:to>
+                                    </p:set>
+                                    <p:animEffect transition="in" filter="dissolve">
+                                      <p:cBhvr>
+                                        <p:cTn id="7" dur="500"/>
+                                        <p:tgtEl>
+                                          <p:spTgt spid="24"/>
+                                        </p:tgtEl>
+                                      </p:cBhvr>
+                                    </p:animEffect>
+                                  </p:childTnLst>
+                                </p:cTn>
+                              </p:par>
+                            </p:childTnLst>
+                          </p:cTn>
+                        </p:par>
+                      </p:childTnLst>
+                    </p:cTn>
+                  </p:par>
+                </p:childTnLst>
+              </p:cTn>
+              <p:prevCondLst>
+                <p:cond evt="onPrev" delay="0">
+                  <p:tgtEl>
+                    <p:sldTgt/>
+                  </p:tgtEl>
+                </p:cond>
+              </p:prevCondLst>
+              <p:nextCondLst>
+                <p:cond evt="onNext" delay="0">
+                  <p:tgtEl>
+                    <p:sldTgt/>
+                  </p:tgtEl>
+                </p:cond>
+              </p:nextCondLst>
+            </p:seq>
+          </p:childTnLst>
+        </p:cTn>
+      </p:par>
+    </p:tnLst>
+  </p:timing>
+</p:sld>
+</file>
+
+<file path=ppt/slides/slide9.xml><?xml version="1.0" encoding="utf-8"?>
+<p:sld xmlns:a="http://schemas.openxmlformats.org/drawingml/2006/main" xmlns:r="http://schemas.openxmlformats.org/officeDocument/2006/relationships" xmlns:p="http://schemas.openxmlformats.org/presentationml/2006/main">
+  <p:cSld>
+    <p:spTree>
+      <p:nvGrpSpPr>
+        <p:cNvPr id="1" name=""/>
+        <p:cNvGrpSpPr/>
+        <p:nvPr/>
+      </p:nvGrpSpPr>
+      <p:grpSpPr>
+        <a:xfrm>
+          <a:off x="0" y="0"/>
+          <a:ext cx="0" cy="0"/>
+          <a:chOff x="0" y="0"/>
+          <a:chExt cx="0" cy="0"/>
+        </a:xfrm>
+      </p:grpSpPr>
+      <p:sp>
+        <p:nvSpPr>
+          <p:cNvPr id="4" name="Rounded Rectangle 3"/>
+          <p:cNvSpPr/>
+          <p:nvPr/>
+        </p:nvSpPr>
+        <p:spPr>
+          <a:xfrm>
+            <a:off x="3733800" y="2209801"/>
+            <a:ext cx="533400" cy="838201"/>
+          </a:xfrm>
+          <a:prstGeom prst="roundRect">
+            <a:avLst/>
+          </a:prstGeom>
+        </p:spPr>
+        <p:style>
+          <a:lnRef idx="1">
+            <a:schemeClr val="accent2"/>
+          </a:lnRef>
+          <a:fillRef idx="3">
+            <a:schemeClr val="accent2"/>
+          </a:fillRef>
+          <a:effectRef idx="2">
+            <a:schemeClr val="accent2"/>
+          </a:effectRef>
+          <a:fontRef idx="minor">
+            <a:schemeClr val="lt1"/>
+          </a:fontRef>
+        </p:style>
+        <p:txBody>
+          <a:bodyPr vert="vert" rtlCol="0" anchor="ctr"/>
+          <a:lstStyle/>
+          <a:p>
+            <a:pPr algn="ctr"/>
+            <a:r>
+              <a:rPr lang="el-GR" dirty="0" smtClean="0">
+                <a:latin typeface="Times" pitchFamily="18" charset="0"/>
+                <a:cs typeface="Times" pitchFamily="18" charset="0"/>
+              </a:rPr>
+              <a:t>μ</a:t>
+            </a:r>
+            <a:r>
+              <a:rPr lang="en-US" dirty="0" smtClean="0">
+                <a:latin typeface="Times" pitchFamily="18" charset="0"/>
+                <a:cs typeface="Times" pitchFamily="18" charset="0"/>
+              </a:rPr>
+              <a:t>C</a:t>
+            </a:r>
+            <a:endParaRPr lang="en-US" dirty="0">
+              <a:latin typeface="Times" pitchFamily="18" charset="0"/>
+              <a:cs typeface="Times" pitchFamily="18" charset="0"/>
+            </a:endParaRPr>
+          </a:p>
+        </p:txBody>
+      </p:sp>
+      <p:pic>
+        <p:nvPicPr>
+          <p:cNvPr id="5" name="Picture 4" descr="Screenshot.bmp"/>
+          <p:cNvPicPr>
+            <a:picLocks noChangeAspect="1"/>
+          </p:cNvPicPr>
+          <p:nvPr/>
+        </p:nvPicPr>
+        <p:blipFill>
+          <a:blip r:embed="rId2" cstate="print"/>
+          <a:stretch>
+            <a:fillRect/>
+          </a:stretch>
+        </p:blipFill>
+        <p:spPr>
+          <a:xfrm>
+            <a:off x="3733801" y="762001"/>
+            <a:ext cx="2895600" cy="1269303"/>
+          </a:xfrm>
+          <a:prstGeom prst="rect">
+            <a:avLst/>
+          </a:prstGeom>
+          <a:noFill/>
+          <a:ln>
+            <a:noFill/>
+          </a:ln>
+        </p:spPr>
+      </p:pic>
+      <p:sp>
+        <p:nvSpPr>
+          <p:cNvPr id="6" name="Rounded Rectangle 5"/>
+          <p:cNvSpPr/>
+          <p:nvPr/>
+        </p:nvSpPr>
+        <p:spPr>
+          <a:xfrm rot="16200000">
+            <a:off x="4610100" y="2171700"/>
+            <a:ext cx="838200" cy="914400"/>
+          </a:xfrm>
+          <a:prstGeom prst="roundRect">
+            <a:avLst/>
+          </a:prstGeom>
+        </p:spPr>
+        <p:style>
+          <a:lnRef idx="1">
+            <a:schemeClr val="accent1"/>
+          </a:lnRef>
+          <a:fillRef idx="3">
+            <a:schemeClr val="accent1"/>
+          </a:fillRef>
+          <a:effectRef idx="2">
+            <a:schemeClr val="accent1"/>
+          </a:effectRef>
+          <a:fontRef idx="minor">
+            <a:schemeClr val="lt1"/>
+          </a:fontRef>
+        </p:style>
+        <p:txBody>
+          <a:bodyPr vert="vert" rtlCol="0" anchor="ctr"/>
+          <a:lstStyle/>
+          <a:p>
+            <a:pPr algn="ctr"/>
+            <a:r>
+              <a:rPr lang="en-US" sz="1400" dirty="0" smtClean="0">
+                <a:latin typeface="Times" pitchFamily="18" charset="0"/>
+                <a:cs typeface="Times" pitchFamily="18" charset="0"/>
+              </a:rPr>
+              <a:t>USB to Virtual Serial</a:t>
+            </a:r>
+            <a:endParaRPr lang="en-US" sz="1400" dirty="0">
+              <a:latin typeface="Times" pitchFamily="18" charset="0"/>
+              <a:cs typeface="Times" pitchFamily="18" charset="0"/>
+            </a:endParaRPr>
+          </a:p>
+        </p:txBody>
+      </p:sp>
+      <p:sp>
+        <p:nvSpPr>
+          <p:cNvPr id="7" name="Rounded Rectangle 6"/>
+          <p:cNvSpPr/>
+          <p:nvPr/>
+        </p:nvSpPr>
+        <p:spPr>
+          <a:xfrm rot="16200000">
+            <a:off x="5900738" y="2233614"/>
+            <a:ext cx="609600" cy="847725"/>
+          </a:xfrm>
+          <a:prstGeom prst="roundRect">
+            <a:avLst/>
+          </a:prstGeom>
+        </p:spPr>
+        <p:style>
+          <a:lnRef idx="1">
+            <a:schemeClr val="accent4"/>
+          </a:lnRef>
+          <a:fillRef idx="3">
+            <a:schemeClr val="accent4"/>
+          </a:fillRef>
+          <a:effectRef idx="2">
+            <a:schemeClr val="accent4"/>
+          </a:effectRef>
+          <a:fontRef idx="minor">
+            <a:schemeClr val="lt1"/>
+          </a:fontRef>
+        </p:style>
+        <p:txBody>
+          <a:bodyPr vert="vert" rtlCol="0" anchor="ctr"/>
+          <a:lstStyle/>
+          <a:p>
+            <a:pPr algn="ctr"/>
+            <a:r>
+              <a:rPr lang="en-US" sz="1400" dirty="0" smtClean="0">
+                <a:latin typeface="Times" pitchFamily="18" charset="0"/>
+                <a:cs typeface="Times" pitchFamily="18" charset="0"/>
+              </a:rPr>
+              <a:t>Serial port</a:t>
+            </a:r>
+            <a:endParaRPr lang="en-US" sz="1400" dirty="0">
+              <a:latin typeface="Times" pitchFamily="18" charset="0"/>
+              <a:cs typeface="Times" pitchFamily="18" charset="0"/>
+            </a:endParaRPr>
+          </a:p>
+        </p:txBody>
+      </p:sp>
+      <p:sp>
+        <p:nvSpPr>
+          <p:cNvPr id="8" name="Rounded Rectangle 7"/>
+          <p:cNvSpPr/>
+          <p:nvPr/>
+        </p:nvSpPr>
+        <p:spPr>
+          <a:xfrm rot="16200000">
+            <a:off x="2717007" y="2350294"/>
+            <a:ext cx="533400" cy="785815"/>
+          </a:xfrm>
+          <a:prstGeom prst="roundRect">
+            <a:avLst/>
+          </a:prstGeom>
+        </p:spPr>
+        <p:style>
+          <a:lnRef idx="1">
+            <a:schemeClr val="accent6"/>
+          </a:lnRef>
+          <a:fillRef idx="2">
+            <a:schemeClr val="accent6"/>
+          </a:fillRef>
+          <a:effectRef idx="1">
+            <a:schemeClr val="accent6"/>
+          </a:effectRef>
+          <a:fontRef idx="minor">
+            <a:schemeClr val="dk1"/>
+          </a:fontRef>
+        </p:style>
+        <p:txBody>
+          <a:bodyPr vert="vert" rtlCol="0" anchor="ctr"/>
+          <a:lstStyle/>
+          <a:p>
+            <a:pPr algn="ctr"/>
+            <a:r>
+              <a:rPr lang="en-US" sz="1600" dirty="0" smtClean="0">
+                <a:latin typeface="Times" pitchFamily="18" charset="0"/>
+                <a:cs typeface="Times" pitchFamily="18" charset="0"/>
+              </a:rPr>
+              <a:t>Motor Driver</a:t>
+            </a:r>
+            <a:endParaRPr lang="en-US" sz="1600" dirty="0">
+              <a:latin typeface="Times" pitchFamily="18" charset="0"/>
+              <a:cs typeface="Times" pitchFamily="18" charset="0"/>
+            </a:endParaRPr>
+          </a:p>
+        </p:txBody>
+      </p:sp>
+      <p:pic>
+        <p:nvPicPr>
+          <p:cNvPr id="9" name="Picture 2" descr="steven1"/>
+          <p:cNvPicPr>
+            <a:picLocks noChangeAspect="1" noChangeArrowheads="1"/>
+          </p:cNvPicPr>
+          <p:nvPr/>
+        </p:nvPicPr>
+        <p:blipFill>
+          <a:blip r:embed="rId3" cstate="print">
+            <a:lum bright="20000"/>
+          </a:blip>
+          <a:srcRect l="17768" t="10849" r="9363" b="9039"/>
+          <a:stretch>
+            <a:fillRect/>
+          </a:stretch>
+        </p:blipFill>
+        <p:spPr bwMode="auto">
+          <a:xfrm>
+            <a:off x="2590802" y="819150"/>
+            <a:ext cx="1001751" cy="1466850"/>
+          </a:xfrm>
+          <a:prstGeom prst="rect">
+            <a:avLst/>
+          </a:prstGeom>
+          <a:noFill/>
+          <a:ln>
+            <a:noFill/>
+          </a:ln>
+        </p:spPr>
+      </p:pic>
+      <p:sp>
+        <p:nvSpPr>
+          <p:cNvPr id="10" name="Down Arrow 9"/>
+          <p:cNvSpPr/>
+          <p:nvPr/>
+        </p:nvSpPr>
+        <p:spPr>
+          <a:xfrm>
+            <a:off x="6076950" y="2076450"/>
+            <a:ext cx="228600" cy="228600"/>
+          </a:xfrm>
+          <a:prstGeom prst="downArrow">
+            <a:avLst/>
+          </a:prstGeom>
+        </p:spPr>
+        <p:style>
+          <a:lnRef idx="2">
+            <a:schemeClr val="accent2"/>
+          </a:lnRef>
+          <a:fillRef idx="1">
+            <a:schemeClr val="lt1"/>
+          </a:fillRef>
+          <a:effectRef idx="0">
+            <a:schemeClr val="accent2"/>
+          </a:effectRef>
+          <a:fontRef idx="minor">
+            <a:schemeClr val="dk1"/>
+          </a:fontRef>
+        </p:style>
+        <p:txBody>
+          <a:bodyPr rtlCol="0" anchor="ctr"/>
+          <a:lstStyle/>
+          <a:p>
+            <a:pPr algn="ctr"/>
+            <a:endParaRPr lang="en-US">
+              <a:latin typeface="Times" pitchFamily="18" charset="0"/>
+              <a:cs typeface="Times" pitchFamily="18" charset="0"/>
+            </a:endParaRPr>
+          </a:p>
+        </p:txBody>
+      </p:sp>
+      <p:sp>
+        <p:nvSpPr>
+          <p:cNvPr id="11" name="Left Arrow 10"/>
+          <p:cNvSpPr/>
+          <p:nvPr/>
+        </p:nvSpPr>
+        <p:spPr>
+          <a:xfrm>
+            <a:off x="5495925" y="2514600"/>
+            <a:ext cx="228600" cy="228600"/>
+          </a:xfrm>
+          <a:prstGeom prst="leftArrow">
+            <a:avLst/>
+          </a:prstGeom>
+        </p:spPr>
+        <p:style>
+          <a:lnRef idx="2">
+            <a:schemeClr val="accent2"/>
+          </a:lnRef>
+          <a:fillRef idx="1">
+            <a:schemeClr val="lt1"/>
+          </a:fillRef>
+          <a:effectRef idx="0">
+            <a:schemeClr val="accent2"/>
+          </a:effectRef>
+          <a:fontRef idx="minor">
+            <a:schemeClr val="dk1"/>
+          </a:fontRef>
+        </p:style>
+        <p:txBody>
+          <a:bodyPr rtlCol="0" anchor="ctr"/>
+          <a:lstStyle/>
+          <a:p>
+            <a:pPr algn="ctr"/>
+            <a:endParaRPr lang="en-US">
+              <a:latin typeface="Times" pitchFamily="18" charset="0"/>
+              <a:cs typeface="Times" pitchFamily="18" charset="0"/>
+            </a:endParaRPr>
+          </a:p>
+        </p:txBody>
+      </p:sp>
+      <p:sp>
+        <p:nvSpPr>
+          <p:cNvPr id="12" name="Left Arrow 11"/>
+          <p:cNvSpPr/>
+          <p:nvPr/>
+        </p:nvSpPr>
+        <p:spPr>
+          <a:xfrm>
+            <a:off x="4295775" y="2500311"/>
+            <a:ext cx="228600" cy="228600"/>
+          </a:xfrm>
+          <a:prstGeom prst="leftArrow">
+            <a:avLst/>
+          </a:prstGeom>
+        </p:spPr>
+        <p:style>
+          <a:lnRef idx="2">
+            <a:schemeClr val="accent2"/>
+          </a:lnRef>
+          <a:fillRef idx="1">
+            <a:schemeClr val="lt1"/>
+          </a:fillRef>
+          <a:effectRef idx="0">
+            <a:schemeClr val="accent2"/>
+          </a:effectRef>
+          <a:fontRef idx="minor">
+            <a:schemeClr val="dk1"/>
+          </a:fontRef>
+        </p:style>
+        <p:txBody>
+          <a:bodyPr rtlCol="0" anchor="ctr"/>
+          <a:lstStyle/>
+          <a:p>
+            <a:pPr algn="ctr"/>
+            <a:endParaRPr lang="en-US">
+              <a:latin typeface="Times" pitchFamily="18" charset="0"/>
+              <a:cs typeface="Times" pitchFamily="18" charset="0"/>
+            </a:endParaRPr>
+          </a:p>
+        </p:txBody>
+      </p:sp>
+      <p:sp>
+        <p:nvSpPr>
+          <p:cNvPr id="13" name="Left Arrow 12"/>
+          <p:cNvSpPr/>
+          <p:nvPr/>
+        </p:nvSpPr>
+        <p:spPr>
+          <a:xfrm>
+            <a:off x="3429000" y="2628900"/>
+            <a:ext cx="228600" cy="228600"/>
+          </a:xfrm>
+          <a:prstGeom prst="leftArrow">
+            <a:avLst/>
+          </a:prstGeom>
+        </p:spPr>
+        <p:style>
+          <a:lnRef idx="2">
+            <a:schemeClr val="accent2"/>
+          </a:lnRef>
+          <a:fillRef idx="1">
+            <a:schemeClr val="lt1"/>
+          </a:fillRef>
+          <a:effectRef idx="0">
+            <a:schemeClr val="accent2"/>
+          </a:effectRef>
+          <a:fontRef idx="minor">
+            <a:schemeClr val="dk1"/>
+          </a:fontRef>
+        </p:style>
+        <p:txBody>
+          <a:bodyPr rtlCol="0" anchor="ctr"/>
+          <a:lstStyle/>
+          <a:p>
+            <a:pPr algn="ctr"/>
+            <a:endParaRPr lang="en-US">
+              <a:latin typeface="Times" pitchFamily="18" charset="0"/>
+              <a:cs typeface="Times" pitchFamily="18" charset="0"/>
+            </a:endParaRPr>
+          </a:p>
+        </p:txBody>
+      </p:sp>
+      <p:sp>
+        <p:nvSpPr>
+          <p:cNvPr id="14" name="Up Arrow 13"/>
+          <p:cNvSpPr/>
+          <p:nvPr/>
+        </p:nvSpPr>
+        <p:spPr>
+          <a:xfrm>
+            <a:off x="3009900" y="2238374"/>
+            <a:ext cx="228600" cy="214311"/>
+          </a:xfrm>
+          <a:prstGeom prst="upArrow">
+            <a:avLst/>
+          </a:prstGeom>
+        </p:spPr>
+        <p:style>
+          <a:lnRef idx="2">
+            <a:schemeClr val="accent2"/>
+          </a:lnRef>
+          <a:fillRef idx="1">
+            <a:schemeClr val="lt1"/>
+          </a:fillRef>
+          <a:effectRef idx="0">
+            <a:schemeClr val="accent2"/>
+          </a:effectRef>
+          <a:fontRef idx="minor">
+            <a:schemeClr val="dk1"/>
+          </a:fontRef>
+        </p:style>
+        <p:txBody>
+          <a:bodyPr rtlCol="0" anchor="ctr"/>
+          <a:lstStyle/>
+          <a:p>
+            <a:pPr algn="ctr"/>
+            <a:endParaRPr lang="en-US">
+              <a:latin typeface="Times" pitchFamily="18" charset="0"/>
+              <a:cs typeface="Times" pitchFamily="18" charset="0"/>
+            </a:endParaRPr>
+          </a:p>
+        </p:txBody>
+      </p:sp>
+    </p:spTree>
+  </p:cSld>
+  <p:clrMapOvr>
+    <a:masterClrMapping/>
+  </p:clrMapOvr>
+  <p:timing>
+    <p:tnLst>
+      <p:par>
+        <p:cTn id="1" dur="indefinite" restart="never" nodeType="tmRoot">
+          <p:childTnLst>
+            <p:seq concurrent="1" nextAc="seek">
+              <p:cTn id="2" dur="indefinite" nodeType="mainSeq">
+                <p:childTnLst>
+                  <p:par>
+                    <p:cTn id="3" fill="hold">
+                      <p:stCondLst>
+                        <p:cond delay="indefinite"/>
+                      </p:stCondLst>
+                      <p:childTnLst>
+                        <p:par>
+                          <p:cTn id="4" fill="hold">
+                            <p:stCondLst>
+                              <p:cond delay="0"/>
+                            </p:stCondLst>
+                            <p:childTnLst>
+                              <p:par>
+                                <p:cTn id="5" presetID="9" presetClass="entr" presetSubtype="0" fill="hold" nodeType="clickEffect">
+                                  <p:stCondLst>
+                                    <p:cond delay="0"/>
+                                  </p:stCondLst>
+                                  <p:childTnLst>
+                                    <p:set>
+                                      <p:cBhvr>
+                                        <p:cTn id="6" dur="1" fill="hold">
+                                          <p:stCondLst>
+                                            <p:cond delay="0"/>
+                                          </p:stCondLst>
+                                        </p:cTn>
+                                        <p:tgtEl>
+                                          <p:spTgt spid="5"/>
+                                        </p:tgtEl>
+                                        <p:attrNameLst>
+                                          <p:attrName>style.visibility</p:attrName>
+                                        </p:attrNameLst>
+                                      </p:cBhvr>
+                                      <p:to>
+                                        <p:strVal val="visible"/>
+                                      </p:to>
+                                    </p:set>
+                                    <p:animEffect transition="in" filter="dissolve">
+                                      <p:cBhvr>
+                                        <p:cTn id="7" dur="500"/>
+                                        <p:tgtEl>
+                                          <p:spTgt spid="5"/>
+                                        </p:tgtEl>
+                                      </p:cBhvr>
+                                    </p:animEffect>
+                                  </p:childTnLst>
+                                </p:cTn>
+                              </p:par>
+                            </p:childTnLst>
+                          </p:cTn>
+                        </p:par>
+                      </p:childTnLst>
+                    </p:cTn>
+                  </p:par>
+                </p:childTnLst>
+              </p:cTn>
+              <p:prevCondLst>
+                <p:cond evt="onPrev" delay="0">
+                  <p:tgtEl>
+                    <p:sldTgt/>
+                  </p:tgtEl>
+                </p:cond>
+              </p:prevCondLst>
+              <p:nextCondLst>
+                <p:cond evt="onNext" delay="0">
+                  <p:tgtEl>
+                    <p:sldTgt/>
+                  </p:tgtEl>
+                </p:cond>
+              </p:nextCondLst>
+            </p:seq>
+          </p:childTnLst>
+        </p:cTn>
+      </p:par>
+    </p:tnLst>
+  </p:timing>
+</p:sld>
+</file>
+
 <file path=ppt/theme/theme1.xml><?xml version="1.0" encoding="utf-8"?>
 <a:theme xmlns:a="http://schemas.openxmlformats.org/drawingml/2006/main" name="Office Theme">
   <a:themeElements>

--- a/trunk/ haptic-glove --username sreekar/CHi 2010/Presentation1.pptx
+++ b/trunk/ haptic-glove --username sreekar/CHi 2010/Presentation1.pptx
@@ -14,6 +14,7 @@
     <p:sldId id="262" r:id="rId8"/>
     <p:sldId id="263" r:id="rId9"/>
     <p:sldId id="264" r:id="rId10"/>
+    <p:sldId id="265" r:id="rId11"/>
   </p:sldIdLst>
   <p:sldSz cx="9144000" cy="6858000" type="screen4x3"/>
   <p:notesSz cx="6858000" cy="9144000"/>
@@ -208,11 +209,11 @@
             </c:numRef>
           </c:val>
         </c:ser>
-        <c:axId val="116997120"/>
-        <c:axId val="117379840"/>
+        <c:axId val="112045056"/>
+        <c:axId val="112050944"/>
       </c:barChart>
       <c:catAx>
-        <c:axId val="116997120"/>
+        <c:axId val="112045056"/>
         <c:scaling>
           <c:orientation val="minMax"/>
         </c:scaling>
@@ -220,14 +221,14 @@
         <c:axPos val="b"/>
         <c:numFmt formatCode="General" sourceLinked="1"/>
         <c:tickLblPos val="none"/>
-        <c:crossAx val="117379840"/>
+        <c:crossAx val="112050944"/>
         <c:crosses val="autoZero"/>
         <c:auto val="1"/>
         <c:lblAlgn val="ctr"/>
         <c:lblOffset val="100"/>
       </c:catAx>
       <c:valAx>
-        <c:axId val="117379840"/>
+        <c:axId val="112050944"/>
         <c:scaling>
           <c:orientation val="minMax"/>
         </c:scaling>
@@ -235,7 +236,7 @@
         <c:majorGridlines/>
         <c:numFmt formatCode="General" sourceLinked="1"/>
         <c:tickLblPos val="nextTo"/>
-        <c:crossAx val="116997120"/>
+        <c:crossAx val="112045056"/>
         <c:crosses val="autoZero"/>
         <c:crossBetween val="between"/>
       </c:valAx>
@@ -438,7 +439,7 @@
             <a:fld id="{8F2A4929-EF13-4500-9AB4-448222E3102A}" type="datetimeFigureOut">
               <a:rPr lang="en-US" smtClean="0"/>
               <a:pPr/>
-              <a:t>1/1/2010</a:t>
+              <a:t>1/2/2010</a:t>
             </a:fld>
             <a:endParaRPr lang="en-US"/>
           </a:p>
@@ -605,7 +606,7 @@
             <a:fld id="{8F2A4929-EF13-4500-9AB4-448222E3102A}" type="datetimeFigureOut">
               <a:rPr lang="en-US" smtClean="0"/>
               <a:pPr/>
-              <a:t>1/1/2010</a:t>
+              <a:t>1/2/2010</a:t>
             </a:fld>
             <a:endParaRPr lang="en-US"/>
           </a:p>
@@ -782,7 +783,7 @@
             <a:fld id="{8F2A4929-EF13-4500-9AB4-448222E3102A}" type="datetimeFigureOut">
               <a:rPr lang="en-US" smtClean="0"/>
               <a:pPr/>
-              <a:t>1/1/2010</a:t>
+              <a:t>1/2/2010</a:t>
             </a:fld>
             <a:endParaRPr lang="en-US"/>
           </a:p>
@@ -949,7 +950,7 @@
             <a:fld id="{8F2A4929-EF13-4500-9AB4-448222E3102A}" type="datetimeFigureOut">
               <a:rPr lang="en-US" smtClean="0"/>
               <a:pPr/>
-              <a:t>1/1/2010</a:t>
+              <a:t>1/2/2010</a:t>
             </a:fld>
             <a:endParaRPr lang="en-US"/>
           </a:p>
@@ -1192,7 +1193,7 @@
             <a:fld id="{8F2A4929-EF13-4500-9AB4-448222E3102A}" type="datetimeFigureOut">
               <a:rPr lang="en-US" smtClean="0"/>
               <a:pPr/>
-              <a:t>1/1/2010</a:t>
+              <a:t>1/2/2010</a:t>
             </a:fld>
             <a:endParaRPr lang="en-US"/>
           </a:p>
@@ -1477,7 +1478,7 @@
             <a:fld id="{8F2A4929-EF13-4500-9AB4-448222E3102A}" type="datetimeFigureOut">
               <a:rPr lang="en-US" smtClean="0"/>
               <a:pPr/>
-              <a:t>1/1/2010</a:t>
+              <a:t>1/2/2010</a:t>
             </a:fld>
             <a:endParaRPr lang="en-US"/>
           </a:p>
@@ -1896,7 +1897,7 @@
             <a:fld id="{8F2A4929-EF13-4500-9AB4-448222E3102A}" type="datetimeFigureOut">
               <a:rPr lang="en-US" smtClean="0"/>
               <a:pPr/>
-              <a:t>1/1/2010</a:t>
+              <a:t>1/2/2010</a:t>
             </a:fld>
             <a:endParaRPr lang="en-US"/>
           </a:p>
@@ -2011,7 +2012,7 @@
             <a:fld id="{8F2A4929-EF13-4500-9AB4-448222E3102A}" type="datetimeFigureOut">
               <a:rPr lang="en-US" smtClean="0"/>
               <a:pPr/>
-              <a:t>1/1/2010</a:t>
+              <a:t>1/2/2010</a:t>
             </a:fld>
             <a:endParaRPr lang="en-US"/>
           </a:p>
@@ -2103,7 +2104,7 @@
             <a:fld id="{8F2A4929-EF13-4500-9AB4-448222E3102A}" type="datetimeFigureOut">
               <a:rPr lang="en-US" smtClean="0"/>
               <a:pPr/>
-              <a:t>1/1/2010</a:t>
+              <a:t>1/2/2010</a:t>
             </a:fld>
             <a:endParaRPr lang="en-US"/>
           </a:p>
@@ -2377,7 +2378,7 @@
             <a:fld id="{8F2A4929-EF13-4500-9AB4-448222E3102A}" type="datetimeFigureOut">
               <a:rPr lang="en-US" smtClean="0"/>
               <a:pPr/>
-              <a:t>1/1/2010</a:t>
+              <a:t>1/2/2010</a:t>
             </a:fld>
             <a:endParaRPr lang="en-US"/>
           </a:p>
@@ -2627,7 +2628,7 @@
             <a:fld id="{8F2A4929-EF13-4500-9AB4-448222E3102A}" type="datetimeFigureOut">
               <a:rPr lang="en-US" smtClean="0"/>
               <a:pPr/>
-              <a:t>1/1/2010</a:t>
+              <a:t>1/2/2010</a:t>
             </a:fld>
             <a:endParaRPr lang="en-US"/>
           </a:p>
@@ -2837,7 +2838,7 @@
             <a:fld id="{8F2A4929-EF13-4500-9AB4-448222E3102A}" type="datetimeFigureOut">
               <a:rPr lang="en-US" smtClean="0"/>
               <a:pPr/>
-              <a:t>1/1/2010</a:t>
+              <a:t>1/2/2010</a:t>
             </a:fld>
             <a:endParaRPr lang="en-US"/>
           </a:p>
@@ -4473,6 +4474,1326 @@
 </p:sld>
 </file>
 
+<file path=ppt/slides/slide10.xml><?xml version="1.0" encoding="utf-8"?>
+<p:sld xmlns:a="http://schemas.openxmlformats.org/drawingml/2006/main" xmlns:r="http://schemas.openxmlformats.org/officeDocument/2006/relationships" xmlns:p="http://schemas.openxmlformats.org/presentationml/2006/main">
+  <p:cSld>
+    <p:spTree>
+      <p:nvGrpSpPr>
+        <p:cNvPr id="1" name=""/>
+        <p:cNvGrpSpPr/>
+        <p:nvPr/>
+      </p:nvGrpSpPr>
+      <p:grpSpPr>
+        <a:xfrm>
+          <a:off x="0" y="0"/>
+          <a:ext cx="0" cy="0"/>
+          <a:chOff x="0" y="0"/>
+          <a:chExt cx="0" cy="0"/>
+        </a:xfrm>
+      </p:grpSpPr>
+      <p:grpSp>
+        <p:nvGrpSpPr>
+          <p:cNvPr id="32" name="Group 31"/>
+          <p:cNvGrpSpPr/>
+          <p:nvPr/>
+        </p:nvGrpSpPr>
+        <p:grpSpPr>
+          <a:xfrm>
+            <a:off x="4736069" y="2133599"/>
+            <a:ext cx="3574644" cy="3950733"/>
+            <a:chOff x="4736069" y="2133599"/>
+            <a:chExt cx="3574644" cy="3950733"/>
+          </a:xfrm>
+        </p:grpSpPr>
+        <p:sp>
+          <p:nvSpPr>
+            <p:cNvPr id="4" name="Rectangle 3"/>
+            <p:cNvSpPr/>
+            <p:nvPr/>
+          </p:nvSpPr>
+          <p:spPr>
+            <a:xfrm>
+              <a:off x="5486400" y="4817742"/>
+              <a:ext cx="1981200" cy="914400"/>
+            </a:xfrm>
+            <a:prstGeom prst="rect">
+              <a:avLst/>
+            </a:prstGeom>
+            <a:solidFill>
+              <a:srgbClr val="FF0000">
+                <a:alpha val="13000"/>
+              </a:srgbClr>
+            </a:solidFill>
+            <a:ln>
+              <a:noFill/>
+            </a:ln>
+          </p:spPr>
+          <p:style>
+            <a:lnRef idx="2">
+              <a:schemeClr val="accent1">
+                <a:shade val="50000"/>
+              </a:schemeClr>
+            </a:lnRef>
+            <a:fillRef idx="1">
+              <a:schemeClr val="accent1"/>
+            </a:fillRef>
+            <a:effectRef idx="0">
+              <a:schemeClr val="accent1"/>
+            </a:effectRef>
+            <a:fontRef idx="minor">
+              <a:schemeClr val="lt1"/>
+            </a:fontRef>
+          </p:style>
+          <p:txBody>
+            <a:bodyPr rtlCol="0" anchor="ctr"/>
+            <a:lstStyle/>
+            <a:p>
+              <a:pPr algn="ctr"/>
+              <a:endParaRPr lang="en-US"/>
+            </a:p>
+          </p:txBody>
+        </p:sp>
+        <p:sp>
+          <p:nvSpPr>
+            <p:cNvPr id="5" name="Rectangle 4"/>
+            <p:cNvSpPr/>
+            <p:nvPr/>
+          </p:nvSpPr>
+          <p:spPr>
+            <a:xfrm>
+              <a:off x="5486402" y="2141220"/>
+              <a:ext cx="1980409" cy="2667000"/>
+            </a:xfrm>
+            <a:prstGeom prst="rect">
+              <a:avLst/>
+            </a:prstGeom>
+            <a:solidFill>
+              <a:srgbClr val="92D050">
+                <a:alpha val="13000"/>
+              </a:srgbClr>
+            </a:solidFill>
+            <a:ln>
+              <a:noFill/>
+            </a:ln>
+          </p:spPr>
+          <p:style>
+            <a:lnRef idx="2">
+              <a:schemeClr val="accent1">
+                <a:shade val="50000"/>
+              </a:schemeClr>
+            </a:lnRef>
+            <a:fillRef idx="1">
+              <a:schemeClr val="accent1"/>
+            </a:fillRef>
+            <a:effectRef idx="0">
+              <a:schemeClr val="accent1"/>
+            </a:effectRef>
+            <a:fontRef idx="minor">
+              <a:schemeClr val="lt1"/>
+            </a:fontRef>
+          </p:style>
+          <p:txBody>
+            <a:bodyPr rtlCol="0" anchor="ctr"/>
+            <a:lstStyle/>
+            <a:p>
+              <a:pPr algn="ctr"/>
+              <a:endParaRPr lang="en-US"/>
+            </a:p>
+          </p:txBody>
+        </p:sp>
+        <p:sp>
+          <p:nvSpPr>
+            <p:cNvPr id="6" name="Rectangle 5"/>
+            <p:cNvSpPr/>
+            <p:nvPr/>
+          </p:nvSpPr>
+          <p:spPr>
+            <a:xfrm>
+              <a:off x="5943600" y="2133600"/>
+              <a:ext cx="1524000" cy="914400"/>
+            </a:xfrm>
+            <a:prstGeom prst="rect">
+              <a:avLst/>
+            </a:prstGeom>
+            <a:solidFill>
+              <a:srgbClr val="92D050">
+                <a:alpha val="60000"/>
+              </a:srgbClr>
+            </a:solidFill>
+            <a:ln>
+              <a:noFill/>
+            </a:ln>
+          </p:spPr>
+          <p:style>
+            <a:lnRef idx="2">
+              <a:schemeClr val="accent1">
+                <a:shade val="50000"/>
+              </a:schemeClr>
+            </a:lnRef>
+            <a:fillRef idx="1">
+              <a:schemeClr val="accent1"/>
+            </a:fillRef>
+            <a:effectRef idx="0">
+              <a:schemeClr val="accent1"/>
+            </a:effectRef>
+            <a:fontRef idx="minor">
+              <a:schemeClr val="lt1"/>
+            </a:fontRef>
+          </p:style>
+          <p:txBody>
+            <a:bodyPr rtlCol="0" anchor="ctr"/>
+            <a:lstStyle/>
+            <a:p>
+              <a:pPr algn="ctr"/>
+              <a:endParaRPr lang="en-US"/>
+            </a:p>
+          </p:txBody>
+        </p:sp>
+        <p:sp>
+          <p:nvSpPr>
+            <p:cNvPr id="7" name="Rectangle 6"/>
+            <p:cNvSpPr/>
+            <p:nvPr/>
+          </p:nvSpPr>
+          <p:spPr>
+            <a:xfrm>
+              <a:off x="5943600" y="3962400"/>
+              <a:ext cx="1524000" cy="838200"/>
+            </a:xfrm>
+            <a:prstGeom prst="rect">
+              <a:avLst/>
+            </a:prstGeom>
+            <a:solidFill>
+              <a:srgbClr val="92D050">
+                <a:alpha val="20000"/>
+              </a:srgbClr>
+            </a:solidFill>
+            <a:ln>
+              <a:noFill/>
+            </a:ln>
+          </p:spPr>
+          <p:style>
+            <a:lnRef idx="2">
+              <a:schemeClr val="accent1">
+                <a:shade val="50000"/>
+              </a:schemeClr>
+            </a:lnRef>
+            <a:fillRef idx="1">
+              <a:schemeClr val="accent1"/>
+            </a:fillRef>
+            <a:effectRef idx="0">
+              <a:schemeClr val="accent1"/>
+            </a:effectRef>
+            <a:fontRef idx="minor">
+              <a:schemeClr val="lt1"/>
+            </a:fontRef>
+          </p:style>
+          <p:txBody>
+            <a:bodyPr rtlCol="0" anchor="ctr"/>
+            <a:lstStyle/>
+            <a:p>
+              <a:pPr algn="ctr"/>
+              <a:endParaRPr lang="en-US"/>
+            </a:p>
+          </p:txBody>
+        </p:sp>
+        <p:sp>
+          <p:nvSpPr>
+            <p:cNvPr id="8" name="Rectangle 7"/>
+            <p:cNvSpPr/>
+            <p:nvPr/>
+          </p:nvSpPr>
+          <p:spPr>
+            <a:xfrm>
+              <a:off x="5943600" y="3048000"/>
+              <a:ext cx="1524000" cy="914400"/>
+            </a:xfrm>
+            <a:prstGeom prst="rect">
+              <a:avLst/>
+            </a:prstGeom>
+            <a:solidFill>
+              <a:srgbClr val="92D050">
+                <a:alpha val="40000"/>
+              </a:srgbClr>
+            </a:solidFill>
+            <a:ln>
+              <a:noFill/>
+            </a:ln>
+          </p:spPr>
+          <p:style>
+            <a:lnRef idx="2">
+              <a:schemeClr val="accent1">
+                <a:shade val="50000"/>
+              </a:schemeClr>
+            </a:lnRef>
+            <a:fillRef idx="1">
+              <a:schemeClr val="accent1"/>
+            </a:fillRef>
+            <a:effectRef idx="0">
+              <a:schemeClr val="accent1"/>
+            </a:effectRef>
+            <a:fontRef idx="minor">
+              <a:schemeClr val="lt1"/>
+            </a:fontRef>
+          </p:style>
+          <p:txBody>
+            <a:bodyPr rtlCol="0" anchor="ctr"/>
+            <a:lstStyle/>
+            <a:p>
+              <a:pPr algn="ctr"/>
+              <a:endParaRPr lang="en-US"/>
+            </a:p>
+          </p:txBody>
+        </p:sp>
+        <p:sp>
+          <p:nvSpPr>
+            <p:cNvPr id="9" name="Rectangle 8"/>
+            <p:cNvSpPr/>
+            <p:nvPr/>
+          </p:nvSpPr>
+          <p:spPr>
+            <a:xfrm>
+              <a:off x="5082232" y="4808544"/>
+              <a:ext cx="396548" cy="923924"/>
+            </a:xfrm>
+            <a:prstGeom prst="rect">
+              <a:avLst/>
+            </a:prstGeom>
+          </p:spPr>
+          <p:style>
+            <a:lnRef idx="1">
+              <a:schemeClr val="accent2"/>
+            </a:lnRef>
+            <a:fillRef idx="3">
+              <a:schemeClr val="accent2"/>
+            </a:fillRef>
+            <a:effectRef idx="2">
+              <a:schemeClr val="accent2"/>
+            </a:effectRef>
+            <a:fontRef idx="minor">
+              <a:schemeClr val="lt1"/>
+            </a:fontRef>
+          </p:style>
+          <p:txBody>
+            <a:bodyPr rtlCol="0" anchor="ctr"/>
+            <a:lstStyle/>
+            <a:p>
+              <a:pPr algn="ctr"/>
+              <a:endParaRPr lang="en-US"/>
+            </a:p>
+          </p:txBody>
+        </p:sp>
+        <p:sp>
+          <p:nvSpPr>
+            <p:cNvPr id="10" name="Rectangle 9"/>
+            <p:cNvSpPr/>
+            <p:nvPr/>
+          </p:nvSpPr>
+          <p:spPr>
+            <a:xfrm>
+              <a:off x="5082232" y="2133600"/>
+              <a:ext cx="396548" cy="2667000"/>
+            </a:xfrm>
+            <a:prstGeom prst="rect">
+              <a:avLst/>
+            </a:prstGeom>
+          </p:spPr>
+          <p:style>
+            <a:lnRef idx="1">
+              <a:schemeClr val="accent3"/>
+            </a:lnRef>
+            <a:fillRef idx="3">
+              <a:schemeClr val="accent3"/>
+            </a:fillRef>
+            <a:effectRef idx="2">
+              <a:schemeClr val="accent3"/>
+            </a:effectRef>
+            <a:fontRef idx="minor">
+              <a:schemeClr val="lt1"/>
+            </a:fontRef>
+          </p:style>
+          <p:txBody>
+            <a:bodyPr rtlCol="0" anchor="ctr"/>
+            <a:lstStyle/>
+            <a:p>
+              <a:pPr algn="ctr"/>
+              <a:endParaRPr lang="en-US"/>
+            </a:p>
+          </p:txBody>
+        </p:sp>
+        <p:sp>
+          <p:nvSpPr>
+            <p:cNvPr id="11" name="TextBox 10"/>
+            <p:cNvSpPr txBox="1"/>
+            <p:nvPr/>
+          </p:nvSpPr>
+          <p:spPr>
+            <a:xfrm rot="16200000">
+              <a:off x="4855728" y="5111233"/>
+              <a:ext cx="838199" cy="369332"/>
+            </a:xfrm>
+            <a:prstGeom prst="rect">
+              <a:avLst/>
+            </a:prstGeom>
+            <a:noFill/>
+          </p:spPr>
+          <p:txBody>
+            <a:bodyPr wrap="square" rtlCol="0">
+              <a:spAutoFit/>
+            </a:bodyPr>
+            <a:lstStyle/>
+            <a:p>
+              <a:r>
+                <a:rPr lang="en-US" dirty="0" smtClean="0">
+                  <a:solidFill>
+                    <a:schemeClr val="bg1"/>
+                  </a:solidFill>
+                  <a:latin typeface="Times" pitchFamily="18" charset="0"/>
+                  <a:cs typeface="Times" pitchFamily="18" charset="0"/>
+                </a:rPr>
+                <a:t>Verbal</a:t>
+              </a:r>
+              <a:endParaRPr lang="en-US" dirty="0">
+                <a:solidFill>
+                  <a:schemeClr val="bg1"/>
+                </a:solidFill>
+                <a:latin typeface="Times" pitchFamily="18" charset="0"/>
+                <a:cs typeface="Times" pitchFamily="18" charset="0"/>
+              </a:endParaRPr>
+            </a:p>
+          </p:txBody>
+        </p:sp>
+        <p:sp>
+          <p:nvSpPr>
+            <p:cNvPr id="12" name="TextBox 11"/>
+            <p:cNvSpPr txBox="1"/>
+            <p:nvPr/>
+          </p:nvSpPr>
+          <p:spPr>
+            <a:xfrm rot="16200000">
+              <a:off x="4656709" y="3235816"/>
+              <a:ext cx="1236236" cy="369332"/>
+            </a:xfrm>
+            <a:prstGeom prst="rect">
+              <a:avLst/>
+            </a:prstGeom>
+            <a:noFill/>
+          </p:spPr>
+          <p:txBody>
+            <a:bodyPr wrap="none" rtlCol="0">
+              <a:spAutoFit/>
+            </a:bodyPr>
+            <a:lstStyle/>
+            <a:p>
+              <a:r>
+                <a:rPr lang="en-US" dirty="0" smtClean="0">
+                  <a:solidFill>
+                    <a:schemeClr val="bg1"/>
+                  </a:solidFill>
+                  <a:latin typeface="Times" pitchFamily="18" charset="0"/>
+                  <a:cs typeface="Times" pitchFamily="18" charset="0"/>
+                </a:rPr>
+                <a:t>Non-verbal</a:t>
+              </a:r>
+              <a:endParaRPr lang="en-US" dirty="0">
+                <a:solidFill>
+                  <a:schemeClr val="bg1"/>
+                </a:solidFill>
+                <a:latin typeface="Times" pitchFamily="18" charset="0"/>
+                <a:cs typeface="Times" pitchFamily="18" charset="0"/>
+              </a:endParaRPr>
+            </a:p>
+          </p:txBody>
+        </p:sp>
+        <p:sp>
+          <p:nvSpPr>
+            <p:cNvPr id="13" name="TextBox 12"/>
+            <p:cNvSpPr txBox="1"/>
+            <p:nvPr/>
+          </p:nvSpPr>
+          <p:spPr>
+            <a:xfrm rot="16200000">
+              <a:off x="3084161" y="3785507"/>
+              <a:ext cx="3673148" cy="369332"/>
+            </a:xfrm>
+            <a:prstGeom prst="rect">
+              <a:avLst/>
+            </a:prstGeom>
+            <a:noFill/>
+          </p:spPr>
+          <p:txBody>
+            <a:bodyPr wrap="square" rtlCol="0">
+              <a:spAutoFit/>
+            </a:bodyPr>
+            <a:lstStyle/>
+            <a:p>
+              <a:pPr algn="ctr"/>
+              <a:r>
+                <a:rPr lang="en-US" b="1" dirty="0" smtClean="0">
+                  <a:latin typeface="Times" pitchFamily="18" charset="0"/>
+                  <a:cs typeface="Times" pitchFamily="18" charset="0"/>
+                </a:rPr>
+                <a:t>Enactor </a:t>
+              </a:r>
+              <a:r>
+                <a:rPr lang="en-US" dirty="0" smtClean="0">
+                  <a:latin typeface="Times" pitchFamily="18" charset="0"/>
+                  <a:cs typeface="Times" pitchFamily="18" charset="0"/>
+                </a:rPr>
+                <a:t>(Encoding) </a:t>
+              </a:r>
+              <a:endParaRPr lang="en-US" dirty="0">
+                <a:latin typeface="Times" pitchFamily="18" charset="0"/>
+                <a:cs typeface="Times" pitchFamily="18" charset="0"/>
+              </a:endParaRPr>
+            </a:p>
+          </p:txBody>
+        </p:sp>
+        <p:sp>
+          <p:nvSpPr>
+            <p:cNvPr id="14" name="TextBox 13"/>
+            <p:cNvSpPr txBox="1"/>
+            <p:nvPr/>
+          </p:nvSpPr>
+          <p:spPr>
+            <a:xfrm rot="5400000">
+              <a:off x="6335347" y="3739636"/>
+              <a:ext cx="3581399" cy="369332"/>
+            </a:xfrm>
+            <a:prstGeom prst="rect">
+              <a:avLst/>
+            </a:prstGeom>
+            <a:noFill/>
+          </p:spPr>
+          <p:txBody>
+            <a:bodyPr wrap="square" rtlCol="0">
+              <a:spAutoFit/>
+            </a:bodyPr>
+            <a:lstStyle/>
+            <a:p>
+              <a:pPr algn="ctr"/>
+              <a:r>
+                <a:rPr lang="en-US" b="1" dirty="0" smtClean="0">
+                  <a:latin typeface="Times" pitchFamily="18" charset="0"/>
+                  <a:cs typeface="Times" pitchFamily="18" charset="0"/>
+                </a:rPr>
+                <a:t>Recipient  </a:t>
+              </a:r>
+              <a:r>
+                <a:rPr lang="en-US" dirty="0" smtClean="0">
+                  <a:latin typeface="Times" pitchFamily="18" charset="0"/>
+                  <a:cs typeface="Times" pitchFamily="18" charset="0"/>
+                </a:rPr>
+                <a:t>(Decoding) </a:t>
+              </a:r>
+              <a:endParaRPr lang="en-US" dirty="0">
+                <a:latin typeface="Times" pitchFamily="18" charset="0"/>
+                <a:cs typeface="Times" pitchFamily="18" charset="0"/>
+              </a:endParaRPr>
+            </a:p>
+          </p:txBody>
+        </p:sp>
+        <p:sp>
+          <p:nvSpPr>
+            <p:cNvPr id="15" name="Rectangle 14"/>
+            <p:cNvSpPr/>
+            <p:nvPr/>
+          </p:nvSpPr>
+          <p:spPr>
+            <a:xfrm>
+              <a:off x="6054090" y="3078480"/>
+              <a:ext cx="876300" cy="847072"/>
+            </a:xfrm>
+            <a:prstGeom prst="rect">
+              <a:avLst/>
+            </a:prstGeom>
+            <a:blipFill dpi="0" rotWithShape="1">
+              <a:blip r:embed="rId2" cstate="print">
+                <a:alphaModFix amt="43000"/>
+              </a:blip>
+              <a:srcRect/>
+              <a:stretch>
+                <a:fillRect/>
+              </a:stretch>
+            </a:blipFill>
+            <a:ln>
+              <a:noFill/>
+            </a:ln>
+          </p:spPr>
+          <p:style>
+            <a:lnRef idx="2">
+              <a:schemeClr val="accent1">
+                <a:shade val="50000"/>
+              </a:schemeClr>
+            </a:lnRef>
+            <a:fillRef idx="1">
+              <a:schemeClr val="accent1"/>
+            </a:fillRef>
+            <a:effectRef idx="0">
+              <a:schemeClr val="accent1"/>
+            </a:effectRef>
+            <a:fontRef idx="minor">
+              <a:schemeClr val="lt1"/>
+            </a:fontRef>
+          </p:style>
+          <p:txBody>
+            <a:bodyPr rtlCol="0" anchor="ctr"/>
+            <a:lstStyle/>
+            <a:p>
+              <a:pPr algn="ctr"/>
+              <a:r>
+                <a:rPr lang="en-US" sz="2400" dirty="0" smtClean="0">
+                  <a:solidFill>
+                    <a:schemeClr val="tx1"/>
+                  </a:solidFill>
+                  <a:latin typeface="Times" pitchFamily="18" charset="0"/>
+                  <a:cs typeface="Times" pitchFamily="18" charset="0"/>
+                </a:rPr>
+                <a:t>Body</a:t>
+              </a:r>
+              <a:endParaRPr lang="en-US" sz="2400" dirty="0">
+                <a:solidFill>
+                  <a:schemeClr val="tx1"/>
+                </a:solidFill>
+                <a:latin typeface="Times" pitchFamily="18" charset="0"/>
+                <a:cs typeface="Times" pitchFamily="18" charset="0"/>
+              </a:endParaRPr>
+            </a:p>
+          </p:txBody>
+        </p:sp>
+        <p:sp>
+          <p:nvSpPr>
+            <p:cNvPr id="16" name="Rectangle 15"/>
+            <p:cNvSpPr/>
+            <p:nvPr/>
+          </p:nvSpPr>
+          <p:spPr>
+            <a:xfrm>
+              <a:off x="6019800" y="4024612"/>
+              <a:ext cx="914400" cy="753128"/>
+            </a:xfrm>
+            <a:prstGeom prst="rect">
+              <a:avLst/>
+            </a:prstGeom>
+            <a:blipFill dpi="0" rotWithShape="1">
+              <a:blip r:embed="rId3" cstate="print">
+                <a:alphaModFix amt="43000"/>
+              </a:blip>
+              <a:srcRect/>
+              <a:stretch>
+                <a:fillRect/>
+              </a:stretch>
+            </a:blipFill>
+            <a:ln>
+              <a:noFill/>
+            </a:ln>
+          </p:spPr>
+          <p:style>
+            <a:lnRef idx="2">
+              <a:schemeClr val="accent1">
+                <a:shade val="50000"/>
+              </a:schemeClr>
+            </a:lnRef>
+            <a:fillRef idx="1">
+              <a:schemeClr val="accent1"/>
+            </a:fillRef>
+            <a:effectRef idx="0">
+              <a:schemeClr val="accent1"/>
+            </a:effectRef>
+            <a:fontRef idx="minor">
+              <a:schemeClr val="lt1"/>
+            </a:fontRef>
+          </p:style>
+          <p:txBody>
+            <a:bodyPr rtlCol="0" anchor="ctr"/>
+            <a:lstStyle/>
+            <a:p>
+              <a:pPr algn="ctr"/>
+              <a:r>
+                <a:rPr lang="en-US" sz="2400" dirty="0" smtClean="0">
+                  <a:solidFill>
+                    <a:schemeClr val="tx1"/>
+                  </a:solidFill>
+                  <a:latin typeface="Times" pitchFamily="18" charset="0"/>
+                  <a:cs typeface="Times" pitchFamily="18" charset="0"/>
+                </a:rPr>
+                <a:t>Voice</a:t>
+              </a:r>
+              <a:endParaRPr lang="en-US" sz="2400" dirty="0">
+                <a:solidFill>
+                  <a:schemeClr val="tx1"/>
+                </a:solidFill>
+                <a:latin typeface="Times" pitchFamily="18" charset="0"/>
+                <a:cs typeface="Times" pitchFamily="18" charset="0"/>
+              </a:endParaRPr>
+            </a:p>
+          </p:txBody>
+        </p:sp>
+        <p:sp>
+          <p:nvSpPr>
+            <p:cNvPr id="17" name="Rectangle 16"/>
+            <p:cNvSpPr/>
+            <p:nvPr/>
+          </p:nvSpPr>
+          <p:spPr>
+            <a:xfrm>
+              <a:off x="5981700" y="4870432"/>
+              <a:ext cx="990600" cy="859808"/>
+            </a:xfrm>
+            <a:prstGeom prst="rect">
+              <a:avLst/>
+            </a:prstGeom>
+            <a:blipFill dpi="0" rotWithShape="1">
+              <a:blip r:embed="rId4" cstate="print">
+                <a:alphaModFix amt="43000"/>
+              </a:blip>
+              <a:srcRect/>
+              <a:stretch>
+                <a:fillRect/>
+              </a:stretch>
+            </a:blipFill>
+            <a:ln>
+              <a:noFill/>
+            </a:ln>
+          </p:spPr>
+          <p:style>
+            <a:lnRef idx="2">
+              <a:schemeClr val="accent1">
+                <a:shade val="50000"/>
+              </a:schemeClr>
+            </a:lnRef>
+            <a:fillRef idx="1">
+              <a:schemeClr val="accent1"/>
+            </a:fillRef>
+            <a:effectRef idx="0">
+              <a:schemeClr val="accent1"/>
+            </a:effectRef>
+            <a:fontRef idx="minor">
+              <a:schemeClr val="lt1"/>
+            </a:fontRef>
+          </p:style>
+          <p:txBody>
+            <a:bodyPr rtlCol="0" anchor="ctr"/>
+            <a:lstStyle/>
+            <a:p>
+              <a:pPr algn="ctr"/>
+              <a:r>
+                <a:rPr lang="en-US" sz="2200" dirty="0" smtClean="0">
+                  <a:solidFill>
+                    <a:schemeClr val="tx1"/>
+                  </a:solidFill>
+                  <a:latin typeface="Times" pitchFamily="18" charset="0"/>
+                  <a:cs typeface="Times" pitchFamily="18" charset="0"/>
+                </a:rPr>
+                <a:t>Speech</a:t>
+              </a:r>
+              <a:endParaRPr lang="en-US" sz="2200" dirty="0">
+                <a:solidFill>
+                  <a:schemeClr val="tx1"/>
+                </a:solidFill>
+                <a:latin typeface="Times" pitchFamily="18" charset="0"/>
+                <a:cs typeface="Times" pitchFamily="18" charset="0"/>
+              </a:endParaRPr>
+            </a:p>
+          </p:txBody>
+        </p:sp>
+        <p:sp>
+          <p:nvSpPr>
+            <p:cNvPr id="18" name="TextBox 17"/>
+            <p:cNvSpPr txBox="1"/>
+            <p:nvPr/>
+          </p:nvSpPr>
+          <p:spPr>
+            <a:xfrm rot="16200000">
+              <a:off x="5390828" y="3258737"/>
+              <a:ext cx="583814" cy="369332"/>
+            </a:xfrm>
+            <a:prstGeom prst="rect">
+              <a:avLst/>
+            </a:prstGeom>
+            <a:noFill/>
+          </p:spPr>
+          <p:txBody>
+            <a:bodyPr wrap="none" rtlCol="0">
+              <a:spAutoFit/>
+            </a:bodyPr>
+            <a:lstStyle/>
+            <a:p>
+              <a:r>
+                <a:rPr lang="en-US" dirty="0" smtClean="0"/>
+                <a:t>65%</a:t>
+              </a:r>
+              <a:endParaRPr lang="en-US" dirty="0"/>
+            </a:p>
+          </p:txBody>
+        </p:sp>
+        <p:sp>
+          <p:nvSpPr>
+            <p:cNvPr id="19" name="TextBox 18"/>
+            <p:cNvSpPr txBox="1"/>
+            <p:nvPr/>
+          </p:nvSpPr>
+          <p:spPr>
+            <a:xfrm rot="16200000">
+              <a:off x="5377180" y="5103156"/>
+              <a:ext cx="583814" cy="369332"/>
+            </a:xfrm>
+            <a:prstGeom prst="rect">
+              <a:avLst/>
+            </a:prstGeom>
+            <a:noFill/>
+          </p:spPr>
+          <p:txBody>
+            <a:bodyPr wrap="none" rtlCol="0">
+              <a:spAutoFit/>
+            </a:bodyPr>
+            <a:lstStyle/>
+            <a:p>
+              <a:r>
+                <a:rPr lang="en-US" dirty="0"/>
+                <a:t>3</a:t>
+              </a:r>
+              <a:r>
+                <a:rPr lang="en-US" dirty="0" smtClean="0"/>
+                <a:t>5%</a:t>
+              </a:r>
+              <a:endParaRPr lang="en-US" dirty="0"/>
+            </a:p>
+          </p:txBody>
+        </p:sp>
+        <p:sp>
+          <p:nvSpPr>
+            <p:cNvPr id="20" name="TextBox 19"/>
+            <p:cNvSpPr txBox="1"/>
+            <p:nvPr/>
+          </p:nvSpPr>
+          <p:spPr>
+            <a:xfrm rot="5400000">
+              <a:off x="6979360" y="2495227"/>
+              <a:ext cx="583814" cy="369332"/>
+            </a:xfrm>
+            <a:prstGeom prst="rect">
+              <a:avLst/>
+            </a:prstGeom>
+            <a:noFill/>
+          </p:spPr>
+          <p:txBody>
+            <a:bodyPr wrap="none" rtlCol="0">
+              <a:spAutoFit/>
+            </a:bodyPr>
+            <a:lstStyle/>
+            <a:p>
+              <a:r>
+                <a:rPr lang="en-US" dirty="0" smtClean="0"/>
+                <a:t>27%</a:t>
+              </a:r>
+              <a:endParaRPr lang="en-US" dirty="0"/>
+            </a:p>
+          </p:txBody>
+        </p:sp>
+        <p:sp>
+          <p:nvSpPr>
+            <p:cNvPr id="21" name="TextBox 20"/>
+            <p:cNvSpPr txBox="1"/>
+            <p:nvPr/>
+          </p:nvSpPr>
+          <p:spPr>
+            <a:xfrm rot="5400000">
+              <a:off x="6979360" y="3307641"/>
+              <a:ext cx="583814" cy="369332"/>
+            </a:xfrm>
+            <a:prstGeom prst="rect">
+              <a:avLst/>
+            </a:prstGeom>
+            <a:noFill/>
+          </p:spPr>
+          <p:txBody>
+            <a:bodyPr wrap="none" rtlCol="0">
+              <a:spAutoFit/>
+            </a:bodyPr>
+            <a:lstStyle/>
+            <a:p>
+              <a:r>
+                <a:rPr lang="en-US" dirty="0" smtClean="0"/>
+                <a:t>19%</a:t>
+              </a:r>
+              <a:endParaRPr lang="en-US" dirty="0"/>
+            </a:p>
+          </p:txBody>
+        </p:sp>
+        <p:sp>
+          <p:nvSpPr>
+            <p:cNvPr id="22" name="TextBox 21"/>
+            <p:cNvSpPr txBox="1"/>
+            <p:nvPr/>
+          </p:nvSpPr>
+          <p:spPr>
+            <a:xfrm rot="5400000">
+              <a:off x="6979360" y="4247827"/>
+              <a:ext cx="583814" cy="369332"/>
+            </a:xfrm>
+            <a:prstGeom prst="rect">
+              <a:avLst/>
+            </a:prstGeom>
+            <a:noFill/>
+          </p:spPr>
+          <p:txBody>
+            <a:bodyPr wrap="none" rtlCol="0">
+              <a:spAutoFit/>
+            </a:bodyPr>
+            <a:lstStyle/>
+            <a:p>
+              <a:r>
+                <a:rPr lang="en-US" dirty="0" smtClean="0"/>
+                <a:t>18%</a:t>
+              </a:r>
+              <a:endParaRPr lang="en-US" dirty="0"/>
+            </a:p>
+          </p:txBody>
+        </p:sp>
+        <p:sp>
+          <p:nvSpPr>
+            <p:cNvPr id="23" name="TextBox 22"/>
+            <p:cNvSpPr txBox="1"/>
+            <p:nvPr/>
+          </p:nvSpPr>
+          <p:spPr>
+            <a:xfrm rot="5400000">
+              <a:off x="6979360" y="5066967"/>
+              <a:ext cx="583814" cy="369332"/>
+            </a:xfrm>
+            <a:prstGeom prst="rect">
+              <a:avLst/>
+            </a:prstGeom>
+            <a:noFill/>
+          </p:spPr>
+          <p:txBody>
+            <a:bodyPr wrap="none" rtlCol="0">
+              <a:spAutoFit/>
+            </a:bodyPr>
+            <a:lstStyle/>
+            <a:p>
+              <a:r>
+                <a:rPr lang="en-US" dirty="0"/>
+                <a:t>3</a:t>
+              </a:r>
+              <a:r>
+                <a:rPr lang="en-US" dirty="0" smtClean="0"/>
+                <a:t>5%</a:t>
+              </a:r>
+              <a:endParaRPr lang="en-US" dirty="0"/>
+            </a:p>
+          </p:txBody>
+        </p:sp>
+        <p:sp>
+          <p:nvSpPr>
+            <p:cNvPr id="24" name="Rectangle 23"/>
+            <p:cNvSpPr/>
+            <p:nvPr/>
+          </p:nvSpPr>
+          <p:spPr>
+            <a:xfrm>
+              <a:off x="6042660" y="2202180"/>
+              <a:ext cx="891540" cy="800100"/>
+            </a:xfrm>
+            <a:prstGeom prst="rect">
+              <a:avLst/>
+            </a:prstGeom>
+            <a:blipFill dpi="0" rotWithShape="1">
+              <a:blip r:embed="rId5" cstate="print">
+                <a:alphaModFix amt="43000"/>
+              </a:blip>
+              <a:srcRect/>
+              <a:stretch>
+                <a:fillRect/>
+              </a:stretch>
+            </a:blipFill>
+            <a:ln>
+              <a:noFill/>
+            </a:ln>
+          </p:spPr>
+          <p:style>
+            <a:lnRef idx="2">
+              <a:schemeClr val="accent1">
+                <a:shade val="50000"/>
+              </a:schemeClr>
+            </a:lnRef>
+            <a:fillRef idx="1">
+              <a:schemeClr val="accent1"/>
+            </a:fillRef>
+            <a:effectRef idx="0">
+              <a:schemeClr val="accent1"/>
+            </a:effectRef>
+            <a:fontRef idx="minor">
+              <a:schemeClr val="lt1"/>
+            </a:fontRef>
+          </p:style>
+          <p:txBody>
+            <a:bodyPr rtlCol="0" anchor="ctr"/>
+            <a:lstStyle/>
+            <a:p>
+              <a:pPr algn="ctr"/>
+              <a:r>
+                <a:rPr lang="en-US" sz="2400" dirty="0" smtClean="0">
+                  <a:solidFill>
+                    <a:schemeClr val="tx1"/>
+                  </a:solidFill>
+                  <a:latin typeface="Times" pitchFamily="18" charset="0"/>
+                  <a:cs typeface="Times" pitchFamily="18" charset="0"/>
+                </a:rPr>
+                <a:t>Face</a:t>
+              </a:r>
+              <a:endParaRPr lang="en-US" sz="3200" dirty="0">
+                <a:solidFill>
+                  <a:schemeClr val="tx1"/>
+                </a:solidFill>
+                <a:latin typeface="Times" pitchFamily="18" charset="0"/>
+                <a:cs typeface="Times" pitchFamily="18" charset="0"/>
+              </a:endParaRPr>
+            </a:p>
+          </p:txBody>
+        </p:sp>
+        <p:sp>
+          <p:nvSpPr>
+            <p:cNvPr id="25" name="Rounded Rectangle 24"/>
+            <p:cNvSpPr/>
+            <p:nvPr/>
+          </p:nvSpPr>
+          <p:spPr>
+            <a:xfrm>
+              <a:off x="5943600" y="2133600"/>
+              <a:ext cx="1981200" cy="1828800"/>
+            </a:xfrm>
+            <a:prstGeom prst="roundRect">
+              <a:avLst>
+                <a:gd name="adj" fmla="val 4167"/>
+              </a:avLst>
+            </a:prstGeom>
+            <a:noFill/>
+            <a:ln>
+              <a:solidFill>
+                <a:srgbClr val="7030A0"/>
+              </a:solidFill>
+              <a:prstDash val="sysDash"/>
+            </a:ln>
+          </p:spPr>
+          <p:style>
+            <a:lnRef idx="2">
+              <a:schemeClr val="accent1">
+                <a:shade val="50000"/>
+              </a:schemeClr>
+            </a:lnRef>
+            <a:fillRef idx="1">
+              <a:schemeClr val="accent1"/>
+            </a:fillRef>
+            <a:effectRef idx="0">
+              <a:schemeClr val="accent1"/>
+            </a:effectRef>
+            <a:fontRef idx="minor">
+              <a:schemeClr val="lt1"/>
+            </a:fontRef>
+          </p:style>
+          <p:txBody>
+            <a:bodyPr rtlCol="0" anchor="ctr"/>
+            <a:lstStyle/>
+            <a:p>
+              <a:pPr algn="ctr"/>
+              <a:endParaRPr lang="en-US"/>
+            </a:p>
+          </p:txBody>
+        </p:sp>
+        <p:sp>
+          <p:nvSpPr>
+            <p:cNvPr id="26" name="Rectangle 25"/>
+            <p:cNvSpPr/>
+            <p:nvPr/>
+          </p:nvSpPr>
+          <p:spPr>
+            <a:xfrm>
+              <a:off x="7543800" y="2133600"/>
+              <a:ext cx="396548" cy="1828800"/>
+            </a:xfrm>
+            <a:prstGeom prst="rect">
+              <a:avLst/>
+            </a:prstGeom>
+          </p:spPr>
+          <p:style>
+            <a:lnRef idx="1">
+              <a:schemeClr val="accent4"/>
+            </a:lnRef>
+            <a:fillRef idx="3">
+              <a:schemeClr val="accent4"/>
+            </a:fillRef>
+            <a:effectRef idx="2">
+              <a:schemeClr val="accent4"/>
+            </a:effectRef>
+            <a:fontRef idx="minor">
+              <a:schemeClr val="lt1"/>
+            </a:fontRef>
+          </p:style>
+          <p:txBody>
+            <a:bodyPr rtlCol="0" anchor="ctr"/>
+            <a:lstStyle/>
+            <a:p>
+              <a:pPr algn="ctr"/>
+              <a:endParaRPr lang="en-US"/>
+            </a:p>
+          </p:txBody>
+        </p:sp>
+        <p:sp>
+          <p:nvSpPr>
+            <p:cNvPr id="27" name="TextBox 26"/>
+            <p:cNvSpPr txBox="1"/>
+            <p:nvPr/>
+          </p:nvSpPr>
+          <p:spPr>
+            <a:xfrm rot="5400000">
+              <a:off x="7368910" y="2892313"/>
+              <a:ext cx="773545" cy="369332"/>
+            </a:xfrm>
+            <a:prstGeom prst="rect">
+              <a:avLst/>
+            </a:prstGeom>
+            <a:noFill/>
+          </p:spPr>
+          <p:txBody>
+            <a:bodyPr wrap="none" rtlCol="0">
+              <a:spAutoFit/>
+            </a:bodyPr>
+            <a:lstStyle/>
+            <a:p>
+              <a:r>
+                <a:rPr lang="en-US" dirty="0" smtClean="0">
+                  <a:solidFill>
+                    <a:schemeClr val="bg1"/>
+                  </a:solidFill>
+                  <a:latin typeface="Times" pitchFamily="18" charset="0"/>
+                  <a:cs typeface="Times" pitchFamily="18" charset="0"/>
+                </a:rPr>
+                <a:t>Visual</a:t>
+              </a:r>
+              <a:endParaRPr lang="en-US" dirty="0">
+                <a:solidFill>
+                  <a:schemeClr val="bg1"/>
+                </a:solidFill>
+                <a:latin typeface="Times" pitchFamily="18" charset="0"/>
+                <a:cs typeface="Times" pitchFamily="18" charset="0"/>
+              </a:endParaRPr>
+            </a:p>
+          </p:txBody>
+        </p:sp>
+        <p:sp>
+          <p:nvSpPr>
+            <p:cNvPr id="28" name="Rounded Rectangle 27"/>
+            <p:cNvSpPr/>
+            <p:nvPr/>
+          </p:nvSpPr>
+          <p:spPr>
+            <a:xfrm>
+              <a:off x="5943600" y="4015740"/>
+              <a:ext cx="1988820" cy="1699260"/>
+            </a:xfrm>
+            <a:prstGeom prst="roundRect">
+              <a:avLst>
+                <a:gd name="adj" fmla="val 4167"/>
+              </a:avLst>
+            </a:prstGeom>
+            <a:noFill/>
+            <a:ln>
+              <a:solidFill>
+                <a:srgbClr val="06A5BA"/>
+              </a:solidFill>
+              <a:prstDash val="sysDash"/>
+            </a:ln>
+          </p:spPr>
+          <p:style>
+            <a:lnRef idx="2">
+              <a:schemeClr val="accent1">
+                <a:shade val="50000"/>
+              </a:schemeClr>
+            </a:lnRef>
+            <a:fillRef idx="1">
+              <a:schemeClr val="accent1"/>
+            </a:fillRef>
+            <a:effectRef idx="0">
+              <a:schemeClr val="accent1"/>
+            </a:effectRef>
+            <a:fontRef idx="minor">
+              <a:schemeClr val="lt1"/>
+            </a:fontRef>
+          </p:style>
+          <p:txBody>
+            <a:bodyPr rtlCol="0" anchor="ctr"/>
+            <a:lstStyle/>
+            <a:p>
+              <a:pPr algn="ctr"/>
+              <a:endParaRPr lang="en-US"/>
+            </a:p>
+          </p:txBody>
+        </p:sp>
+        <p:sp>
+          <p:nvSpPr>
+            <p:cNvPr id="29" name="Rectangle 28"/>
+            <p:cNvSpPr/>
+            <p:nvPr/>
+          </p:nvSpPr>
+          <p:spPr>
+            <a:xfrm>
+              <a:off x="7543800" y="4016994"/>
+              <a:ext cx="396548" cy="1698008"/>
+            </a:xfrm>
+            <a:prstGeom prst="rect">
+              <a:avLst/>
+            </a:prstGeom>
+          </p:spPr>
+          <p:style>
+            <a:lnRef idx="1">
+              <a:schemeClr val="accent5"/>
+            </a:lnRef>
+            <a:fillRef idx="3">
+              <a:schemeClr val="accent5"/>
+            </a:fillRef>
+            <a:effectRef idx="2">
+              <a:schemeClr val="accent5"/>
+            </a:effectRef>
+            <a:fontRef idx="minor">
+              <a:schemeClr val="lt1"/>
+            </a:fontRef>
+          </p:style>
+          <p:txBody>
+            <a:bodyPr rtlCol="0" anchor="ctr"/>
+            <a:lstStyle/>
+            <a:p>
+              <a:pPr algn="ctr"/>
+              <a:endParaRPr lang="en-US"/>
+            </a:p>
+          </p:txBody>
+        </p:sp>
+        <p:sp>
+          <p:nvSpPr>
+            <p:cNvPr id="30" name="TextBox 29"/>
+            <p:cNvSpPr txBox="1"/>
+            <p:nvPr/>
+          </p:nvSpPr>
+          <p:spPr>
+            <a:xfrm rot="5400000">
+              <a:off x="7363143" y="4692008"/>
+              <a:ext cx="761747" cy="369332"/>
+            </a:xfrm>
+            <a:prstGeom prst="rect">
+              <a:avLst/>
+            </a:prstGeom>
+            <a:noFill/>
+          </p:spPr>
+          <p:txBody>
+            <a:bodyPr wrap="none" rtlCol="0">
+              <a:spAutoFit/>
+            </a:bodyPr>
+            <a:lstStyle/>
+            <a:p>
+              <a:r>
+                <a:rPr lang="en-US" dirty="0" smtClean="0">
+                  <a:solidFill>
+                    <a:schemeClr val="bg1"/>
+                  </a:solidFill>
+                  <a:latin typeface="Times" pitchFamily="18" charset="0"/>
+                  <a:cs typeface="Times" pitchFamily="18" charset="0"/>
+                </a:rPr>
+                <a:t>Audio</a:t>
+              </a:r>
+              <a:endParaRPr lang="en-US" dirty="0">
+                <a:solidFill>
+                  <a:schemeClr val="bg1"/>
+                </a:solidFill>
+                <a:latin typeface="Times" pitchFamily="18" charset="0"/>
+                <a:cs typeface="Times" pitchFamily="18" charset="0"/>
+              </a:endParaRPr>
+            </a:p>
+          </p:txBody>
+        </p:sp>
+        <p:sp>
+          <p:nvSpPr>
+            <p:cNvPr id="31" name="TextBox 30"/>
+            <p:cNvSpPr txBox="1"/>
+            <p:nvPr/>
+          </p:nvSpPr>
+          <p:spPr>
+            <a:xfrm>
+              <a:off x="5486400" y="5715000"/>
+              <a:ext cx="2453948" cy="369332"/>
+            </a:xfrm>
+            <a:prstGeom prst="rect">
+              <a:avLst/>
+            </a:prstGeom>
+            <a:noFill/>
+          </p:spPr>
+          <p:txBody>
+            <a:bodyPr wrap="square" rtlCol="0">
+              <a:spAutoFit/>
+            </a:bodyPr>
+            <a:lstStyle/>
+            <a:p>
+              <a:pPr algn="ctr"/>
+              <a:r>
+                <a:rPr lang="en-US" b="1" dirty="0" smtClean="0">
+                  <a:latin typeface="Times" pitchFamily="18" charset="0"/>
+                  <a:cs typeface="Times" pitchFamily="18" charset="0"/>
+                </a:rPr>
+                <a:t>Channels </a:t>
+              </a:r>
+              <a:endParaRPr lang="en-US" dirty="0">
+                <a:latin typeface="Times" pitchFamily="18" charset="0"/>
+                <a:cs typeface="Times" pitchFamily="18" charset="0"/>
+              </a:endParaRPr>
+            </a:p>
+          </p:txBody>
+        </p:sp>
+      </p:grpSp>
+      <p:sp>
+        <p:nvSpPr>
+          <p:cNvPr id="33" name="TextBox 32"/>
+          <p:cNvSpPr txBox="1"/>
+          <p:nvPr/>
+        </p:nvSpPr>
+        <p:spPr>
+          <a:xfrm>
+            <a:off x="4724400" y="1390650"/>
+            <a:ext cx="3657600" cy="769441"/>
+          </a:xfrm>
+          <a:prstGeom prst="rect">
+            <a:avLst/>
+          </a:prstGeom>
+          <a:noFill/>
+        </p:spPr>
+        <p:txBody>
+          <a:bodyPr wrap="square" rtlCol="0">
+            <a:spAutoFit/>
+          </a:bodyPr>
+          <a:lstStyle/>
+          <a:p>
+            <a:pPr algn="ctr"/>
+            <a:r>
+              <a:rPr lang="en-US" sz="2200" b="1" dirty="0" smtClean="0">
+                <a:latin typeface="Times" pitchFamily="18" charset="0"/>
+                <a:cs typeface="Times" pitchFamily="18" charset="0"/>
+              </a:rPr>
+              <a:t>Bilateral Interpersonal Communication </a:t>
+            </a:r>
+            <a:endParaRPr lang="en-US" sz="2200" b="1" dirty="0">
+              <a:latin typeface="Times" pitchFamily="18" charset="0"/>
+              <a:cs typeface="Times" pitchFamily="18" charset="0"/>
+            </a:endParaRPr>
+          </a:p>
+        </p:txBody>
+      </p:sp>
+    </p:spTree>
+  </p:cSld>
+  <p:clrMapOvr>
+    <a:masterClrMapping/>
+  </p:clrMapOvr>
+</p:sld>
+</file>
+
 <file path=ppt/slides/slide2.xml><?xml version="1.0" encoding="utf-8"?>
 <p:sld xmlns:a="http://schemas.openxmlformats.org/drawingml/2006/main" xmlns:r="http://schemas.openxmlformats.org/officeDocument/2006/relationships" xmlns:p="http://schemas.openxmlformats.org/presentationml/2006/main">
   <p:cSld>
@@ -5136,6 +6457,43 @@
               <a:t> Relative Importance Points</a:t>
             </a:r>
             <a:endParaRPr lang="en-US" b="1" dirty="0"/>
+          </a:p>
+        </p:txBody>
+      </p:sp>
+      <p:sp>
+        <p:nvSpPr>
+          <p:cNvPr id="13" name="TextBox 12"/>
+          <p:cNvSpPr txBox="1"/>
+          <p:nvPr/>
+        </p:nvSpPr>
+        <p:spPr>
+          <a:xfrm>
+            <a:off x="1066800" y="990600"/>
+            <a:ext cx="7239000" cy="461665"/>
+          </a:xfrm>
+          <a:prstGeom prst="rect">
+            <a:avLst/>
+          </a:prstGeom>
+          <a:noFill/>
+        </p:spPr>
+        <p:txBody>
+          <a:bodyPr wrap="square" rtlCol="0">
+            <a:spAutoFit/>
+          </a:bodyPr>
+          <a:lstStyle/>
+          <a:p>
+            <a:pPr algn="ctr"/>
+            <a:r>
+              <a:rPr lang="en-US" sz="2400" b="1" dirty="0" smtClean="0">
+                <a:latin typeface="Times" pitchFamily="18" charset="0"/>
+                <a:cs typeface="Times" pitchFamily="18" charset="0"/>
+              </a:rPr>
+              <a:t>Relative Importance of Visual Social Cues</a:t>
+            </a:r>
+            <a:endParaRPr lang="en-US" sz="2400" b="1" dirty="0">
+              <a:latin typeface="Times" pitchFamily="18" charset="0"/>
+              <a:cs typeface="Times" pitchFamily="18" charset="0"/>
+            </a:endParaRPr>
           </a:p>
         </p:txBody>
       </p:sp>
@@ -11825,666 +13183,688 @@
           <a:chExt cx="0" cy="0"/>
         </a:xfrm>
       </p:grpSpPr>
-      <p:sp>
-        <p:nvSpPr>
-          <p:cNvPr id="5" name="AutoShape 4"/>
-          <p:cNvSpPr>
-            <a:spLocks noChangeAspect="1" noChangeArrowheads="1"/>
-          </p:cNvSpPr>
-          <p:nvPr/>
-        </p:nvSpPr>
-        <p:spPr bwMode="auto">
-          <a:xfrm>
-            <a:off x="1676400" y="609600"/>
-            <a:ext cx="2220912" cy="2717800"/>
-          </a:xfrm>
-          <a:prstGeom prst="rect">
-            <a:avLst/>
-          </a:prstGeom>
-          <a:noFill/>
-          <a:ln w="9525">
+      <p:grpSp>
+        <p:nvGrpSpPr>
+          <p:cNvPr id="20" name="Group 19"/>
+          <p:cNvGrpSpPr/>
+          <p:nvPr/>
+        </p:nvGrpSpPr>
+        <p:grpSpPr>
+          <a:xfrm>
+            <a:off x="211775" y="381000"/>
+            <a:ext cx="8169180" cy="6429500"/>
+            <a:chOff x="211775" y="381000"/>
+            <a:chExt cx="8169180" cy="6429500"/>
+          </a:xfrm>
+        </p:grpSpPr>
+        <p:sp>
+          <p:nvSpPr>
+            <p:cNvPr id="5" name="AutoShape 4"/>
+            <p:cNvSpPr>
+              <a:spLocks noChangeAspect="1" noChangeArrowheads="1"/>
+            </p:cNvSpPr>
+            <p:nvPr/>
+          </p:nvSpPr>
+          <p:spPr bwMode="auto">
+            <a:xfrm>
+              <a:off x="1676400" y="609600"/>
+              <a:ext cx="2220912" cy="2717800"/>
+            </a:xfrm>
+            <a:prstGeom prst="rect">
+              <a:avLst/>
+            </a:prstGeom>
             <a:noFill/>
-            <a:miter lim="800000"/>
-            <a:headEnd/>
-            <a:tailEnd/>
-          </a:ln>
-        </p:spPr>
-        <p:txBody>
-          <a:bodyPr vert="horz" wrap="square" lIns="91440" tIns="45720" rIns="91440" bIns="45720" numCol="1" anchor="t" anchorCtr="0" compatLnSpc="1">
-            <a:prstTxWarp prst="textNoShape">
+            <a:ln w="9525">
+              <a:noFill/>
+              <a:miter lim="800000"/>
+              <a:headEnd/>
+              <a:tailEnd/>
+            </a:ln>
+          </p:spPr>
+          <p:txBody>
+            <a:bodyPr vert="horz" wrap="square" lIns="91440" tIns="45720" rIns="91440" bIns="45720" numCol="1" anchor="t" anchorCtr="0" compatLnSpc="1">
+              <a:prstTxWarp prst="textNoShape">
+                <a:avLst/>
+              </a:prstTxWarp>
+            </a:bodyPr>
+            <a:lstStyle/>
+            <a:p>
+              <a:endParaRPr lang="en-US"/>
+            </a:p>
+          </p:txBody>
+        </p:sp>
+        <p:pic>
+          <p:nvPicPr>
+            <p:cNvPr id="6" name="Picture 5" descr="steven1"/>
+            <p:cNvPicPr>
+              <a:picLocks noChangeAspect="1" noChangeArrowheads="1"/>
+            </p:cNvPicPr>
+            <p:nvPr/>
+          </p:nvPicPr>
+          <p:blipFill>
+            <a:blip r:embed="rId2" cstate="print"/>
+            <a:srcRect l="16589" t="10042" r="10543" b="6915"/>
+            <a:stretch>
+              <a:fillRect/>
+            </a:stretch>
+          </p:blipFill>
+          <p:spPr bwMode="auto">
+            <a:xfrm>
+              <a:off x="2514600" y="609600"/>
+              <a:ext cx="3413760" cy="5181600"/>
+            </a:xfrm>
+            <a:prstGeom prst="rect">
               <a:avLst/>
-            </a:prstTxWarp>
-          </a:bodyPr>
-          <a:lstStyle/>
-          <a:p>
-            <a:endParaRPr lang="en-US"/>
-          </a:p>
-        </p:txBody>
-      </p:sp>
-      <p:pic>
-        <p:nvPicPr>
-          <p:cNvPr id="6" name="Picture 5" descr="steven1"/>
-          <p:cNvPicPr>
-            <a:picLocks noChangeAspect="1" noChangeArrowheads="1"/>
-          </p:cNvPicPr>
-          <p:nvPr/>
-        </p:nvPicPr>
-        <p:blipFill>
-          <a:blip r:embed="rId2" cstate="print"/>
-          <a:srcRect l="16589" t="10042" r="10543" b="6915"/>
-          <a:stretch>
-            <a:fillRect/>
-          </a:stretch>
-        </p:blipFill>
-        <p:spPr bwMode="auto">
-          <a:xfrm>
-            <a:off x="2514600" y="609600"/>
-            <a:ext cx="3413760" cy="5181600"/>
-          </a:xfrm>
-          <a:prstGeom prst="rect">
-            <a:avLst/>
-          </a:prstGeom>
-          <a:ln w="38100" cap="sq">
-            <a:solidFill>
-              <a:srgbClr val="000000"/>
-            </a:solidFill>
-            <a:prstDash val="solid"/>
-            <a:miter lim="800000"/>
-          </a:ln>
-          <a:effectLst>
-            <a:outerShdw blurRad="50800" dist="38100" dir="2700000" algn="tl" rotWithShape="0">
-              <a:srgbClr val="000000">
-                <a:alpha val="43000"/>
-              </a:srgbClr>
-            </a:outerShdw>
-          </a:effectLst>
-        </p:spPr>
-      </p:pic>
-      <p:sp>
-        <p:nvSpPr>
-          <p:cNvPr id="27" name="Right Arrow 26"/>
-          <p:cNvSpPr/>
-          <p:nvPr/>
-        </p:nvSpPr>
-        <p:spPr>
-          <a:xfrm rot="20761356">
-            <a:off x="2048820" y="1401220"/>
-            <a:ext cx="1671786" cy="174869"/>
-          </a:xfrm>
-          <a:prstGeom prst="rightArrow">
-            <a:avLst/>
-          </a:prstGeom>
-        </p:spPr>
-        <p:style>
-          <a:lnRef idx="1">
-            <a:schemeClr val="accent6"/>
-          </a:lnRef>
-          <a:fillRef idx="2">
-            <a:schemeClr val="accent6"/>
-          </a:fillRef>
-          <a:effectRef idx="1">
-            <a:schemeClr val="accent6"/>
-          </a:effectRef>
-          <a:fontRef idx="minor">
-            <a:schemeClr val="dk1"/>
-          </a:fontRef>
-        </p:style>
-        <p:txBody>
-          <a:bodyPr rtlCol="0" anchor="ctr"/>
-          <a:lstStyle/>
-          <a:p>
-            <a:pPr algn="ctr"/>
-            <a:endParaRPr lang="en-US"/>
-          </a:p>
-        </p:txBody>
-      </p:sp>
-      <p:sp>
-        <p:nvSpPr>
-          <p:cNvPr id="28" name="Right Arrow 27"/>
-          <p:cNvSpPr/>
-          <p:nvPr/>
-        </p:nvSpPr>
-        <p:spPr>
-          <a:xfrm>
-            <a:off x="2069275" y="1576450"/>
-            <a:ext cx="1600200" cy="152400"/>
-          </a:xfrm>
-          <a:prstGeom prst="rightArrow">
-            <a:avLst/>
-          </a:prstGeom>
-        </p:spPr>
-        <p:style>
-          <a:lnRef idx="1">
-            <a:schemeClr val="accent6"/>
-          </a:lnRef>
-          <a:fillRef idx="2">
-            <a:schemeClr val="accent6"/>
-          </a:fillRef>
-          <a:effectRef idx="1">
-            <a:schemeClr val="accent6"/>
-          </a:effectRef>
-          <a:fontRef idx="minor">
-            <a:schemeClr val="dk1"/>
-          </a:fontRef>
-        </p:style>
-        <p:txBody>
-          <a:bodyPr rtlCol="0" anchor="ctr"/>
-          <a:lstStyle/>
-          <a:p>
-            <a:pPr algn="ctr"/>
-            <a:endParaRPr lang="en-US"/>
-          </a:p>
-        </p:txBody>
-      </p:sp>
-      <p:sp>
-        <p:nvSpPr>
-          <p:cNvPr id="29" name="Right Arrow 28"/>
-          <p:cNvSpPr/>
-          <p:nvPr/>
-        </p:nvSpPr>
-        <p:spPr>
-          <a:xfrm rot="827554">
-            <a:off x="2080903" y="1800628"/>
-            <a:ext cx="1600200" cy="152400"/>
-          </a:xfrm>
-          <a:prstGeom prst="rightArrow">
-            <a:avLst/>
-          </a:prstGeom>
-        </p:spPr>
-        <p:style>
-          <a:lnRef idx="1">
-            <a:schemeClr val="accent6"/>
-          </a:lnRef>
-          <a:fillRef idx="2">
-            <a:schemeClr val="accent6"/>
-          </a:fillRef>
-          <a:effectRef idx="1">
-            <a:schemeClr val="accent6"/>
-          </a:effectRef>
-          <a:fontRef idx="minor">
-            <a:schemeClr val="dk1"/>
-          </a:fontRef>
-        </p:style>
-        <p:txBody>
-          <a:bodyPr rtlCol="0" anchor="ctr"/>
-          <a:lstStyle/>
-          <a:p>
-            <a:pPr algn="ctr"/>
-            <a:endParaRPr lang="en-US"/>
-          </a:p>
-        </p:txBody>
-      </p:sp>
-      <p:pic>
-        <p:nvPicPr>
-          <p:cNvPr id="24" name="Picture 23" descr="0802pg25_f1.jpg"/>
-          <p:cNvPicPr>
-            <a:picLocks noChangeAspect="1"/>
-          </p:cNvPicPr>
-          <p:nvPr/>
-        </p:nvPicPr>
-        <p:blipFill>
-          <a:blip r:embed="rId3" cstate="print"/>
-          <a:stretch>
-            <a:fillRect/>
-          </a:stretch>
-        </p:blipFill>
-        <p:spPr>
-          <a:xfrm>
-            <a:off x="211775" y="838200"/>
-            <a:ext cx="1981200" cy="1981200"/>
-          </a:xfrm>
-          <a:prstGeom prst="rect">
-            <a:avLst/>
-          </a:prstGeom>
-        </p:spPr>
-      </p:pic>
-      <p:sp>
-        <p:nvSpPr>
-          <p:cNvPr id="33" name="Right Arrow 32"/>
-          <p:cNvSpPr/>
-          <p:nvPr/>
-        </p:nvSpPr>
-        <p:spPr>
-          <a:xfrm>
-            <a:off x="1825169" y="4009311"/>
-            <a:ext cx="1671786" cy="174869"/>
-          </a:xfrm>
-          <a:prstGeom prst="rightArrow">
-            <a:avLst/>
-          </a:prstGeom>
-        </p:spPr>
-        <p:style>
-          <a:lnRef idx="1">
-            <a:schemeClr val="accent6"/>
-          </a:lnRef>
-          <a:fillRef idx="2">
-            <a:schemeClr val="accent6"/>
-          </a:fillRef>
-          <a:effectRef idx="1">
-            <a:schemeClr val="accent6"/>
-          </a:effectRef>
-          <a:fontRef idx="minor">
-            <a:schemeClr val="dk1"/>
-          </a:fontRef>
-        </p:style>
-        <p:txBody>
-          <a:bodyPr rtlCol="0" anchor="ctr"/>
-          <a:lstStyle/>
-          <a:p>
-            <a:pPr algn="ctr"/>
-            <a:endParaRPr lang="en-US"/>
-          </a:p>
-        </p:txBody>
-      </p:sp>
-      <p:sp>
-        <p:nvSpPr>
-          <p:cNvPr id="30" name="Oval 29"/>
-          <p:cNvSpPr/>
-          <p:nvPr/>
-        </p:nvSpPr>
-        <p:spPr>
-          <a:xfrm>
-            <a:off x="381000" y="3669475"/>
-            <a:ext cx="1905000" cy="914400"/>
-          </a:xfrm>
-          <a:prstGeom prst="ellipse">
-            <a:avLst/>
-          </a:prstGeom>
-        </p:spPr>
-        <p:style>
-          <a:lnRef idx="1">
-            <a:schemeClr val="accent2"/>
-          </a:lnRef>
-          <a:fillRef idx="3">
-            <a:schemeClr val="accent2"/>
-          </a:fillRef>
-          <a:effectRef idx="2">
-            <a:schemeClr val="accent2"/>
-          </a:effectRef>
-          <a:fontRef idx="minor">
-            <a:schemeClr val="lt1"/>
-          </a:fontRef>
-        </p:style>
-        <p:txBody>
-          <a:bodyPr rtlCol="0" anchor="ctr"/>
-          <a:lstStyle/>
-          <a:p>
-            <a:pPr algn="ctr"/>
-            <a:r>
-              <a:rPr lang="en-US" dirty="0" smtClean="0"/>
-              <a:t>Darlington Motor Driver </a:t>
-            </a:r>
-            <a:endParaRPr lang="en-US" dirty="0"/>
-          </a:p>
-        </p:txBody>
-      </p:sp>
-      <p:sp>
-        <p:nvSpPr>
-          <p:cNvPr id="34" name="Right Arrow 33"/>
-          <p:cNvSpPr/>
-          <p:nvPr/>
-        </p:nvSpPr>
-        <p:spPr>
-          <a:xfrm rot="18767969">
-            <a:off x="2539396" y="5793034"/>
-            <a:ext cx="1671786" cy="174869"/>
-          </a:xfrm>
-          <a:prstGeom prst="rightArrow">
-            <a:avLst/>
-          </a:prstGeom>
-        </p:spPr>
-        <p:style>
-          <a:lnRef idx="1">
-            <a:schemeClr val="accent6"/>
-          </a:lnRef>
-          <a:fillRef idx="2">
-            <a:schemeClr val="accent6"/>
-          </a:fillRef>
-          <a:effectRef idx="1">
-            <a:schemeClr val="accent6"/>
-          </a:effectRef>
-          <a:fontRef idx="minor">
-            <a:schemeClr val="dk1"/>
-          </a:fontRef>
-        </p:style>
-        <p:txBody>
-          <a:bodyPr rtlCol="0" anchor="ctr"/>
-          <a:lstStyle/>
-          <a:p>
-            <a:pPr algn="ctr"/>
-            <a:endParaRPr lang="en-US"/>
-          </a:p>
-        </p:txBody>
-      </p:sp>
-      <p:sp>
-        <p:nvSpPr>
-          <p:cNvPr id="31" name="Oval 30"/>
-          <p:cNvSpPr/>
-          <p:nvPr/>
-        </p:nvSpPr>
-        <p:spPr>
-          <a:xfrm>
-            <a:off x="1905000" y="5884225"/>
-            <a:ext cx="1905000" cy="914400"/>
-          </a:xfrm>
-          <a:prstGeom prst="ellipse">
-            <a:avLst/>
-          </a:prstGeom>
-        </p:spPr>
-        <p:style>
-          <a:lnRef idx="1">
-            <a:schemeClr val="accent2"/>
-          </a:lnRef>
-          <a:fillRef idx="3">
-            <a:schemeClr val="accent2"/>
-          </a:fillRef>
-          <a:effectRef idx="2">
-            <a:schemeClr val="accent2"/>
-          </a:effectRef>
-          <a:fontRef idx="minor">
-            <a:schemeClr val="lt1"/>
-          </a:fontRef>
-        </p:style>
-        <p:txBody>
-          <a:bodyPr rtlCol="0" anchor="ctr"/>
-          <a:lstStyle/>
-          <a:p>
-            <a:pPr algn="ctr"/>
-            <a:r>
-              <a:rPr lang="en-US" dirty="0" smtClean="0"/>
-              <a:t>USB-Serial Interface </a:t>
-            </a:r>
-            <a:endParaRPr lang="en-US" dirty="0"/>
-          </a:p>
-        </p:txBody>
-      </p:sp>
-      <p:sp>
-        <p:nvSpPr>
-          <p:cNvPr id="35" name="Right Arrow 34"/>
-          <p:cNvSpPr/>
-          <p:nvPr/>
-        </p:nvSpPr>
-        <p:spPr>
-          <a:xfrm rot="15270998">
-            <a:off x="4424518" y="5618264"/>
-            <a:ext cx="1671786" cy="174869"/>
-          </a:xfrm>
-          <a:prstGeom prst="rightArrow">
-            <a:avLst/>
-          </a:prstGeom>
-        </p:spPr>
-        <p:style>
-          <a:lnRef idx="1">
-            <a:schemeClr val="accent6"/>
-          </a:lnRef>
-          <a:fillRef idx="2">
-            <a:schemeClr val="accent6"/>
-          </a:fillRef>
-          <a:effectRef idx="1">
-            <a:schemeClr val="accent6"/>
-          </a:effectRef>
-          <a:fontRef idx="minor">
-            <a:schemeClr val="dk1"/>
-          </a:fontRef>
-        </p:style>
-        <p:txBody>
-          <a:bodyPr rtlCol="0" anchor="ctr"/>
-          <a:lstStyle/>
-          <a:p>
-            <a:pPr algn="ctr"/>
-            <a:endParaRPr lang="en-US"/>
-          </a:p>
-        </p:txBody>
-      </p:sp>
-      <p:sp>
-        <p:nvSpPr>
-          <p:cNvPr id="32" name="Oval 31"/>
-          <p:cNvSpPr/>
-          <p:nvPr/>
-        </p:nvSpPr>
-        <p:spPr>
-          <a:xfrm>
-            <a:off x="4467100" y="5896100"/>
-            <a:ext cx="1905000" cy="914400"/>
-          </a:xfrm>
-          <a:prstGeom prst="ellipse">
-            <a:avLst/>
-          </a:prstGeom>
-        </p:spPr>
-        <p:style>
-          <a:lnRef idx="1">
-            <a:schemeClr val="accent2"/>
-          </a:lnRef>
-          <a:fillRef idx="3">
-            <a:schemeClr val="accent2"/>
-          </a:fillRef>
-          <a:effectRef idx="2">
-            <a:schemeClr val="accent2"/>
-          </a:effectRef>
-          <a:fontRef idx="minor">
-            <a:schemeClr val="lt1"/>
-          </a:fontRef>
-        </p:style>
-        <p:txBody>
-          <a:bodyPr rtlCol="0" anchor="ctr"/>
-          <a:lstStyle/>
-          <a:p>
-            <a:pPr algn="ctr"/>
-            <a:r>
-              <a:rPr lang="en-US" dirty="0" smtClean="0"/>
-              <a:t>Debug Port LED</a:t>
-            </a:r>
-            <a:endParaRPr lang="en-US" dirty="0"/>
-          </a:p>
-        </p:txBody>
-      </p:sp>
-      <p:sp>
-        <p:nvSpPr>
-          <p:cNvPr id="36" name="Right Arrow 35"/>
-          <p:cNvSpPr/>
-          <p:nvPr/>
-        </p:nvSpPr>
-        <p:spPr>
-          <a:xfrm rot="10800000">
-            <a:off x="5586351" y="4723846"/>
-            <a:ext cx="1671786" cy="174869"/>
-          </a:xfrm>
-          <a:prstGeom prst="rightArrow">
-            <a:avLst/>
-          </a:prstGeom>
-        </p:spPr>
-        <p:style>
-          <a:lnRef idx="1">
-            <a:schemeClr val="accent6"/>
-          </a:lnRef>
-          <a:fillRef idx="2">
-            <a:schemeClr val="accent6"/>
-          </a:fillRef>
-          <a:effectRef idx="1">
-            <a:schemeClr val="accent6"/>
-          </a:effectRef>
-          <a:fontRef idx="minor">
-            <a:schemeClr val="dk1"/>
-          </a:fontRef>
-        </p:style>
-        <p:txBody>
-          <a:bodyPr rtlCol="0" anchor="ctr"/>
-          <a:lstStyle/>
-          <a:p>
-            <a:pPr algn="ctr"/>
-            <a:endParaRPr lang="en-US"/>
-          </a:p>
-        </p:txBody>
-      </p:sp>
-      <p:sp>
-        <p:nvSpPr>
-          <p:cNvPr id="26" name="Oval 25"/>
-          <p:cNvSpPr/>
-          <p:nvPr/>
-        </p:nvSpPr>
-        <p:spPr>
-          <a:xfrm>
-            <a:off x="6323555" y="4367150"/>
-            <a:ext cx="2057400" cy="914400"/>
-          </a:xfrm>
-          <a:prstGeom prst="ellipse">
-            <a:avLst/>
-          </a:prstGeom>
-        </p:spPr>
-        <p:style>
-          <a:lnRef idx="1">
-            <a:schemeClr val="accent2"/>
-          </a:lnRef>
-          <a:fillRef idx="3">
-            <a:schemeClr val="accent2"/>
-          </a:fillRef>
-          <a:effectRef idx="2">
-            <a:schemeClr val="accent2"/>
-          </a:effectRef>
-          <a:fontRef idx="minor">
-            <a:schemeClr val="lt1"/>
-          </a:fontRef>
-        </p:style>
-        <p:txBody>
-          <a:bodyPr rtlCol="0" anchor="ctr"/>
-          <a:lstStyle/>
-          <a:p>
-            <a:pPr algn="ctr"/>
-            <a:r>
-              <a:rPr lang="el-GR" dirty="0" smtClean="0"/>
-              <a:t>μ</a:t>
-            </a:r>
-            <a:r>
-              <a:rPr lang="en-US" dirty="0" smtClean="0"/>
-              <a:t>C </a:t>
-            </a:r>
-            <a:r>
-              <a:rPr lang="en-US" dirty="0" smtClean="0"/>
-              <a:t>Programming Port</a:t>
-            </a:r>
-            <a:endParaRPr lang="en-US" dirty="0"/>
-          </a:p>
-        </p:txBody>
-      </p:sp>
-      <p:sp>
-        <p:nvSpPr>
-          <p:cNvPr id="37" name="TextBox 36"/>
-          <p:cNvSpPr txBox="1"/>
-          <p:nvPr/>
-        </p:nvSpPr>
-        <p:spPr>
-          <a:xfrm>
-            <a:off x="228601" y="269175"/>
-            <a:ext cx="1905000" cy="646331"/>
-          </a:xfrm>
-          <a:prstGeom prst="rect">
-            <a:avLst/>
-          </a:prstGeom>
-          <a:noFill/>
-        </p:spPr>
-        <p:txBody>
-          <a:bodyPr wrap="square" rtlCol="0">
-            <a:spAutoFit/>
-          </a:bodyPr>
-          <a:lstStyle/>
-          <a:p>
-            <a:pPr algn="ctr"/>
-            <a:r>
-              <a:rPr lang="en-US" dirty="0" smtClean="0"/>
-              <a:t>Shaftless Vibration Motor</a:t>
-            </a:r>
-            <a:endParaRPr lang="en-US" dirty="0"/>
-          </a:p>
-        </p:txBody>
-      </p:sp>
-      <p:sp>
-        <p:nvSpPr>
-          <p:cNvPr id="38" name="Right Arrow 37"/>
-          <p:cNvSpPr/>
-          <p:nvPr/>
-        </p:nvSpPr>
-        <p:spPr>
-          <a:xfrm rot="9807424">
-            <a:off x="4943295" y="3282387"/>
-            <a:ext cx="1671786" cy="174869"/>
-          </a:xfrm>
-          <a:prstGeom prst="rightArrow">
-            <a:avLst/>
-          </a:prstGeom>
-        </p:spPr>
-        <p:style>
-          <a:lnRef idx="1">
-            <a:schemeClr val="accent6"/>
-          </a:lnRef>
-          <a:fillRef idx="2">
-            <a:schemeClr val="accent6"/>
-          </a:fillRef>
-          <a:effectRef idx="1">
-            <a:schemeClr val="accent6"/>
-          </a:effectRef>
-          <a:fontRef idx="minor">
-            <a:schemeClr val="dk1"/>
-          </a:fontRef>
-        </p:style>
-        <p:txBody>
-          <a:bodyPr rtlCol="0" anchor="ctr"/>
-          <a:lstStyle/>
-          <a:p>
-            <a:pPr algn="ctr"/>
-            <a:endParaRPr lang="en-US"/>
-          </a:p>
-        </p:txBody>
-      </p:sp>
-      <p:sp>
-        <p:nvSpPr>
-          <p:cNvPr id="25" name="Oval 24"/>
-          <p:cNvSpPr/>
-          <p:nvPr/>
-        </p:nvSpPr>
-        <p:spPr>
-          <a:xfrm>
-            <a:off x="6189025" y="2719450"/>
-            <a:ext cx="1905000" cy="914400"/>
-          </a:xfrm>
-          <a:prstGeom prst="ellipse">
-            <a:avLst/>
-          </a:prstGeom>
-        </p:spPr>
-        <p:style>
-          <a:lnRef idx="1">
-            <a:schemeClr val="accent2"/>
-          </a:lnRef>
-          <a:fillRef idx="3">
-            <a:schemeClr val="accent2"/>
-          </a:fillRef>
-          <a:effectRef idx="2">
-            <a:schemeClr val="accent2"/>
-          </a:effectRef>
-          <a:fontRef idx="minor">
-            <a:schemeClr val="lt1"/>
-          </a:fontRef>
-        </p:style>
-        <p:txBody>
-          <a:bodyPr rtlCol="0" anchor="ctr"/>
-          <a:lstStyle/>
-          <a:p>
-            <a:pPr algn="ctr"/>
-            <a:r>
-              <a:rPr lang="en-US" dirty="0" smtClean="0"/>
-              <a:t>Atmel ATmega168 </a:t>
-            </a:r>
-            <a:r>
-              <a:rPr lang="el-GR" dirty="0" smtClean="0"/>
-              <a:t>μ</a:t>
-            </a:r>
-            <a:r>
-              <a:rPr lang="en-US" dirty="0" smtClean="0"/>
-              <a:t>C </a:t>
-            </a:r>
-            <a:endParaRPr lang="en-US" dirty="0"/>
-          </a:p>
-        </p:txBody>
-      </p:sp>
+            </a:prstGeom>
+            <a:ln w="38100" cap="sq">
+              <a:solidFill>
+                <a:srgbClr val="000000"/>
+              </a:solidFill>
+              <a:prstDash val="solid"/>
+              <a:miter lim="800000"/>
+            </a:ln>
+            <a:effectLst>
+              <a:outerShdw blurRad="50800" dist="38100" dir="2700000" algn="tl" rotWithShape="0">
+                <a:srgbClr val="000000">
+                  <a:alpha val="43000"/>
+                </a:srgbClr>
+              </a:outerShdw>
+            </a:effectLst>
+          </p:spPr>
+        </p:pic>
+        <p:sp>
+          <p:nvSpPr>
+            <p:cNvPr id="27" name="Right Arrow 26"/>
+            <p:cNvSpPr/>
+            <p:nvPr/>
+          </p:nvSpPr>
+          <p:spPr>
+            <a:xfrm rot="20761356">
+              <a:off x="2048820" y="1401220"/>
+              <a:ext cx="1671786" cy="174869"/>
+            </a:xfrm>
+            <a:prstGeom prst="rightArrow">
+              <a:avLst/>
+            </a:prstGeom>
+          </p:spPr>
+          <p:style>
+            <a:lnRef idx="1">
+              <a:schemeClr val="accent6"/>
+            </a:lnRef>
+            <a:fillRef idx="2">
+              <a:schemeClr val="accent6"/>
+            </a:fillRef>
+            <a:effectRef idx="1">
+              <a:schemeClr val="accent6"/>
+            </a:effectRef>
+            <a:fontRef idx="minor">
+              <a:schemeClr val="dk1"/>
+            </a:fontRef>
+          </p:style>
+          <p:txBody>
+            <a:bodyPr rtlCol="0" anchor="ctr"/>
+            <a:lstStyle/>
+            <a:p>
+              <a:pPr algn="ctr"/>
+              <a:endParaRPr lang="en-US"/>
+            </a:p>
+          </p:txBody>
+        </p:sp>
+        <p:sp>
+          <p:nvSpPr>
+            <p:cNvPr id="28" name="Right Arrow 27"/>
+            <p:cNvSpPr/>
+            <p:nvPr/>
+          </p:nvSpPr>
+          <p:spPr>
+            <a:xfrm>
+              <a:off x="2069275" y="1576450"/>
+              <a:ext cx="1600200" cy="152400"/>
+            </a:xfrm>
+            <a:prstGeom prst="rightArrow">
+              <a:avLst/>
+            </a:prstGeom>
+          </p:spPr>
+          <p:style>
+            <a:lnRef idx="1">
+              <a:schemeClr val="accent6"/>
+            </a:lnRef>
+            <a:fillRef idx="2">
+              <a:schemeClr val="accent6"/>
+            </a:fillRef>
+            <a:effectRef idx="1">
+              <a:schemeClr val="accent6"/>
+            </a:effectRef>
+            <a:fontRef idx="minor">
+              <a:schemeClr val="dk1"/>
+            </a:fontRef>
+          </p:style>
+          <p:txBody>
+            <a:bodyPr rtlCol="0" anchor="ctr"/>
+            <a:lstStyle/>
+            <a:p>
+              <a:pPr algn="ctr"/>
+              <a:endParaRPr lang="en-US"/>
+            </a:p>
+          </p:txBody>
+        </p:sp>
+        <p:sp>
+          <p:nvSpPr>
+            <p:cNvPr id="29" name="Right Arrow 28"/>
+            <p:cNvSpPr/>
+            <p:nvPr/>
+          </p:nvSpPr>
+          <p:spPr>
+            <a:xfrm rot="827554">
+              <a:off x="2080903" y="1800628"/>
+              <a:ext cx="1600200" cy="152400"/>
+            </a:xfrm>
+            <a:prstGeom prst="rightArrow">
+              <a:avLst/>
+            </a:prstGeom>
+          </p:spPr>
+          <p:style>
+            <a:lnRef idx="1">
+              <a:schemeClr val="accent6"/>
+            </a:lnRef>
+            <a:fillRef idx="2">
+              <a:schemeClr val="accent6"/>
+            </a:fillRef>
+            <a:effectRef idx="1">
+              <a:schemeClr val="accent6"/>
+            </a:effectRef>
+            <a:fontRef idx="minor">
+              <a:schemeClr val="dk1"/>
+            </a:fontRef>
+          </p:style>
+          <p:txBody>
+            <a:bodyPr rtlCol="0" anchor="ctr"/>
+            <a:lstStyle/>
+            <a:p>
+              <a:pPr algn="ctr"/>
+              <a:endParaRPr lang="en-US"/>
+            </a:p>
+          </p:txBody>
+        </p:sp>
+        <p:pic>
+          <p:nvPicPr>
+            <p:cNvPr id="24" name="Picture 23" descr="0802pg25_f1.jpg"/>
+            <p:cNvPicPr>
+              <a:picLocks noChangeAspect="1"/>
+            </p:cNvPicPr>
+            <p:nvPr/>
+          </p:nvPicPr>
+          <p:blipFill>
+            <a:blip r:embed="rId3" cstate="print"/>
+            <a:stretch>
+              <a:fillRect/>
+            </a:stretch>
+          </p:blipFill>
+          <p:spPr>
+            <a:xfrm>
+              <a:off x="211775" y="838200"/>
+              <a:ext cx="1981200" cy="1981200"/>
+            </a:xfrm>
+            <a:prstGeom prst="rect">
+              <a:avLst/>
+            </a:prstGeom>
+          </p:spPr>
+        </p:pic>
+        <p:sp>
+          <p:nvSpPr>
+            <p:cNvPr id="33" name="Right Arrow 32"/>
+            <p:cNvSpPr/>
+            <p:nvPr/>
+          </p:nvSpPr>
+          <p:spPr>
+            <a:xfrm>
+              <a:off x="1825169" y="4009311"/>
+              <a:ext cx="1671786" cy="174869"/>
+            </a:xfrm>
+            <a:prstGeom prst="rightArrow">
+              <a:avLst/>
+            </a:prstGeom>
+          </p:spPr>
+          <p:style>
+            <a:lnRef idx="1">
+              <a:schemeClr val="accent6"/>
+            </a:lnRef>
+            <a:fillRef idx="2">
+              <a:schemeClr val="accent6"/>
+            </a:fillRef>
+            <a:effectRef idx="1">
+              <a:schemeClr val="accent6"/>
+            </a:effectRef>
+            <a:fontRef idx="minor">
+              <a:schemeClr val="dk1"/>
+            </a:fontRef>
+          </p:style>
+          <p:txBody>
+            <a:bodyPr rtlCol="0" anchor="ctr"/>
+            <a:lstStyle/>
+            <a:p>
+              <a:pPr algn="ctr"/>
+              <a:endParaRPr lang="en-US"/>
+            </a:p>
+          </p:txBody>
+        </p:sp>
+        <p:sp>
+          <p:nvSpPr>
+            <p:cNvPr id="30" name="Oval 29"/>
+            <p:cNvSpPr/>
+            <p:nvPr/>
+          </p:nvSpPr>
+          <p:spPr>
+            <a:xfrm>
+              <a:off x="381000" y="3669475"/>
+              <a:ext cx="1905000" cy="914400"/>
+            </a:xfrm>
+            <a:prstGeom prst="ellipse">
+              <a:avLst/>
+            </a:prstGeom>
+          </p:spPr>
+          <p:style>
+            <a:lnRef idx="1">
+              <a:schemeClr val="accent2"/>
+            </a:lnRef>
+            <a:fillRef idx="3">
+              <a:schemeClr val="accent2"/>
+            </a:fillRef>
+            <a:effectRef idx="2">
+              <a:schemeClr val="accent2"/>
+            </a:effectRef>
+            <a:fontRef idx="minor">
+              <a:schemeClr val="lt1"/>
+            </a:fontRef>
+          </p:style>
+          <p:txBody>
+            <a:bodyPr rtlCol="0" anchor="ctr"/>
+            <a:lstStyle/>
+            <a:p>
+              <a:pPr algn="ctr"/>
+              <a:r>
+                <a:rPr lang="en-US" dirty="0" smtClean="0"/>
+                <a:t>Darlington Motor Driver </a:t>
+              </a:r>
+              <a:endParaRPr lang="en-US" dirty="0"/>
+            </a:p>
+          </p:txBody>
+        </p:sp>
+        <p:sp>
+          <p:nvSpPr>
+            <p:cNvPr id="34" name="Right Arrow 33"/>
+            <p:cNvSpPr/>
+            <p:nvPr/>
+          </p:nvSpPr>
+          <p:spPr>
+            <a:xfrm rot="18767969">
+              <a:off x="2539396" y="5793034"/>
+              <a:ext cx="1671786" cy="174869"/>
+            </a:xfrm>
+            <a:prstGeom prst="rightArrow">
+              <a:avLst/>
+            </a:prstGeom>
+          </p:spPr>
+          <p:style>
+            <a:lnRef idx="1">
+              <a:schemeClr val="accent6"/>
+            </a:lnRef>
+            <a:fillRef idx="2">
+              <a:schemeClr val="accent6"/>
+            </a:fillRef>
+            <a:effectRef idx="1">
+              <a:schemeClr val="accent6"/>
+            </a:effectRef>
+            <a:fontRef idx="minor">
+              <a:schemeClr val="dk1"/>
+            </a:fontRef>
+          </p:style>
+          <p:txBody>
+            <a:bodyPr rtlCol="0" anchor="ctr"/>
+            <a:lstStyle/>
+            <a:p>
+              <a:pPr algn="ctr"/>
+              <a:endParaRPr lang="en-US"/>
+            </a:p>
+          </p:txBody>
+        </p:sp>
+        <p:sp>
+          <p:nvSpPr>
+            <p:cNvPr id="31" name="Oval 30"/>
+            <p:cNvSpPr/>
+            <p:nvPr/>
+          </p:nvSpPr>
+          <p:spPr>
+            <a:xfrm>
+              <a:off x="1905000" y="5884225"/>
+              <a:ext cx="1905000" cy="914400"/>
+            </a:xfrm>
+            <a:prstGeom prst="ellipse">
+              <a:avLst/>
+            </a:prstGeom>
+          </p:spPr>
+          <p:style>
+            <a:lnRef idx="1">
+              <a:schemeClr val="accent2"/>
+            </a:lnRef>
+            <a:fillRef idx="3">
+              <a:schemeClr val="accent2"/>
+            </a:fillRef>
+            <a:effectRef idx="2">
+              <a:schemeClr val="accent2"/>
+            </a:effectRef>
+            <a:fontRef idx="minor">
+              <a:schemeClr val="lt1"/>
+            </a:fontRef>
+          </p:style>
+          <p:txBody>
+            <a:bodyPr rtlCol="0" anchor="ctr"/>
+            <a:lstStyle/>
+            <a:p>
+              <a:pPr algn="ctr"/>
+              <a:r>
+                <a:rPr lang="en-US" dirty="0" smtClean="0"/>
+                <a:t>USB-Serial Interface </a:t>
+              </a:r>
+              <a:endParaRPr lang="en-US" dirty="0"/>
+            </a:p>
+          </p:txBody>
+        </p:sp>
+        <p:sp>
+          <p:nvSpPr>
+            <p:cNvPr id="35" name="Right Arrow 34"/>
+            <p:cNvSpPr/>
+            <p:nvPr/>
+          </p:nvSpPr>
+          <p:spPr>
+            <a:xfrm rot="15270998">
+              <a:off x="4424518" y="5618264"/>
+              <a:ext cx="1671786" cy="174869"/>
+            </a:xfrm>
+            <a:prstGeom prst="rightArrow">
+              <a:avLst/>
+            </a:prstGeom>
+          </p:spPr>
+          <p:style>
+            <a:lnRef idx="1">
+              <a:schemeClr val="accent6"/>
+            </a:lnRef>
+            <a:fillRef idx="2">
+              <a:schemeClr val="accent6"/>
+            </a:fillRef>
+            <a:effectRef idx="1">
+              <a:schemeClr val="accent6"/>
+            </a:effectRef>
+            <a:fontRef idx="minor">
+              <a:schemeClr val="dk1"/>
+            </a:fontRef>
+          </p:style>
+          <p:txBody>
+            <a:bodyPr rtlCol="0" anchor="ctr"/>
+            <a:lstStyle/>
+            <a:p>
+              <a:pPr algn="ctr"/>
+              <a:endParaRPr lang="en-US"/>
+            </a:p>
+          </p:txBody>
+        </p:sp>
+        <p:sp>
+          <p:nvSpPr>
+            <p:cNvPr id="32" name="Oval 31"/>
+            <p:cNvSpPr/>
+            <p:nvPr/>
+          </p:nvSpPr>
+          <p:spPr>
+            <a:xfrm>
+              <a:off x="4467100" y="5896100"/>
+              <a:ext cx="1905000" cy="914400"/>
+            </a:xfrm>
+            <a:prstGeom prst="ellipse">
+              <a:avLst/>
+            </a:prstGeom>
+          </p:spPr>
+          <p:style>
+            <a:lnRef idx="1">
+              <a:schemeClr val="accent2"/>
+            </a:lnRef>
+            <a:fillRef idx="3">
+              <a:schemeClr val="accent2"/>
+            </a:fillRef>
+            <a:effectRef idx="2">
+              <a:schemeClr val="accent2"/>
+            </a:effectRef>
+            <a:fontRef idx="minor">
+              <a:schemeClr val="lt1"/>
+            </a:fontRef>
+          </p:style>
+          <p:txBody>
+            <a:bodyPr rtlCol="0" anchor="ctr"/>
+            <a:lstStyle/>
+            <a:p>
+              <a:pPr algn="ctr"/>
+              <a:r>
+                <a:rPr lang="en-US" dirty="0" smtClean="0"/>
+                <a:t>Debug Port LED</a:t>
+              </a:r>
+              <a:endParaRPr lang="en-US" dirty="0"/>
+            </a:p>
+          </p:txBody>
+        </p:sp>
+        <p:sp>
+          <p:nvSpPr>
+            <p:cNvPr id="36" name="Right Arrow 35"/>
+            <p:cNvSpPr/>
+            <p:nvPr/>
+          </p:nvSpPr>
+          <p:spPr>
+            <a:xfrm rot="10800000">
+              <a:off x="5586351" y="4723846"/>
+              <a:ext cx="1671786" cy="174869"/>
+            </a:xfrm>
+            <a:prstGeom prst="rightArrow">
+              <a:avLst/>
+            </a:prstGeom>
+          </p:spPr>
+          <p:style>
+            <a:lnRef idx="1">
+              <a:schemeClr val="accent6"/>
+            </a:lnRef>
+            <a:fillRef idx="2">
+              <a:schemeClr val="accent6"/>
+            </a:fillRef>
+            <a:effectRef idx="1">
+              <a:schemeClr val="accent6"/>
+            </a:effectRef>
+            <a:fontRef idx="minor">
+              <a:schemeClr val="dk1"/>
+            </a:fontRef>
+          </p:style>
+          <p:txBody>
+            <a:bodyPr rtlCol="0" anchor="ctr"/>
+            <a:lstStyle/>
+            <a:p>
+              <a:pPr algn="ctr"/>
+              <a:endParaRPr lang="en-US"/>
+            </a:p>
+          </p:txBody>
+        </p:sp>
+        <p:sp>
+          <p:nvSpPr>
+            <p:cNvPr id="26" name="Oval 25"/>
+            <p:cNvSpPr/>
+            <p:nvPr/>
+          </p:nvSpPr>
+          <p:spPr>
+            <a:xfrm>
+              <a:off x="6323555" y="4367150"/>
+              <a:ext cx="2057400" cy="914400"/>
+            </a:xfrm>
+            <a:prstGeom prst="ellipse">
+              <a:avLst/>
+            </a:prstGeom>
+          </p:spPr>
+          <p:style>
+            <a:lnRef idx="1">
+              <a:schemeClr val="accent2"/>
+            </a:lnRef>
+            <a:fillRef idx="3">
+              <a:schemeClr val="accent2"/>
+            </a:fillRef>
+            <a:effectRef idx="2">
+              <a:schemeClr val="accent2"/>
+            </a:effectRef>
+            <a:fontRef idx="minor">
+              <a:schemeClr val="lt1"/>
+            </a:fontRef>
+          </p:style>
+          <p:txBody>
+            <a:bodyPr rtlCol="0" anchor="ctr"/>
+            <a:lstStyle/>
+            <a:p>
+              <a:pPr algn="ctr"/>
+              <a:r>
+                <a:rPr lang="el-GR" dirty="0" smtClean="0"/>
+                <a:t>μ</a:t>
+              </a:r>
+              <a:r>
+                <a:rPr lang="en-US" dirty="0" smtClean="0"/>
+                <a:t>C Programming Port</a:t>
+              </a:r>
+              <a:endParaRPr lang="en-US" dirty="0"/>
+            </a:p>
+          </p:txBody>
+        </p:sp>
+        <p:sp>
+          <p:nvSpPr>
+            <p:cNvPr id="38" name="Right Arrow 37"/>
+            <p:cNvSpPr/>
+            <p:nvPr/>
+          </p:nvSpPr>
+          <p:spPr>
+            <a:xfrm rot="9807424">
+              <a:off x="4943295" y="3282387"/>
+              <a:ext cx="1671786" cy="174869"/>
+            </a:xfrm>
+            <a:prstGeom prst="rightArrow">
+              <a:avLst/>
+            </a:prstGeom>
+          </p:spPr>
+          <p:style>
+            <a:lnRef idx="1">
+              <a:schemeClr val="accent6"/>
+            </a:lnRef>
+            <a:fillRef idx="2">
+              <a:schemeClr val="accent6"/>
+            </a:fillRef>
+            <a:effectRef idx="1">
+              <a:schemeClr val="accent6"/>
+            </a:effectRef>
+            <a:fontRef idx="minor">
+              <a:schemeClr val="dk1"/>
+            </a:fontRef>
+          </p:style>
+          <p:txBody>
+            <a:bodyPr rtlCol="0" anchor="ctr"/>
+            <a:lstStyle/>
+            <a:p>
+              <a:pPr algn="ctr"/>
+              <a:endParaRPr lang="en-US"/>
+            </a:p>
+          </p:txBody>
+        </p:sp>
+        <p:sp>
+          <p:nvSpPr>
+            <p:cNvPr id="25" name="Oval 24"/>
+            <p:cNvSpPr/>
+            <p:nvPr/>
+          </p:nvSpPr>
+          <p:spPr>
+            <a:xfrm>
+              <a:off x="6189025" y="2719450"/>
+              <a:ext cx="1905000" cy="914400"/>
+            </a:xfrm>
+            <a:prstGeom prst="ellipse">
+              <a:avLst/>
+            </a:prstGeom>
+          </p:spPr>
+          <p:style>
+            <a:lnRef idx="1">
+              <a:schemeClr val="accent2"/>
+            </a:lnRef>
+            <a:fillRef idx="3">
+              <a:schemeClr val="accent2"/>
+            </a:fillRef>
+            <a:effectRef idx="2">
+              <a:schemeClr val="accent2"/>
+            </a:effectRef>
+            <a:fontRef idx="minor">
+              <a:schemeClr val="lt1"/>
+            </a:fontRef>
+          </p:style>
+          <p:txBody>
+            <a:bodyPr rtlCol="0" anchor="ctr"/>
+            <a:lstStyle/>
+            <a:p>
+              <a:pPr algn="ctr"/>
+              <a:r>
+                <a:rPr lang="en-US" dirty="0" smtClean="0"/>
+                <a:t>Atmel ATmega168 </a:t>
+              </a:r>
+              <a:r>
+                <a:rPr lang="el-GR" dirty="0" smtClean="0"/>
+                <a:t>μ</a:t>
+              </a:r>
+              <a:r>
+                <a:rPr lang="en-US" dirty="0" smtClean="0"/>
+                <a:t>C </a:t>
+              </a:r>
+              <a:endParaRPr lang="en-US" dirty="0"/>
+            </a:p>
+          </p:txBody>
+        </p:sp>
+        <p:sp>
+          <p:nvSpPr>
+            <p:cNvPr id="19" name="Rounded Rectangle 18"/>
+            <p:cNvSpPr/>
+            <p:nvPr/>
+          </p:nvSpPr>
+          <p:spPr>
+            <a:xfrm>
+              <a:off x="228600" y="381000"/>
+              <a:ext cx="1981200" cy="533400"/>
+            </a:xfrm>
+            <a:prstGeom prst="roundRect">
+              <a:avLst/>
+            </a:prstGeom>
+          </p:spPr>
+          <p:style>
+            <a:lnRef idx="1">
+              <a:schemeClr val="accent2"/>
+            </a:lnRef>
+            <a:fillRef idx="3">
+              <a:schemeClr val="accent2"/>
+            </a:fillRef>
+            <a:effectRef idx="2">
+              <a:schemeClr val="accent2"/>
+            </a:effectRef>
+            <a:fontRef idx="minor">
+              <a:schemeClr val="lt1"/>
+            </a:fontRef>
+          </p:style>
+          <p:txBody>
+            <a:bodyPr rtlCol="0" anchor="ctr"/>
+            <a:lstStyle/>
+            <a:p>
+              <a:pPr algn="ctr"/>
+              <a:r>
+                <a:rPr lang="en-US" dirty="0" smtClean="0"/>
+                <a:t>Shaftless Vibration Motor</a:t>
+              </a:r>
+              <a:endParaRPr lang="en-US" dirty="0"/>
+            </a:p>
+          </p:txBody>
+        </p:sp>
+      </p:grpSp>
     </p:spTree>
   </p:cSld>
   <p:clrMapOvr>
@@ -12493,86 +13873,7 @@
   <p:timing>
     <p:tnLst>
       <p:par>
-        <p:cTn id="1" dur="indefinite" restart="never" nodeType="tmRoot">
-          <p:childTnLst>
-            <p:seq concurrent="1" nextAc="seek">
-              <p:cTn id="2" dur="indefinite" nodeType="mainSeq">
-                <p:childTnLst>
-                  <p:par>
-                    <p:cTn id="3" fill="hold">
-                      <p:stCondLst>
-                        <p:cond delay="indefinite"/>
-                        <p:cond evt="onBegin" delay="0">
-                          <p:tn val="2"/>
-                        </p:cond>
-                      </p:stCondLst>
-                      <p:childTnLst>
-                        <p:par>
-                          <p:cTn id="4" fill="hold">
-                            <p:stCondLst>
-                              <p:cond delay="0"/>
-                            </p:stCondLst>
-                            <p:childTnLst>
-                              <p:par>
-                                <p:cTn id="5" presetID="9" presetClass="entr" presetSubtype="0" fill="hold" nodeType="withEffect">
-                                  <p:stCondLst>
-                                    <p:cond delay="0"/>
-                                  </p:stCondLst>
-                                  <p:childTnLst>
-                                    <p:set>
-                                      <p:cBhvr>
-                                        <p:cTn id="6" dur="1" fill="hold">
-                                          <p:stCondLst>
-                                            <p:cond delay="0"/>
-                                          </p:stCondLst>
-                                        </p:cTn>
-                                        <p:tgtEl>
-                                          <p:spTgt spid="24"/>
-                                        </p:tgtEl>
-                                        <p:attrNameLst>
-                                          <p:attrName>style.visibility</p:attrName>
-                                        </p:attrNameLst>
-                                      </p:cBhvr>
-                                      <p:to>
-                                        <p:strVal val="visible"/>
-                                      </p:to>
-                                    </p:set>
-                                    <p:animEffect transition="in" filter="dissolve">
-                                      <p:cBhvr>
-                                        <p:cTn id="7" dur="500"/>
-                                        <p:tgtEl>
-                                          <p:spTgt spid="24"/>
-                                        </p:tgtEl>
-                                      </p:cBhvr>
-                                    </p:animEffect>
-                                  </p:childTnLst>
-                                </p:cTn>
-                              </p:par>
-                            </p:childTnLst>
-                          </p:cTn>
-                        </p:par>
-                      </p:childTnLst>
-                    </p:cTn>
-                  </p:par>
-                </p:childTnLst>
-              </p:cTn>
-              <p:prevCondLst>
-                <p:cond evt="onPrev" delay="0">
-                  <p:tgtEl>
-                    <p:sldTgt/>
-                  </p:tgtEl>
-                </p:cond>
-              </p:prevCondLst>
-              <p:nextCondLst>
-                <p:cond evt="onNext" delay="0">
-                  <p:tgtEl>
-                    <p:sldTgt/>
-                  </p:tgtEl>
-                </p:cond>
-              </p:nextCondLst>
-            </p:seq>
-          </p:childTnLst>
-        </p:cTn>
+        <p:cTn id="1" dur="indefinite" restart="never" nodeType="tmRoot"/>
       </p:par>
     </p:tnLst>
   </p:timing>
